--- a/Presentation1.pptx
+++ b/Presentation1.pptx
@@ -2,7 +2,7 @@
 <file path=ppt/presentation.xml><?xml version="1.0" encoding="utf-8"?>
 <p:presentation xmlns:a="http://schemas.openxmlformats.org/drawingml/2006/main" xmlns:r="http://schemas.openxmlformats.org/officeDocument/2006/relationships" xmlns:p="http://schemas.openxmlformats.org/presentationml/2006/main" saveSubsetFonts="1">
   <p:sldMasterIdLst>
-    <p:sldMasterId id="2147483660" r:id="rId1"/>
+    <p:sldMasterId id="2147483705" r:id="rId1"/>
   </p:sldMasterIdLst>
   <p:sldIdLst>
     <p:sldId id="256" r:id="rId2"/>
@@ -114,7 +114,7 @@
 </file>
 
 <file path=ppt/slideLayouts/slideLayout1.xml><?xml version="1.0" encoding="utf-8"?>
-<p:sldLayout xmlns:a="http://schemas.openxmlformats.org/drawingml/2006/main" xmlns:r="http://schemas.openxmlformats.org/officeDocument/2006/relationships" xmlns:p="http://schemas.openxmlformats.org/presentationml/2006/main" type="title" preserve="1">
+<p:sldLayout xmlns:a="http://schemas.openxmlformats.org/drawingml/2006/main" xmlns:r="http://schemas.openxmlformats.org/officeDocument/2006/relationships" xmlns:p="http://schemas.openxmlformats.org/presentationml/2006/main" showMasterSp="0" type="title" preserve="1">
   <p:cSld name="Title Slide">
     <p:spTree>
       <p:nvGrpSpPr>
@@ -130,94 +130,86 @@
           <a:chExt cx="0" cy="0"/>
         </a:xfrm>
       </p:grpSpPr>
-      <p:sp>
-        <p:nvSpPr>
-          <p:cNvPr id="11" name="Freeform 6"/>
+      <p:pic>
+        <p:nvPicPr>
+          <p:cNvPr id="7" name="Picture 6" descr="Brickwork-HD-R1a.jpg"/>
+          <p:cNvPicPr>
+            <a:picLocks noChangeAspect="1"/>
+          </p:cNvPicPr>
+          <p:nvPr/>
+        </p:nvPicPr>
+        <p:blipFill>
+          <a:blip r:embed="rId2">
+            <a:extLst>
+              <a:ext uri="{28A0092B-C50C-407E-A947-70E740481C1C}">
+                <a14:useLocalDpi xmlns:a14="http://schemas.microsoft.com/office/drawing/2010/main" val="0"/>
+              </a:ext>
+            </a:extLst>
+          </a:blip>
+          <a:stretch>
+            <a:fillRect/>
+          </a:stretch>
+        </p:blipFill>
+        <p:spPr>
+          <a:xfrm>
+            <a:off x="0" y="0"/>
+            <a:ext cx="12192000" cy="6858000"/>
+          </a:xfrm>
+          <a:prstGeom prst="rect">
+            <a:avLst/>
+          </a:prstGeom>
+        </p:spPr>
+      </p:pic>
+      <p:sp useBgFill="1">
+        <p:nvSpPr>
+          <p:cNvPr id="12" name="Freeform 11"/>
           <p:cNvSpPr/>
           <p:nvPr/>
         </p:nvSpPr>
-        <p:spPr bwMode="auto">
+        <p:spPr>
           <a:xfrm>
-            <a:off x="0" y="-3175"/>
-            <a:ext cx="12192000" cy="5203825"/>
+            <a:off x="-15875" y="0"/>
+            <a:ext cx="11683810" cy="6588125"/>
           </a:xfrm>
           <a:custGeom>
             <a:avLst/>
             <a:gdLst/>
             <a:ahLst/>
             <a:cxnLst/>
-            <a:rect l="0" t="0" r="r" b="b"/>
+            <a:rect l="l" t="t" r="r" b="b"/>
             <a:pathLst>
-              <a:path w="5760" h="3278">
+              <a:path w="11683810" h="6588125">
                 <a:moveTo>
-                  <a:pt x="5760" y="0"/>
+                  <a:pt x="0" y="0"/>
                 </a:moveTo>
                 <a:lnTo>
-                  <a:pt x="0" y="0"/>
+                  <a:pt x="11318691" y="0"/>
                 </a:lnTo>
                 <a:lnTo>
-                  <a:pt x="0" y="3090"/>
+                  <a:pt x="11683810" y="5976938"/>
                 </a:lnTo>
                 <a:lnTo>
-                  <a:pt x="943" y="3090"/>
+                  <a:pt x="15875" y="6588125"/>
                 </a:lnTo>
-                <a:lnTo>
-                  <a:pt x="1123" y="3270"/>
-                </a:lnTo>
-                <a:lnTo>
-                  <a:pt x="1123" y="3270"/>
-                </a:lnTo>
-                <a:lnTo>
-                  <a:pt x="1127" y="3272"/>
-                </a:lnTo>
-                <a:lnTo>
-                  <a:pt x="1133" y="3275"/>
-                </a:lnTo>
-                <a:lnTo>
-                  <a:pt x="1139" y="3278"/>
-                </a:lnTo>
-                <a:lnTo>
-                  <a:pt x="1144" y="3278"/>
-                </a:lnTo>
-                <a:lnTo>
-                  <a:pt x="1150" y="3278"/>
-                </a:lnTo>
-                <a:lnTo>
-                  <a:pt x="1155" y="3275"/>
-                </a:lnTo>
-                <a:lnTo>
-                  <a:pt x="1161" y="3272"/>
-                </a:lnTo>
-                <a:lnTo>
-                  <a:pt x="1165" y="3270"/>
-                </a:lnTo>
-                <a:lnTo>
-                  <a:pt x="1345" y="3090"/>
-                </a:lnTo>
-                <a:lnTo>
-                  <a:pt x="5760" y="3090"/>
-                </a:lnTo>
-                <a:lnTo>
-                  <a:pt x="5760" y="0"/>
-                </a:lnTo>
+                <a:cubicBezTo>
+                  <a:pt x="10583" y="4386792"/>
+                  <a:pt x="5292" y="2185458"/>
+                  <a:pt x="0" y="0"/>
+                </a:cubicBezTo>
                 <a:close/>
               </a:path>
             </a:pathLst>
           </a:custGeom>
-          <a:ln/>
-          <a:effectLst/>
-          <a:extLst>
-            <a:ext uri="{91240B29-F687-4f45-9708-019B960494DF}">
-              <a14:hiddenLine xmlns:a14="http://schemas.microsoft.com/office/drawing/2010/main" xmlns="" w="9525">
-                <a:solidFill>
-                  <a:srgbClr val="000000"/>
-                </a:solidFill>
-                <a:round/>
-                <a:headEnd/>
-                <a:tailEnd/>
-              </a14:hiddenLine>
-            </a:ext>
-          </a:extLst>
+          <a:ln>
+            <a:noFill/>
+          </a:ln>
+          <a:effectLst>
+            <a:outerShdw blurRad="101600" dist="152400" dir="4380000" algn="tl" rotWithShape="0">
+              <a:srgbClr val="000000">
+                <a:alpha val="43000"/>
+              </a:srgbClr>
+            </a:outerShdw>
+          </a:effectLst>
         </p:spPr>
         <p:style>
           <a:lnRef idx="1">
@@ -236,6 +228,207 @@
       </p:sp>
       <p:sp>
         <p:nvSpPr>
+          <p:cNvPr id="14" name="Freeform 13"/>
+          <p:cNvSpPr/>
+          <p:nvPr/>
+        </p:nvSpPr>
+        <p:spPr>
+          <a:xfrm>
+            <a:off x="0" y="4282257"/>
+            <a:ext cx="11329257" cy="2028845"/>
+          </a:xfrm>
+          <a:custGeom>
+            <a:avLst/>
+            <a:gdLst/>
+            <a:ahLst/>
+            <a:cxnLst/>
+            <a:rect l="l" t="t" r="r" b="b"/>
+            <a:pathLst>
+              <a:path w="11329257" h="2028845">
+                <a:moveTo>
+                  <a:pt x="0" y="588520"/>
+                </a:moveTo>
+                <a:lnTo>
+                  <a:pt x="11244075" y="0"/>
+                </a:lnTo>
+                <a:lnTo>
+                  <a:pt x="11329257" y="1424838"/>
+                </a:lnTo>
+                <a:lnTo>
+                  <a:pt x="0" y="2028845"/>
+                </a:lnTo>
+                <a:lnTo>
+                  <a:pt x="0" y="588520"/>
+                </a:lnTo>
+                <a:close/>
+              </a:path>
+            </a:pathLst>
+          </a:custGeom>
+          <a:gradFill flip="none" rotWithShape="1">
+            <a:gsLst>
+              <a:gs pos="34000">
+                <a:schemeClr val="accent1"/>
+              </a:gs>
+              <a:gs pos="100000">
+                <a:schemeClr val="accent1">
+                  <a:lumMod val="50000"/>
+                </a:schemeClr>
+              </a:gs>
+            </a:gsLst>
+            <a:path path="circle">
+              <a:fillToRect l="50000" t="50000" r="50000" b="50000"/>
+            </a:path>
+            <a:tileRect/>
+          </a:gradFill>
+          <a:ln>
+            <a:noFill/>
+          </a:ln>
+        </p:spPr>
+        <p:style>
+          <a:lnRef idx="1">
+            <a:schemeClr val="accent1"/>
+          </a:lnRef>
+          <a:fillRef idx="3">
+            <a:schemeClr val="accent1"/>
+          </a:fillRef>
+          <a:effectRef idx="2">
+            <a:schemeClr val="accent1"/>
+          </a:effectRef>
+          <a:fontRef idx="minor">
+            <a:schemeClr val="lt1"/>
+          </a:fontRef>
+        </p:style>
+      </p:sp>
+      <p:sp>
+        <p:nvSpPr>
+          <p:cNvPr id="26" name="Freeform 25"/>
+          <p:cNvSpPr/>
+          <p:nvPr/>
+        </p:nvSpPr>
+        <p:spPr>
+          <a:xfrm>
+            <a:off x="0" y="0"/>
+            <a:ext cx="8719579" cy="456877"/>
+          </a:xfrm>
+          <a:custGeom>
+            <a:avLst/>
+            <a:gdLst/>
+            <a:ahLst/>
+            <a:cxnLst/>
+            <a:rect l="l" t="t" r="r" b="b"/>
+            <a:pathLst>
+              <a:path w="8719579" h="456877">
+                <a:moveTo>
+                  <a:pt x="0" y="0"/>
+                </a:moveTo>
+                <a:lnTo>
+                  <a:pt x="8719579" y="0"/>
+                </a:lnTo>
+                <a:lnTo>
+                  <a:pt x="0" y="456877"/>
+                </a:lnTo>
+                <a:lnTo>
+                  <a:pt x="0" y="0"/>
+                </a:lnTo>
+                <a:close/>
+              </a:path>
+            </a:pathLst>
+          </a:custGeom>
+          <a:gradFill flip="none" rotWithShape="1">
+            <a:gsLst>
+              <a:gs pos="34000">
+                <a:schemeClr val="accent1"/>
+              </a:gs>
+              <a:gs pos="100000">
+                <a:schemeClr val="accent1">
+                  <a:lumMod val="50000"/>
+                </a:schemeClr>
+              </a:gs>
+            </a:gsLst>
+            <a:path path="circle">
+              <a:fillToRect l="50000" t="50000" r="50000" b="50000"/>
+            </a:path>
+            <a:tileRect/>
+          </a:gradFill>
+          <a:ln>
+            <a:noFill/>
+          </a:ln>
+        </p:spPr>
+        <p:style>
+          <a:lnRef idx="1">
+            <a:schemeClr val="accent1"/>
+          </a:lnRef>
+          <a:fillRef idx="3">
+            <a:schemeClr val="accent1"/>
+          </a:fillRef>
+          <a:effectRef idx="2">
+            <a:schemeClr val="accent1"/>
+          </a:effectRef>
+          <a:fontRef idx="minor">
+            <a:schemeClr val="lt1"/>
+          </a:fontRef>
+        </p:style>
+      </p:sp>
+      <p:sp>
+        <p:nvSpPr>
+          <p:cNvPr id="15" name="Freeform 14"/>
+          <p:cNvSpPr/>
+          <p:nvPr/>
+        </p:nvSpPr>
+        <p:spPr>
+          <a:xfrm rot="21420000">
+            <a:off x="-161800" y="293317"/>
+            <a:ext cx="11367116" cy="5751804"/>
+          </a:xfrm>
+          <a:custGeom>
+            <a:avLst/>
+            <a:gdLst/>
+            <a:ahLst/>
+            <a:cxnLst/>
+            <a:rect l="l" t="t" r="r" b="b"/>
+            <a:pathLst>
+              <a:path w="11367116" h="5751804">
+                <a:moveTo>
+                  <a:pt x="11346705" y="0"/>
+                </a:moveTo>
+                <a:cubicBezTo>
+                  <a:pt x="11353509" y="1915114"/>
+                  <a:pt x="11360312" y="3830229"/>
+                  <a:pt x="11367116" y="5745343"/>
+                </a:cubicBezTo>
+                <a:lnTo>
+                  <a:pt x="0" y="5751804"/>
+                </a:lnTo>
+              </a:path>
+            </a:pathLst>
+          </a:custGeom>
+          <a:ln w="82550">
+            <a:solidFill>
+              <a:schemeClr val="tx1">
+                <a:lumMod val="50000"/>
+                <a:lumOff val="50000"/>
+              </a:schemeClr>
+            </a:solidFill>
+            <a:miter lim="800000"/>
+          </a:ln>
+        </p:spPr>
+        <p:style>
+          <a:lnRef idx="2">
+            <a:schemeClr val="accent1"/>
+          </a:lnRef>
+          <a:fillRef idx="0">
+            <a:schemeClr val="accent1"/>
+          </a:fillRef>
+          <a:effectRef idx="1">
+            <a:schemeClr val="accent1"/>
+          </a:effectRef>
+          <a:fontRef idx="minor">
+            <a:schemeClr val="tx1"/>
+          </a:fontRef>
+        </p:style>
+      </p:sp>
+      <p:sp>
+        <p:nvSpPr>
           <p:cNvPr id="2" name="Title 1"/>
           <p:cNvSpPr>
             <a:spLocks noGrp="1"/>
@@ -245,16 +438,18 @@
           </p:nvPr>
         </p:nvSpPr>
         <p:spPr>
-          <a:xfrm>
-            <a:off x="810001" y="1449147"/>
-            <a:ext cx="10572000" cy="2971051"/>
-          </a:xfrm>
-        </p:spPr>
-        <p:txBody>
-          <a:bodyPr/>
+          <a:xfrm rot="21420000">
+            <a:off x="891201" y="662656"/>
+            <a:ext cx="9755187" cy="2766528"/>
+          </a:xfrm>
+        </p:spPr>
+        <p:txBody>
+          <a:bodyPr anchor="b">
+            <a:normAutofit/>
+          </a:bodyPr>
           <a:lstStyle>
-            <a:lvl1pPr>
-              <a:defRPr sz="5400"/>
+            <a:lvl1pPr algn="r">
+              <a:defRPr sz="8000"/>
             </a:lvl1pPr>
           </a:lstStyle>
           <a:p>
@@ -277,168 +472,164 @@
           </p:nvPr>
         </p:nvSpPr>
         <p:spPr>
-          <a:xfrm>
-            <a:off x="810001" y="5280847"/>
-            <a:ext cx="10572000" cy="434974"/>
-          </a:xfrm>
-        </p:spPr>
-        <p:txBody>
-          <a:bodyPr anchor="t"/>
+          <a:xfrm rot="21420000">
+            <a:off x="983062" y="3505209"/>
+            <a:ext cx="9755187" cy="550333"/>
+          </a:xfrm>
+        </p:spPr>
+        <p:txBody>
+          <a:bodyPr anchor="t">
+            <a:noAutofit/>
+          </a:bodyPr>
           <a:lstStyle>
-            <a:lvl1pPr marL="0" indent="0" algn="l">
-              <a:buNone/>
-              <a:defRPr>
+            <a:lvl1pPr marL="0" indent="0" algn="r">
+              <a:buNone/>
+              <a:defRPr sz="2800">
                 <a:solidFill>
-                  <a:schemeClr val="tx1"/>
+                  <a:schemeClr val="bg1">
+                    <a:lumMod val="50000"/>
+                  </a:schemeClr>
                 </a:solidFill>
               </a:defRPr>
             </a:lvl1pPr>
             <a:lvl2pPr marL="457200" indent="0" algn="ctr">
               <a:buNone/>
-              <a:defRPr>
+              <a:defRPr sz="2000"/>
+            </a:lvl2pPr>
+            <a:lvl3pPr marL="914400" indent="0" algn="ctr">
+              <a:buNone/>
+              <a:defRPr sz="1800"/>
+            </a:lvl3pPr>
+            <a:lvl4pPr marL="1371600" indent="0" algn="ctr">
+              <a:buNone/>
+              <a:defRPr sz="1600"/>
+            </a:lvl4pPr>
+            <a:lvl5pPr marL="1828800" indent="0" algn="ctr">
+              <a:buNone/>
+              <a:defRPr sz="1600"/>
+            </a:lvl5pPr>
+            <a:lvl6pPr marL="2286000" indent="0" algn="ctr">
+              <a:buNone/>
+              <a:defRPr sz="1600"/>
+            </a:lvl6pPr>
+            <a:lvl7pPr marL="2743200" indent="0" algn="ctr">
+              <a:buNone/>
+              <a:defRPr sz="1600"/>
+            </a:lvl7pPr>
+            <a:lvl8pPr marL="3200400" indent="0" algn="ctr">
+              <a:buNone/>
+              <a:defRPr sz="1600"/>
+            </a:lvl8pPr>
+            <a:lvl9pPr marL="3657600" indent="0" algn="ctr">
+              <a:buNone/>
+              <a:defRPr sz="1600"/>
+            </a:lvl9pPr>
+          </a:lstStyle>
+          <a:p>
+            <a:r>
+              <a:rPr lang="en-US"/>
+              <a:t>Click to edit Master subtitle style</a:t>
+            </a:r>
+            <a:endParaRPr lang="en-US" dirty="0"/>
+          </a:p>
+        </p:txBody>
+      </p:sp>
+      <p:sp>
+        <p:nvSpPr>
+          <p:cNvPr id="4" name="Date Placeholder 3"/>
+          <p:cNvSpPr>
+            <a:spLocks noGrp="1"/>
+          </p:cNvSpPr>
+          <p:nvPr>
+            <p:ph type="dt" sz="half" idx="10"/>
+          </p:nvPr>
+        </p:nvSpPr>
+        <p:spPr>
+          <a:xfrm rot="21420000">
+            <a:off x="4948541" y="4578463"/>
+            <a:ext cx="6143653" cy="1163112"/>
+          </a:xfrm>
+        </p:spPr>
+        <p:txBody>
+          <a:bodyPr/>
+          <a:lstStyle>
+            <a:lvl1pPr algn="ctr">
+              <a:defRPr sz="5400">
                 <a:solidFill>
-                  <a:schemeClr val="tx1">
-                    <a:tint val="75000"/>
+                  <a:schemeClr val="accent1">
+                    <a:lumMod val="50000"/>
                   </a:schemeClr>
                 </a:solidFill>
               </a:defRPr>
-            </a:lvl2pPr>
-            <a:lvl3pPr marL="914400" indent="0" algn="ctr">
-              <a:buNone/>
-              <a:defRPr>
+            </a:lvl1pPr>
+          </a:lstStyle>
+          <a:p>
+            <a:fld id="{29079BC8-7655-4E93-83EF-7F8C5EA3FD9C}" type="datetimeFigureOut">
+              <a:rPr lang="en-US" smtClean="0"/>
+              <a:t>11/28/2024</a:t>
+            </a:fld>
+            <a:endParaRPr lang="en-US"/>
+          </a:p>
+        </p:txBody>
+      </p:sp>
+      <p:sp>
+        <p:nvSpPr>
+          <p:cNvPr id="5" name="Footer Placeholder 4"/>
+          <p:cNvSpPr>
+            <a:spLocks noGrp="1"/>
+          </p:cNvSpPr>
+          <p:nvPr>
+            <p:ph type="ftr" sz="quarter" idx="11"/>
+          </p:nvPr>
+        </p:nvSpPr>
+        <p:spPr>
+          <a:xfrm rot="21420000">
+            <a:off x="-5560" y="4883024"/>
+            <a:ext cx="4047239" cy="1195538"/>
+          </a:xfrm>
+        </p:spPr>
+        <p:txBody>
+          <a:bodyPr vert="horz" lIns="91440" tIns="45720" rIns="91440" bIns="45720" rtlCol="0" anchor="ctr"/>
+          <a:lstStyle>
+            <a:lvl1pPr algn="r">
+              <a:defRPr lang="en-US" sz="5400" dirty="0"/>
+            </a:lvl1pPr>
+          </a:lstStyle>
+          <a:p>
+            <a:endParaRPr lang="en-US"/>
+          </a:p>
+        </p:txBody>
+      </p:sp>
+      <p:sp>
+        <p:nvSpPr>
+          <p:cNvPr id="6" name="Slide Number Placeholder 5"/>
+          <p:cNvSpPr>
+            <a:spLocks noGrp="1"/>
+          </p:cNvSpPr>
+          <p:nvPr>
+            <p:ph type="sldNum" sz="quarter" idx="12"/>
+          </p:nvPr>
+        </p:nvSpPr>
+        <p:spPr>
+          <a:xfrm rot="21420000">
+            <a:off x="9851758" y="3832648"/>
+            <a:ext cx="907186" cy="498470"/>
+          </a:xfrm>
+        </p:spPr>
+        <p:txBody>
+          <a:bodyPr/>
+          <a:lstStyle>
+            <a:lvl1pPr>
+              <a:defRPr sz="2400">
                 <a:solidFill>
                   <a:schemeClr val="tx1">
-                    <a:tint val="75000"/>
+                    <a:lumMod val="75000"/>
+                    <a:lumOff val="25000"/>
                   </a:schemeClr>
                 </a:solidFill>
               </a:defRPr>
-            </a:lvl3pPr>
-            <a:lvl4pPr marL="1371600" indent="0" algn="ctr">
-              <a:buNone/>
-              <a:defRPr>
-                <a:solidFill>
-                  <a:schemeClr val="tx1">
-                    <a:tint val="75000"/>
-                  </a:schemeClr>
-                </a:solidFill>
-              </a:defRPr>
-            </a:lvl4pPr>
-            <a:lvl5pPr marL="1828800" indent="0" algn="ctr">
-              <a:buNone/>
-              <a:defRPr>
-                <a:solidFill>
-                  <a:schemeClr val="tx1">
-                    <a:tint val="75000"/>
-                  </a:schemeClr>
-                </a:solidFill>
-              </a:defRPr>
-            </a:lvl5pPr>
-            <a:lvl6pPr marL="2286000" indent="0" algn="ctr">
-              <a:buNone/>
-              <a:defRPr>
-                <a:solidFill>
-                  <a:schemeClr val="tx1">
-                    <a:tint val="75000"/>
-                  </a:schemeClr>
-                </a:solidFill>
-              </a:defRPr>
-            </a:lvl6pPr>
-            <a:lvl7pPr marL="2743200" indent="0" algn="ctr">
-              <a:buNone/>
-              <a:defRPr>
-                <a:solidFill>
-                  <a:schemeClr val="tx1">
-                    <a:tint val="75000"/>
-                  </a:schemeClr>
-                </a:solidFill>
-              </a:defRPr>
-            </a:lvl7pPr>
-            <a:lvl8pPr marL="3200400" indent="0" algn="ctr">
-              <a:buNone/>
-              <a:defRPr>
-                <a:solidFill>
-                  <a:schemeClr val="tx1">
-                    <a:tint val="75000"/>
-                  </a:schemeClr>
-                </a:solidFill>
-              </a:defRPr>
-            </a:lvl8pPr>
-            <a:lvl9pPr marL="3657600" indent="0" algn="ctr">
-              <a:buNone/>
-              <a:defRPr>
-                <a:solidFill>
-                  <a:schemeClr val="tx1">
-                    <a:tint val="75000"/>
-                  </a:schemeClr>
-                </a:solidFill>
-              </a:defRPr>
-            </a:lvl9pPr>
+            </a:lvl1pPr>
           </a:lstStyle>
-          <a:p>
-            <a:r>
-              <a:rPr lang="en-US"/>
-              <a:t>Click to edit Master subtitle style</a:t>
-            </a:r>
-            <a:endParaRPr lang="en-US" dirty="0"/>
-          </a:p>
-        </p:txBody>
-      </p:sp>
-      <p:sp>
-        <p:nvSpPr>
-          <p:cNvPr id="4" name="Date Placeholder 3"/>
-          <p:cNvSpPr>
-            <a:spLocks noGrp="1"/>
-          </p:cNvSpPr>
-          <p:nvPr>
-            <p:ph type="dt" sz="half" idx="10"/>
-          </p:nvPr>
-        </p:nvSpPr>
-        <p:spPr/>
-        <p:txBody>
-          <a:bodyPr/>
-          <a:lstStyle/>
-          <a:p>
-            <a:fld id="{29079BC8-7655-4E93-83EF-7F8C5EA3FD9C}" type="datetimeFigureOut">
-              <a:rPr lang="en-US" smtClean="0"/>
-              <a:t>11/17/2024</a:t>
-            </a:fld>
-            <a:endParaRPr lang="en-US"/>
-          </a:p>
-        </p:txBody>
-      </p:sp>
-      <p:sp>
-        <p:nvSpPr>
-          <p:cNvPr id="5" name="Footer Placeholder 4"/>
-          <p:cNvSpPr>
-            <a:spLocks noGrp="1"/>
-          </p:cNvSpPr>
-          <p:nvPr>
-            <p:ph type="ftr" sz="quarter" idx="11"/>
-          </p:nvPr>
-        </p:nvSpPr>
-        <p:spPr/>
-        <p:txBody>
-          <a:bodyPr/>
-          <a:lstStyle/>
-          <a:p>
-            <a:endParaRPr lang="en-US"/>
-          </a:p>
-        </p:txBody>
-      </p:sp>
-      <p:sp>
-        <p:nvSpPr>
-          <p:cNvPr id="6" name="Slide Number Placeholder 5"/>
-          <p:cNvSpPr>
-            <a:spLocks noGrp="1"/>
-          </p:cNvSpPr>
-          <p:nvPr>
-            <p:ph type="sldNum" sz="quarter" idx="12"/>
-          </p:nvPr>
-        </p:nvSpPr>
-        <p:spPr/>
-        <p:txBody>
-          <a:bodyPr/>
-          <a:lstStyle/>
           <a:p>
             <a:fld id="{6953C5C3-5539-492A-8DCE-E0F843FFEBAC}" type="slidenum">
               <a:rPr lang="en-US" smtClean="0"/>
@@ -448,10 +639,52 @@
           </a:p>
         </p:txBody>
       </p:sp>
+      <p:sp>
+        <p:nvSpPr>
+          <p:cNvPr id="25" name="5-Point Star 24"/>
+          <p:cNvSpPr/>
+          <p:nvPr/>
+        </p:nvSpPr>
+        <p:spPr>
+          <a:xfrm rot="21420000">
+            <a:off x="4221385" y="5111356"/>
+            <a:ext cx="515386" cy="515386"/>
+          </a:xfrm>
+          <a:prstGeom prst="star5">
+            <a:avLst>
+              <a:gd name="adj" fmla="val 26693"/>
+              <a:gd name="hf" fmla="val 105146"/>
+              <a:gd name="vf" fmla="val 110557"/>
+            </a:avLst>
+          </a:prstGeom>
+          <a:solidFill>
+            <a:schemeClr val="tx1">
+              <a:alpha val="40000"/>
+            </a:schemeClr>
+          </a:solidFill>
+          <a:ln>
+            <a:noFill/>
+          </a:ln>
+        </p:spPr>
+        <p:style>
+          <a:lnRef idx="1">
+            <a:schemeClr val="accent1"/>
+          </a:lnRef>
+          <a:fillRef idx="3">
+            <a:schemeClr val="accent1"/>
+          </a:fillRef>
+          <a:effectRef idx="2">
+            <a:schemeClr val="accent1"/>
+          </a:effectRef>
+          <a:fontRef idx="minor">
+            <a:schemeClr val="lt1"/>
+          </a:fontRef>
+        </p:style>
+      </p:sp>
     </p:spTree>
     <p:extLst>
       <p:ext uri="{BB962C8B-B14F-4D97-AF65-F5344CB8AC3E}">
-        <p14:creationId xmlns:p14="http://schemas.microsoft.com/office/powerpoint/2010/main" val="2538398913"/>
+        <p14:creationId xmlns:p14="http://schemas.microsoft.com/office/powerpoint/2010/main" val="1145105078"/>
       </p:ext>
     </p:extLst>
   </p:cSld>
@@ -490,17 +723,15 @@
         </p:nvSpPr>
         <p:spPr>
           <a:xfrm>
-            <a:off x="810000" y="4800600"/>
-            <a:ext cx="10561418" cy="566738"/>
-          </a:xfrm>
-        </p:spPr>
-        <p:txBody>
-          <a:bodyPr anchor="b">
-            <a:normAutofit/>
-          </a:bodyPr>
+            <a:off x="685800" y="4106333"/>
+            <a:ext cx="10394708" cy="588846"/>
+          </a:xfrm>
+        </p:spPr>
+        <p:txBody>
+          <a:bodyPr anchor="b"/>
           <a:lstStyle>
-            <a:lvl1pPr algn="l">
-              <a:defRPr sz="2400" b="0"/>
+            <a:lvl1pPr>
+              <a:defRPr sz="3200"/>
             </a:lvl1pPr>
           </a:lstStyle>
           <a:p>
@@ -514,182 +745,131 @@
       </p:sp>
       <p:sp>
         <p:nvSpPr>
-          <p:cNvPr id="15" name="Picture Placeholder 14"/>
+          <p:cNvPr id="3" name="Picture Placeholder 2"/>
           <p:cNvSpPr>
             <a:spLocks noGrp="1" noChangeAspect="1"/>
           </p:cNvSpPr>
           <p:nvPr>
-            <p:ph type="pic" sz="quarter" idx="13"/>
-          </p:nvPr>
-        </p:nvSpPr>
-        <p:spPr bwMode="auto">
+            <p:ph type="pic" idx="1"/>
+          </p:nvPr>
+        </p:nvSpPr>
+        <p:spPr>
           <a:xfrm>
-            <a:off x="0" y="0"/>
-            <a:ext cx="12192000" cy="4800600"/>
-          </a:xfrm>
-          <a:custGeom>
-            <a:avLst/>
-            <a:gdLst/>
-            <a:ahLst/>
-            <a:cxnLst/>
-            <a:rect l="0" t="0" r="r" b="b"/>
-            <a:pathLst>
-              <a:path w="5760" h="3289">
-                <a:moveTo>
-                  <a:pt x="5760" y="0"/>
-                </a:moveTo>
-                <a:lnTo>
-                  <a:pt x="0" y="0"/>
-                </a:lnTo>
-                <a:lnTo>
-                  <a:pt x="0" y="3100"/>
-                </a:lnTo>
-                <a:lnTo>
-                  <a:pt x="943" y="3100"/>
-                </a:lnTo>
-                <a:lnTo>
-                  <a:pt x="1123" y="3281"/>
-                </a:lnTo>
-                <a:lnTo>
-                  <a:pt x="1123" y="3281"/>
-                </a:lnTo>
-                <a:lnTo>
-                  <a:pt x="1127" y="3283"/>
-                </a:lnTo>
-                <a:lnTo>
-                  <a:pt x="1133" y="3286"/>
-                </a:lnTo>
-                <a:lnTo>
-                  <a:pt x="1139" y="3289"/>
-                </a:lnTo>
-                <a:lnTo>
-                  <a:pt x="1144" y="3289"/>
-                </a:lnTo>
-                <a:lnTo>
-                  <a:pt x="1150" y="3289"/>
-                </a:lnTo>
-                <a:lnTo>
-                  <a:pt x="1155" y="3286"/>
-                </a:lnTo>
-                <a:lnTo>
-                  <a:pt x="1161" y="3283"/>
-                </a:lnTo>
-                <a:lnTo>
-                  <a:pt x="1165" y="3281"/>
-                </a:lnTo>
-                <a:lnTo>
-                  <a:pt x="1345" y="3100"/>
-                </a:lnTo>
-                <a:lnTo>
-                  <a:pt x="5760" y="3100"/>
-                </a:lnTo>
-                <a:lnTo>
-                  <a:pt x="5760" y="0"/>
-                </a:lnTo>
-                <a:close/>
-              </a:path>
-            </a:pathLst>
-          </a:custGeom>
-          <a:noFill/>
-          <a:ln>
+            <a:off x="685801" y="685799"/>
+            <a:ext cx="10392513" cy="3194903"/>
+          </a:xfrm>
+          <a:ln w="57150" cmpd="thinThick">
             <a:solidFill>
-              <a:schemeClr val="tx2"/>
+              <a:schemeClr val="bg1">
+                <a:lumMod val="50000"/>
+              </a:schemeClr>
             </a:solidFill>
+            <a:miter lim="800000"/>
           </a:ln>
         </p:spPr>
-        <p:style>
-          <a:lnRef idx="1">
-            <a:schemeClr val="accent1"/>
-          </a:lnRef>
-          <a:fillRef idx="3">
-            <a:schemeClr val="accent1"/>
-          </a:fillRef>
-          <a:effectRef idx="2">
-            <a:schemeClr val="accent1"/>
-          </a:effectRef>
-          <a:fontRef idx="minor">
-            <a:schemeClr val="lt1"/>
-          </a:fontRef>
-        </p:style>
-        <p:txBody>
-          <a:bodyPr wrap="square" numCol="1" anchor="t" anchorCtr="0" compatLnSpc="1">
-            <a:prstTxWarp prst="textNoShape">
-              <a:avLst/>
-            </a:prstTxWarp>
-            <a:normAutofit/>
-          </a:bodyPr>
+        <p:txBody>
+          <a:bodyPr anchor="t"/>
           <a:lstStyle>
             <a:lvl1pPr marL="0" indent="0" algn="ctr">
-              <a:buFontTx/>
+              <a:buNone/>
+              <a:defRPr sz="3200"/>
+            </a:lvl1pPr>
+            <a:lvl2pPr marL="457200" indent="0">
+              <a:buNone/>
+              <a:defRPr sz="2800"/>
+            </a:lvl2pPr>
+            <a:lvl3pPr marL="914400" indent="0">
+              <a:buNone/>
+              <a:defRPr sz="2400"/>
+            </a:lvl3pPr>
+            <a:lvl4pPr marL="1371600" indent="0">
+              <a:buNone/>
+              <a:defRPr sz="2000"/>
+            </a:lvl4pPr>
+            <a:lvl5pPr marL="1828800" indent="0">
+              <a:buNone/>
+              <a:defRPr sz="2000"/>
+            </a:lvl5pPr>
+            <a:lvl6pPr marL="2286000" indent="0">
+              <a:buNone/>
+              <a:defRPr sz="2000"/>
+            </a:lvl6pPr>
+            <a:lvl7pPr marL="2743200" indent="0">
+              <a:buNone/>
+              <a:defRPr sz="2000"/>
+            </a:lvl7pPr>
+            <a:lvl8pPr marL="3200400" indent="0">
+              <a:buNone/>
+              <a:defRPr sz="2000"/>
+            </a:lvl8pPr>
+            <a:lvl9pPr marL="3657600" indent="0">
+              <a:buNone/>
+              <a:defRPr sz="2000"/>
+            </a:lvl9pPr>
+          </a:lstStyle>
+          <a:p>
+            <a:r>
+              <a:rPr lang="en-US"/>
+              <a:t>Click icon to add picture</a:t>
+            </a:r>
+            <a:endParaRPr lang="en-US" dirty="0"/>
+          </a:p>
+        </p:txBody>
+      </p:sp>
+      <p:sp>
+        <p:nvSpPr>
+          <p:cNvPr id="4" name="Text Placeholder 3"/>
+          <p:cNvSpPr>
+            <a:spLocks noGrp="1"/>
+          </p:cNvSpPr>
+          <p:nvPr>
+            <p:ph type="body" sz="half" idx="2"/>
+          </p:nvPr>
+        </p:nvSpPr>
+        <p:spPr>
+          <a:xfrm>
+            <a:off x="685780" y="4702923"/>
+            <a:ext cx="10394728" cy="682472"/>
+          </a:xfrm>
+        </p:spPr>
+        <p:txBody>
+          <a:bodyPr anchor="t"/>
+          <a:lstStyle>
+            <a:lvl1pPr marL="0" indent="0" algn="l">
               <a:buNone/>
               <a:defRPr sz="1600"/>
             </a:lvl1pPr>
-          </a:lstStyle>
-          <a:p>
-            <a:r>
-              <a:rPr lang="en-US"/>
-              <a:t>Click icon to add picture</a:t>
-            </a:r>
-            <a:endParaRPr lang="en-US" dirty="0"/>
-          </a:p>
-        </p:txBody>
-      </p:sp>
-      <p:sp>
-        <p:nvSpPr>
-          <p:cNvPr id="4" name="Text Placeholder 3"/>
-          <p:cNvSpPr>
-            <a:spLocks noGrp="1"/>
-          </p:cNvSpPr>
-          <p:nvPr>
-            <p:ph type="body" sz="half" idx="2"/>
-          </p:nvPr>
-        </p:nvSpPr>
-        <p:spPr>
-          <a:xfrm>
-            <a:off x="810000" y="5367338"/>
-            <a:ext cx="10561418" cy="493712"/>
-          </a:xfrm>
-        </p:spPr>
-        <p:txBody>
-          <a:bodyPr>
-            <a:normAutofit/>
-          </a:bodyPr>
-          <a:lstStyle>
-            <a:lvl1pPr marL="0" indent="0">
-              <a:buNone/>
-              <a:defRPr sz="1200"/>
-            </a:lvl1pPr>
             <a:lvl2pPr marL="457200" indent="0">
               <a:buNone/>
-              <a:defRPr sz="1200"/>
+              <a:defRPr sz="1400"/>
             </a:lvl2pPr>
             <a:lvl3pPr marL="914400" indent="0">
               <a:buNone/>
-              <a:defRPr sz="1000"/>
+              <a:defRPr sz="1200"/>
             </a:lvl3pPr>
             <a:lvl4pPr marL="1371600" indent="0">
               <a:buNone/>
-              <a:defRPr sz="900"/>
+              <a:defRPr sz="1000"/>
             </a:lvl4pPr>
             <a:lvl5pPr marL="1828800" indent="0">
               <a:buNone/>
-              <a:defRPr sz="900"/>
+              <a:defRPr sz="1000"/>
             </a:lvl5pPr>
             <a:lvl6pPr marL="2286000" indent="0">
               <a:buNone/>
-              <a:defRPr sz="900"/>
+              <a:defRPr sz="1000"/>
             </a:lvl6pPr>
             <a:lvl7pPr marL="2743200" indent="0">
               <a:buNone/>
-              <a:defRPr sz="900"/>
+              <a:defRPr sz="1000"/>
             </a:lvl7pPr>
             <a:lvl8pPr marL="3200400" indent="0">
               <a:buNone/>
-              <a:defRPr sz="900"/>
+              <a:defRPr sz="1000"/>
             </a:lvl8pPr>
             <a:lvl9pPr marL="3657600" indent="0">
               <a:buNone/>
-              <a:defRPr sz="900"/>
+              <a:defRPr sz="1000"/>
             </a:lvl9pPr>
           </a:lstStyle>
           <a:p>
@@ -718,7 +898,7 @@
           <a:p>
             <a:fld id="{29079BC8-7655-4E93-83EF-7F8C5EA3FD9C}" type="datetimeFigureOut">
               <a:rPr lang="en-US" smtClean="0"/>
-              <a:t>11/17/2024</a:t>
+              <a:t>11/28/2024</a:t>
             </a:fld>
             <a:endParaRPr lang="en-US"/>
           </a:p>
@@ -769,7 +949,7 @@
     </p:spTree>
     <p:extLst>
       <p:ext uri="{BB962C8B-B14F-4D97-AF65-F5344CB8AC3E}">
-        <p14:creationId xmlns:p14="http://schemas.microsoft.com/office/powerpoint/2010/main" val="2995663135"/>
+        <p14:creationId xmlns:p14="http://schemas.microsoft.com/office/powerpoint/2010/main" val="1189994538"/>
       </p:ext>
     </p:extLst>
   </p:cSld>
@@ -780,6 +960,202 @@
 </file>
 
 <file path=ppt/slideLayouts/slideLayout11.xml><?xml version="1.0" encoding="utf-8"?>
+<p:sldLayout xmlns:a="http://schemas.openxmlformats.org/drawingml/2006/main" xmlns:r="http://schemas.openxmlformats.org/officeDocument/2006/relationships" xmlns:p="http://schemas.openxmlformats.org/presentationml/2006/main" preserve="1">
+  <p:cSld name="Title and Caption">
+    <p:spTree>
+      <p:nvGrpSpPr>
+        <p:cNvPr id="1" name=""/>
+        <p:cNvGrpSpPr/>
+        <p:nvPr/>
+      </p:nvGrpSpPr>
+      <p:grpSpPr>
+        <a:xfrm>
+          <a:off x="0" y="0"/>
+          <a:ext cx="0" cy="0"/>
+          <a:chOff x="0" y="0"/>
+          <a:chExt cx="0" cy="0"/>
+        </a:xfrm>
+      </p:grpSpPr>
+      <p:sp>
+        <p:nvSpPr>
+          <p:cNvPr id="2" name="Title 1"/>
+          <p:cNvSpPr>
+            <a:spLocks noGrp="1"/>
+          </p:cNvSpPr>
+          <p:nvPr>
+            <p:ph type="title"/>
+          </p:nvPr>
+        </p:nvSpPr>
+        <p:spPr>
+          <a:xfrm>
+            <a:off x="685801" y="685800"/>
+            <a:ext cx="10396902" cy="3194903"/>
+          </a:xfrm>
+        </p:spPr>
+        <p:txBody>
+          <a:bodyPr anchor="ctr">
+            <a:normAutofit/>
+          </a:bodyPr>
+          <a:lstStyle>
+            <a:lvl1pPr algn="ctr">
+              <a:defRPr sz="4800"/>
+            </a:lvl1pPr>
+          </a:lstStyle>
+          <a:p>
+            <a:r>
+              <a:rPr lang="en-US"/>
+              <a:t>Click to edit Master title style</a:t>
+            </a:r>
+            <a:endParaRPr lang="en-US" dirty="0"/>
+          </a:p>
+        </p:txBody>
+      </p:sp>
+      <p:sp>
+        <p:nvSpPr>
+          <p:cNvPr id="4" name="Text Placeholder 3"/>
+          <p:cNvSpPr>
+            <a:spLocks noGrp="1"/>
+          </p:cNvSpPr>
+          <p:nvPr>
+            <p:ph type="body" sz="half" idx="2"/>
+          </p:nvPr>
+        </p:nvSpPr>
+        <p:spPr>
+          <a:xfrm>
+            <a:off x="685779" y="4106333"/>
+            <a:ext cx="10394729" cy="1273606"/>
+          </a:xfrm>
+        </p:spPr>
+        <p:txBody>
+          <a:bodyPr anchor="ctr">
+            <a:normAutofit/>
+          </a:bodyPr>
+          <a:lstStyle>
+            <a:lvl1pPr marL="0" indent="0" algn="ctr">
+              <a:buNone/>
+              <a:defRPr sz="1800"/>
+            </a:lvl1pPr>
+            <a:lvl2pPr marL="457200" indent="0">
+              <a:buNone/>
+              <a:defRPr sz="1400"/>
+            </a:lvl2pPr>
+            <a:lvl3pPr marL="914400" indent="0">
+              <a:buNone/>
+              <a:defRPr sz="1200"/>
+            </a:lvl3pPr>
+            <a:lvl4pPr marL="1371600" indent="0">
+              <a:buNone/>
+              <a:defRPr sz="1000"/>
+            </a:lvl4pPr>
+            <a:lvl5pPr marL="1828800" indent="0">
+              <a:buNone/>
+              <a:defRPr sz="1000"/>
+            </a:lvl5pPr>
+            <a:lvl6pPr marL="2286000" indent="0">
+              <a:buNone/>
+              <a:defRPr sz="1000"/>
+            </a:lvl6pPr>
+            <a:lvl7pPr marL="2743200" indent="0">
+              <a:buNone/>
+              <a:defRPr sz="1000"/>
+            </a:lvl7pPr>
+            <a:lvl8pPr marL="3200400" indent="0">
+              <a:buNone/>
+              <a:defRPr sz="1000"/>
+            </a:lvl8pPr>
+            <a:lvl9pPr marL="3657600" indent="0">
+              <a:buNone/>
+              <a:defRPr sz="1000"/>
+            </a:lvl9pPr>
+          </a:lstStyle>
+          <a:p>
+            <a:pPr lvl="0"/>
+            <a:r>
+              <a:rPr lang="en-US"/>
+              <a:t>Click to edit Master text styles</a:t>
+            </a:r>
+          </a:p>
+        </p:txBody>
+      </p:sp>
+      <p:sp>
+        <p:nvSpPr>
+          <p:cNvPr id="5" name="Date Placeholder 4"/>
+          <p:cNvSpPr>
+            <a:spLocks noGrp="1"/>
+          </p:cNvSpPr>
+          <p:nvPr>
+            <p:ph type="dt" sz="half" idx="10"/>
+          </p:nvPr>
+        </p:nvSpPr>
+        <p:spPr/>
+        <p:txBody>
+          <a:bodyPr/>
+          <a:lstStyle/>
+          <a:p>
+            <a:fld id="{29079BC8-7655-4E93-83EF-7F8C5EA3FD9C}" type="datetimeFigureOut">
+              <a:rPr lang="en-US" smtClean="0"/>
+              <a:t>11/28/2024</a:t>
+            </a:fld>
+            <a:endParaRPr lang="en-US"/>
+          </a:p>
+        </p:txBody>
+      </p:sp>
+      <p:sp>
+        <p:nvSpPr>
+          <p:cNvPr id="6" name="Footer Placeholder 5"/>
+          <p:cNvSpPr>
+            <a:spLocks noGrp="1"/>
+          </p:cNvSpPr>
+          <p:nvPr>
+            <p:ph type="ftr" sz="quarter" idx="11"/>
+          </p:nvPr>
+        </p:nvSpPr>
+        <p:spPr/>
+        <p:txBody>
+          <a:bodyPr/>
+          <a:lstStyle/>
+          <a:p>
+            <a:endParaRPr lang="en-US"/>
+          </a:p>
+        </p:txBody>
+      </p:sp>
+      <p:sp>
+        <p:nvSpPr>
+          <p:cNvPr id="7" name="Slide Number Placeholder 6"/>
+          <p:cNvSpPr>
+            <a:spLocks noGrp="1"/>
+          </p:cNvSpPr>
+          <p:nvPr>
+            <p:ph type="sldNum" sz="quarter" idx="12"/>
+          </p:nvPr>
+        </p:nvSpPr>
+        <p:spPr/>
+        <p:txBody>
+          <a:bodyPr/>
+          <a:lstStyle/>
+          <a:p>
+            <a:fld id="{6953C5C3-5539-492A-8DCE-E0F843FFEBAC}" type="slidenum">
+              <a:rPr lang="en-US" smtClean="0"/>
+              <a:t>‹#›</a:t>
+            </a:fld>
+            <a:endParaRPr lang="en-US"/>
+          </a:p>
+        </p:txBody>
+      </p:sp>
+    </p:spTree>
+    <p:extLst>
+      <p:ext uri="{BB962C8B-B14F-4D97-AF65-F5344CB8AC3E}">
+        <p14:creationId xmlns:p14="http://schemas.microsoft.com/office/powerpoint/2010/main" val="3372604587"/>
+      </p:ext>
+    </p:extLst>
+  </p:cSld>
+  <p:clrMapOvr>
+    <a:masterClrMapping/>
+  </p:clrMapOvr>
+</p:sldLayout>
+</file>
+
+<file path=ppt/slideLayouts/slideLayout12.xml><?xml version="1.0" encoding="utf-8"?>
 <p:sldLayout xmlns:a="http://schemas.openxmlformats.org/drawingml/2006/main" xmlns:r="http://schemas.openxmlformats.org/officeDocument/2006/relationships" xmlns:p="http://schemas.openxmlformats.org/presentationml/2006/main" preserve="1">
   <p:cSld name="Quote with Caption">
     <p:spTree>
@@ -798,233 +1174,27 @@
       </p:grpSpPr>
       <p:sp>
         <p:nvSpPr>
-          <p:cNvPr id="8" name="Freeform 6"/>
-          <p:cNvSpPr>
-            <a:spLocks noChangeAspect="1"/>
-          </p:cNvSpPr>
-          <p:nvPr/>
-        </p:nvSpPr>
-        <p:spPr bwMode="auto">
+          <p:cNvPr id="2" name="Title 1"/>
+          <p:cNvSpPr>
+            <a:spLocks noGrp="1"/>
+          </p:cNvSpPr>
+          <p:nvPr>
+            <p:ph type="title"/>
+          </p:nvPr>
+        </p:nvSpPr>
+        <p:spPr>
           <a:xfrm>
-            <a:off x="631697" y="1081456"/>
-            <a:ext cx="6332416" cy="3239188"/>
-          </a:xfrm>
-          <a:custGeom>
-            <a:avLst/>
-            <a:gdLst/>
-            <a:ahLst/>
-            <a:cxnLst/>
-            <a:rect l="0" t="0" r="r" b="b"/>
-            <a:pathLst>
-              <a:path w="3384" h="2308">
-                <a:moveTo>
-                  <a:pt x="3340" y="0"/>
-                </a:moveTo>
-                <a:lnTo>
-                  <a:pt x="44" y="0"/>
-                </a:lnTo>
-                <a:lnTo>
-                  <a:pt x="44" y="0"/>
-                </a:lnTo>
-                <a:lnTo>
-                  <a:pt x="34" y="0"/>
-                </a:lnTo>
-                <a:lnTo>
-                  <a:pt x="26" y="4"/>
-                </a:lnTo>
-                <a:lnTo>
-                  <a:pt x="20" y="8"/>
-                </a:lnTo>
-                <a:lnTo>
-                  <a:pt x="12" y="12"/>
-                </a:lnTo>
-                <a:lnTo>
-                  <a:pt x="8" y="20"/>
-                </a:lnTo>
-                <a:lnTo>
-                  <a:pt x="4" y="26"/>
-                </a:lnTo>
-                <a:lnTo>
-                  <a:pt x="0" y="34"/>
-                </a:lnTo>
-                <a:lnTo>
-                  <a:pt x="0" y="44"/>
-                </a:lnTo>
-                <a:lnTo>
-                  <a:pt x="0" y="2076"/>
-                </a:lnTo>
-                <a:lnTo>
-                  <a:pt x="0" y="2076"/>
-                </a:lnTo>
-                <a:lnTo>
-                  <a:pt x="0" y="2086"/>
-                </a:lnTo>
-                <a:lnTo>
-                  <a:pt x="4" y="2094"/>
-                </a:lnTo>
-                <a:lnTo>
-                  <a:pt x="8" y="2100"/>
-                </a:lnTo>
-                <a:lnTo>
-                  <a:pt x="12" y="2108"/>
-                </a:lnTo>
-                <a:lnTo>
-                  <a:pt x="20" y="2112"/>
-                </a:lnTo>
-                <a:lnTo>
-                  <a:pt x="26" y="2116"/>
-                </a:lnTo>
-                <a:lnTo>
-                  <a:pt x="34" y="2120"/>
-                </a:lnTo>
-                <a:lnTo>
-                  <a:pt x="44" y="2120"/>
-                </a:lnTo>
-                <a:lnTo>
-                  <a:pt x="474" y="2120"/>
-                </a:lnTo>
-                <a:lnTo>
-                  <a:pt x="650" y="2296"/>
-                </a:lnTo>
-                <a:lnTo>
-                  <a:pt x="650" y="2296"/>
-                </a:lnTo>
-                <a:lnTo>
-                  <a:pt x="656" y="2300"/>
-                </a:lnTo>
-                <a:lnTo>
-                  <a:pt x="664" y="2304"/>
-                </a:lnTo>
-                <a:lnTo>
-                  <a:pt x="672" y="2308"/>
-                </a:lnTo>
-                <a:lnTo>
-                  <a:pt x="680" y="2308"/>
-                </a:lnTo>
-                <a:lnTo>
-                  <a:pt x="688" y="2308"/>
-                </a:lnTo>
-                <a:lnTo>
-                  <a:pt x="696" y="2304"/>
-                </a:lnTo>
-                <a:lnTo>
-                  <a:pt x="704" y="2300"/>
-                </a:lnTo>
-                <a:lnTo>
-                  <a:pt x="710" y="2296"/>
-                </a:lnTo>
-                <a:lnTo>
-                  <a:pt x="886" y="2120"/>
-                </a:lnTo>
-                <a:lnTo>
-                  <a:pt x="3340" y="2120"/>
-                </a:lnTo>
-                <a:lnTo>
-                  <a:pt x="3340" y="2120"/>
-                </a:lnTo>
-                <a:lnTo>
-                  <a:pt x="3350" y="2120"/>
-                </a:lnTo>
-                <a:lnTo>
-                  <a:pt x="3358" y="2116"/>
-                </a:lnTo>
-                <a:lnTo>
-                  <a:pt x="3364" y="2112"/>
-                </a:lnTo>
-                <a:lnTo>
-                  <a:pt x="3372" y="2108"/>
-                </a:lnTo>
-                <a:lnTo>
-                  <a:pt x="3376" y="2100"/>
-                </a:lnTo>
-                <a:lnTo>
-                  <a:pt x="3380" y="2094"/>
-                </a:lnTo>
-                <a:lnTo>
-                  <a:pt x="3384" y="2086"/>
-                </a:lnTo>
-                <a:lnTo>
-                  <a:pt x="3384" y="2076"/>
-                </a:lnTo>
-                <a:lnTo>
-                  <a:pt x="3384" y="44"/>
-                </a:lnTo>
-                <a:lnTo>
-                  <a:pt x="3384" y="44"/>
-                </a:lnTo>
-                <a:lnTo>
-                  <a:pt x="3384" y="34"/>
-                </a:lnTo>
-                <a:lnTo>
-                  <a:pt x="3380" y="26"/>
-                </a:lnTo>
-                <a:lnTo>
-                  <a:pt x="3376" y="20"/>
-                </a:lnTo>
-                <a:lnTo>
-                  <a:pt x="3372" y="12"/>
-                </a:lnTo>
-                <a:lnTo>
-                  <a:pt x="3364" y="8"/>
-                </a:lnTo>
-                <a:lnTo>
-                  <a:pt x="3358" y="4"/>
-                </a:lnTo>
-                <a:lnTo>
-                  <a:pt x="3350" y="0"/>
-                </a:lnTo>
-                <a:lnTo>
-                  <a:pt x="3340" y="0"/>
-                </a:lnTo>
-                <a:lnTo>
-                  <a:pt x="3340" y="0"/>
-                </a:lnTo>
-                <a:close/>
-              </a:path>
-            </a:pathLst>
-          </a:custGeom>
-          <a:ln>
-            <a:solidFill>
-              <a:schemeClr val="accent1"/>
-            </a:solidFill>
-          </a:ln>
-        </p:spPr>
-        <p:style>
-          <a:lnRef idx="1">
-            <a:schemeClr val="accent1"/>
-          </a:lnRef>
-          <a:fillRef idx="3">
-            <a:schemeClr val="accent1"/>
-          </a:fillRef>
-          <a:effectRef idx="2">
-            <a:schemeClr val="accent1"/>
-          </a:effectRef>
-          <a:fontRef idx="minor">
-            <a:schemeClr val="lt1"/>
-          </a:fontRef>
-        </p:style>
-      </p:sp>
-      <p:sp>
-        <p:nvSpPr>
-          <p:cNvPr id="2" name="Title 1"/>
-          <p:cNvSpPr>
-            <a:spLocks noGrp="1"/>
-          </p:cNvSpPr>
-          <p:nvPr>
-            <p:ph type="title"/>
-          </p:nvPr>
-        </p:nvSpPr>
-        <p:spPr>
-          <a:xfrm>
-            <a:off x="850985" y="1238502"/>
-            <a:ext cx="5893840" cy="2645912"/>
-          </a:xfrm>
-        </p:spPr>
-        <p:txBody>
-          <a:bodyPr anchor="b"/>
+            <a:off x="1121732" y="685800"/>
+            <a:ext cx="9525020" cy="2916704"/>
+          </a:xfrm>
+        </p:spPr>
+        <p:txBody>
+          <a:bodyPr anchor="ctr">
+            <a:normAutofit/>
+          </a:bodyPr>
           <a:lstStyle>
-            <a:lvl1pPr algn="l">
-              <a:defRPr sz="4200" b="1" cap="none"/>
+            <a:lvl1pPr algn="ctr">
+              <a:defRPr sz="4800"/>
             </a:lvl1pPr>
           </a:lstStyle>
           <a:p>
@@ -1038,112 +1208,67 @@
       </p:sp>
       <p:sp>
         <p:nvSpPr>
-          <p:cNvPr id="3" name="Text Placeholder 2"/>
-          <p:cNvSpPr>
-            <a:spLocks noGrp="1"/>
-          </p:cNvSpPr>
-          <p:nvPr>
-            <p:ph type="body" idx="1"/>
+          <p:cNvPr id="12" name="Text Placeholder 3"/>
+          <p:cNvSpPr>
+            <a:spLocks noGrp="1"/>
+          </p:cNvSpPr>
+          <p:nvPr>
+            <p:ph type="body" sz="half" idx="13"/>
           </p:nvPr>
         </p:nvSpPr>
         <p:spPr>
           <a:xfrm>
-            <a:off x="853190" y="4443680"/>
-            <a:ext cx="5891636" cy="713241"/>
+            <a:off x="1550264" y="3610032"/>
+            <a:ext cx="8667956" cy="377768"/>
           </a:xfrm>
         </p:spPr>
         <p:txBody>
           <a:bodyPr anchor="t">
-            <a:noAutofit/>
+            <a:normAutofit/>
           </a:bodyPr>
           <a:lstStyle>
-            <a:lvl1pPr marL="0" indent="0" algn="l">
-              <a:buNone/>
-              <a:defRPr sz="1800">
+            <a:lvl1pPr marL="0" indent="0" algn="r">
+              <a:buNone/>
+              <a:defRPr sz="1400">
                 <a:solidFill>
-                  <a:schemeClr val="tx1"/>
+                  <a:schemeClr val="tx1">
+                    <a:lumMod val="50000"/>
+                    <a:lumOff val="50000"/>
+                  </a:schemeClr>
                 </a:solidFill>
               </a:defRPr>
             </a:lvl1pPr>
             <a:lvl2pPr marL="457200" indent="0">
               <a:buNone/>
-              <a:defRPr sz="1800">
-                <a:solidFill>
-                  <a:schemeClr val="tx1">
-                    <a:tint val="75000"/>
-                  </a:schemeClr>
-                </a:solidFill>
-              </a:defRPr>
+              <a:defRPr sz="1400"/>
             </a:lvl2pPr>
             <a:lvl3pPr marL="914400" indent="0">
               <a:buNone/>
-              <a:defRPr sz="1600">
-                <a:solidFill>
-                  <a:schemeClr val="tx1">
-                    <a:tint val="75000"/>
-                  </a:schemeClr>
-                </a:solidFill>
-              </a:defRPr>
+              <a:defRPr sz="1200"/>
             </a:lvl3pPr>
             <a:lvl4pPr marL="1371600" indent="0">
               <a:buNone/>
-              <a:defRPr sz="1400">
-                <a:solidFill>
-                  <a:schemeClr val="tx1">
-                    <a:tint val="75000"/>
-                  </a:schemeClr>
-                </a:solidFill>
-              </a:defRPr>
+              <a:defRPr sz="1000"/>
             </a:lvl4pPr>
             <a:lvl5pPr marL="1828800" indent="0">
               <a:buNone/>
-              <a:defRPr sz="1400">
-                <a:solidFill>
-                  <a:schemeClr val="tx1">
-                    <a:tint val="75000"/>
-                  </a:schemeClr>
-                </a:solidFill>
-              </a:defRPr>
+              <a:defRPr sz="1000"/>
             </a:lvl5pPr>
             <a:lvl6pPr marL="2286000" indent="0">
               <a:buNone/>
-              <a:defRPr sz="1400">
-                <a:solidFill>
-                  <a:schemeClr val="tx1">
-                    <a:tint val="75000"/>
-                  </a:schemeClr>
-                </a:solidFill>
-              </a:defRPr>
+              <a:defRPr sz="1000"/>
             </a:lvl6pPr>
             <a:lvl7pPr marL="2743200" indent="0">
               <a:buNone/>
-              <a:defRPr sz="1400">
-                <a:solidFill>
-                  <a:schemeClr val="tx1">
-                    <a:tint val="75000"/>
-                  </a:schemeClr>
-                </a:solidFill>
-              </a:defRPr>
+              <a:defRPr sz="1000"/>
             </a:lvl7pPr>
             <a:lvl8pPr marL="3200400" indent="0">
               <a:buNone/>
-              <a:defRPr sz="1400">
-                <a:solidFill>
-                  <a:schemeClr val="tx1">
-                    <a:tint val="75000"/>
-                  </a:schemeClr>
-                </a:solidFill>
-              </a:defRPr>
+              <a:defRPr sz="1000"/>
             </a:lvl8pPr>
             <a:lvl9pPr marL="3657600" indent="0">
               <a:buNone/>
-              <a:defRPr sz="1400">
-                <a:solidFill>
-                  <a:schemeClr val="tx1">
-                    <a:tint val="75000"/>
-                  </a:schemeClr>
-                </a:solidFill>
-              </a:defRPr>
+              <a:defRPr sz="1000"/>
             </a:lvl9pPr>
           </a:lstStyle>
           <a:p>
@@ -1157,28 +1282,61 @@
       </p:sp>
       <p:sp>
         <p:nvSpPr>
-          <p:cNvPr id="9" name="Text Placeholder 5"/>
-          <p:cNvSpPr>
-            <a:spLocks noGrp="1"/>
-          </p:cNvSpPr>
-          <p:nvPr>
-            <p:ph type="body" sz="quarter" idx="16"/>
+          <p:cNvPr id="4" name="Text Placeholder 3"/>
+          <p:cNvSpPr>
+            <a:spLocks noGrp="1"/>
+          </p:cNvSpPr>
+          <p:nvPr>
+            <p:ph type="body" sz="half" idx="2"/>
           </p:nvPr>
         </p:nvSpPr>
         <p:spPr>
           <a:xfrm>
-            <a:off x="7574642" y="1081456"/>
-            <a:ext cx="3810001" cy="4075465"/>
-          </a:xfrm>
-        </p:spPr>
-        <p:txBody>
-          <a:bodyPr anchor="t"/>
+            <a:off x="685801" y="4106334"/>
+            <a:ext cx="10396882" cy="1268252"/>
+          </a:xfrm>
+        </p:spPr>
+        <p:txBody>
+          <a:bodyPr anchor="ctr">
+            <a:normAutofit/>
+          </a:bodyPr>
           <a:lstStyle>
-            <a:lvl1pPr marL="0" indent="0">
-              <a:buFontTx/>
-              <a:buNone/>
-              <a:defRPr/>
+            <a:lvl1pPr marL="0" indent="0" algn="ctr">
+              <a:buNone/>
+              <a:defRPr sz="1800"/>
             </a:lvl1pPr>
+            <a:lvl2pPr marL="457200" indent="0">
+              <a:buNone/>
+              <a:defRPr sz="1400"/>
+            </a:lvl2pPr>
+            <a:lvl3pPr marL="914400" indent="0">
+              <a:buNone/>
+              <a:defRPr sz="1200"/>
+            </a:lvl3pPr>
+            <a:lvl4pPr marL="1371600" indent="0">
+              <a:buNone/>
+              <a:defRPr sz="1000"/>
+            </a:lvl4pPr>
+            <a:lvl5pPr marL="1828800" indent="0">
+              <a:buNone/>
+              <a:defRPr sz="1000"/>
+            </a:lvl5pPr>
+            <a:lvl6pPr marL="2286000" indent="0">
+              <a:buNone/>
+              <a:defRPr sz="1000"/>
+            </a:lvl6pPr>
+            <a:lvl7pPr marL="2743200" indent="0">
+              <a:buNone/>
+              <a:defRPr sz="1000"/>
+            </a:lvl7pPr>
+            <a:lvl8pPr marL="3200400" indent="0">
+              <a:buNone/>
+              <a:defRPr sz="1000"/>
+            </a:lvl8pPr>
+            <a:lvl9pPr marL="3657600" indent="0">
+              <a:buNone/>
+              <a:defRPr sz="1000"/>
+            </a:lvl9pPr>
           </a:lstStyle>
           <a:p>
             <a:pPr lvl="0"/>
@@ -1191,7 +1349,7 @@
       </p:sp>
       <p:sp>
         <p:nvSpPr>
-          <p:cNvPr id="4" name="Date Placeholder 3"/>
+          <p:cNvPr id="5" name="Date Placeholder 4"/>
           <p:cNvSpPr>
             <a:spLocks noGrp="1"/>
           </p:cNvSpPr>
@@ -1206,7 +1364,7 @@
           <a:p>
             <a:fld id="{29079BC8-7655-4E93-83EF-7F8C5EA3FD9C}" type="datetimeFigureOut">
               <a:rPr lang="en-US" smtClean="0"/>
-              <a:t>11/17/2024</a:t>
+              <a:t>11/28/2024</a:t>
             </a:fld>
             <a:endParaRPr lang="en-US"/>
           </a:p>
@@ -1214,7 +1372,7 @@
       </p:sp>
       <p:sp>
         <p:nvSpPr>
-          <p:cNvPr id="5" name="Footer Placeholder 4"/>
+          <p:cNvPr id="6" name="Footer Placeholder 5"/>
           <p:cNvSpPr>
             <a:spLocks noGrp="1"/>
           </p:cNvSpPr>
@@ -1233,7 +1391,7 @@
       </p:sp>
       <p:sp>
         <p:nvSpPr>
-          <p:cNvPr id="6" name="Slide Number Placeholder 5"/>
+          <p:cNvPr id="7" name="Slide Number Placeholder 6"/>
           <p:cNvSpPr>
             <a:spLocks noGrp="1"/>
           </p:cNvSpPr>
@@ -1254,10 +1412,242 @@
           </a:p>
         </p:txBody>
       </p:sp>
+      <p:sp>
+        <p:nvSpPr>
+          <p:cNvPr id="13" name="TextBox 12"/>
+          <p:cNvSpPr txBox="1"/>
+          <p:nvPr/>
+        </p:nvSpPr>
+        <p:spPr>
+          <a:xfrm>
+            <a:off x="685801" y="892628"/>
+            <a:ext cx="609600" cy="584776"/>
+          </a:xfrm>
+          <a:prstGeom prst="rect">
+            <a:avLst/>
+          </a:prstGeom>
+        </p:spPr>
+        <p:txBody>
+          <a:bodyPr vert="horz" lIns="91440" tIns="45720" rIns="91440" bIns="45720" rtlCol="0" anchor="ctr">
+            <a:noAutofit/>
+          </a:bodyPr>
+          <a:lstStyle>
+            <a:lvl1pPr>
+              <a:spcBef>
+                <a:spcPct val="0"/>
+              </a:spcBef>
+              <a:buNone/>
+              <a:defRPr sz="3200" b="0" cap="all">
+                <a:ln w="3175" cmpd="sng">
+                  <a:noFill/>
+                </a:ln>
+                <a:effectLst>
+                  <a:glow rad="38100">
+                    <a:schemeClr val="bg1">
+                      <a:lumMod val="65000"/>
+                      <a:lumOff val="35000"/>
+                      <a:alpha val="40000"/>
+                    </a:schemeClr>
+                  </a:glow>
+                  <a:outerShdw blurRad="28575" dist="38100" dir="14040000" algn="tl" rotWithShape="0">
+                    <a:srgbClr val="000000">
+                      <a:alpha val="25000"/>
+                    </a:srgbClr>
+                  </a:outerShdw>
+                </a:effectLst>
+              </a:defRPr>
+            </a:lvl1pPr>
+            <a:lvl2pPr>
+              <a:defRPr>
+                <a:solidFill>
+                  <a:schemeClr val="tx2"/>
+                </a:solidFill>
+              </a:defRPr>
+            </a:lvl2pPr>
+            <a:lvl3pPr>
+              <a:defRPr>
+                <a:solidFill>
+                  <a:schemeClr val="tx2"/>
+                </a:solidFill>
+              </a:defRPr>
+            </a:lvl3pPr>
+            <a:lvl4pPr>
+              <a:defRPr>
+                <a:solidFill>
+                  <a:schemeClr val="tx2"/>
+                </a:solidFill>
+              </a:defRPr>
+            </a:lvl4pPr>
+            <a:lvl5pPr>
+              <a:defRPr>
+                <a:solidFill>
+                  <a:schemeClr val="tx2"/>
+                </a:solidFill>
+              </a:defRPr>
+            </a:lvl5pPr>
+            <a:lvl6pPr>
+              <a:defRPr>
+                <a:solidFill>
+                  <a:schemeClr val="tx2"/>
+                </a:solidFill>
+              </a:defRPr>
+            </a:lvl6pPr>
+            <a:lvl7pPr>
+              <a:defRPr>
+                <a:solidFill>
+                  <a:schemeClr val="tx2"/>
+                </a:solidFill>
+              </a:defRPr>
+            </a:lvl7pPr>
+            <a:lvl8pPr>
+              <a:defRPr>
+                <a:solidFill>
+                  <a:schemeClr val="tx2"/>
+                </a:solidFill>
+              </a:defRPr>
+            </a:lvl8pPr>
+            <a:lvl9pPr>
+              <a:defRPr>
+                <a:solidFill>
+                  <a:schemeClr val="tx2"/>
+                </a:solidFill>
+              </a:defRPr>
+            </a:lvl9pPr>
+          </a:lstStyle>
+          <a:p>
+            <a:pPr lvl="0"/>
+            <a:r>
+              <a:rPr lang="en-US" sz="8000" dirty="0">
+                <a:solidFill>
+                  <a:schemeClr val="tx1"/>
+                </a:solidFill>
+                <a:effectLst/>
+              </a:rPr>
+              <a:t>“</a:t>
+            </a:r>
+          </a:p>
+        </p:txBody>
+      </p:sp>
+      <p:sp>
+        <p:nvSpPr>
+          <p:cNvPr id="14" name="TextBox 13"/>
+          <p:cNvSpPr txBox="1"/>
+          <p:nvPr/>
+        </p:nvSpPr>
+        <p:spPr>
+          <a:xfrm>
+            <a:off x="10473083" y="2922827"/>
+            <a:ext cx="609600" cy="584776"/>
+          </a:xfrm>
+          <a:prstGeom prst="rect">
+            <a:avLst/>
+          </a:prstGeom>
+        </p:spPr>
+        <p:txBody>
+          <a:bodyPr vert="horz" lIns="91440" tIns="45720" rIns="91440" bIns="45720" rtlCol="0" anchor="ctr">
+            <a:noAutofit/>
+          </a:bodyPr>
+          <a:lstStyle>
+            <a:lvl1pPr>
+              <a:spcBef>
+                <a:spcPct val="0"/>
+              </a:spcBef>
+              <a:buNone/>
+              <a:defRPr sz="3200" b="0" cap="all">
+                <a:ln w="3175" cmpd="sng">
+                  <a:noFill/>
+                </a:ln>
+                <a:effectLst>
+                  <a:glow rad="38100">
+                    <a:schemeClr val="bg1">
+                      <a:lumMod val="65000"/>
+                      <a:lumOff val="35000"/>
+                      <a:alpha val="40000"/>
+                    </a:schemeClr>
+                  </a:glow>
+                  <a:outerShdw blurRad="28575" dist="38100" dir="14040000" algn="tl" rotWithShape="0">
+                    <a:srgbClr val="000000">
+                      <a:alpha val="25000"/>
+                    </a:srgbClr>
+                  </a:outerShdw>
+                </a:effectLst>
+              </a:defRPr>
+            </a:lvl1pPr>
+            <a:lvl2pPr>
+              <a:defRPr>
+                <a:solidFill>
+                  <a:schemeClr val="tx2"/>
+                </a:solidFill>
+              </a:defRPr>
+            </a:lvl2pPr>
+            <a:lvl3pPr>
+              <a:defRPr>
+                <a:solidFill>
+                  <a:schemeClr val="tx2"/>
+                </a:solidFill>
+              </a:defRPr>
+            </a:lvl3pPr>
+            <a:lvl4pPr>
+              <a:defRPr>
+                <a:solidFill>
+                  <a:schemeClr val="tx2"/>
+                </a:solidFill>
+              </a:defRPr>
+            </a:lvl4pPr>
+            <a:lvl5pPr>
+              <a:defRPr>
+                <a:solidFill>
+                  <a:schemeClr val="tx2"/>
+                </a:solidFill>
+              </a:defRPr>
+            </a:lvl5pPr>
+            <a:lvl6pPr>
+              <a:defRPr>
+                <a:solidFill>
+                  <a:schemeClr val="tx2"/>
+                </a:solidFill>
+              </a:defRPr>
+            </a:lvl6pPr>
+            <a:lvl7pPr>
+              <a:defRPr>
+                <a:solidFill>
+                  <a:schemeClr val="tx2"/>
+                </a:solidFill>
+              </a:defRPr>
+            </a:lvl7pPr>
+            <a:lvl8pPr>
+              <a:defRPr>
+                <a:solidFill>
+                  <a:schemeClr val="tx2"/>
+                </a:solidFill>
+              </a:defRPr>
+            </a:lvl8pPr>
+            <a:lvl9pPr>
+              <a:defRPr>
+                <a:solidFill>
+                  <a:schemeClr val="tx2"/>
+                </a:solidFill>
+              </a:defRPr>
+            </a:lvl9pPr>
+          </a:lstStyle>
+          <a:p>
+            <a:pPr lvl="0" algn="r"/>
+            <a:r>
+              <a:rPr lang="en-US" sz="8000" dirty="0">
+                <a:solidFill>
+                  <a:schemeClr val="tx1"/>
+                </a:solidFill>
+                <a:effectLst/>
+              </a:rPr>
+              <a:t>”</a:t>
+            </a:r>
+          </a:p>
+        </p:txBody>
+      </p:sp>
     </p:spTree>
     <p:extLst>
       <p:ext uri="{BB962C8B-B14F-4D97-AF65-F5344CB8AC3E}">
-        <p14:creationId xmlns:p14="http://schemas.microsoft.com/office/powerpoint/2010/main" val="375323497"/>
+        <p14:creationId xmlns:p14="http://schemas.microsoft.com/office/powerpoint/2010/main" val="3021588087"/>
       </p:ext>
     </p:extLst>
   </p:cSld>
@@ -1267,7 +1657,7 @@
 </p:sldLayout>
 </file>
 
-<file path=ppt/slideLayouts/slideLayout12.xml><?xml version="1.0" encoding="utf-8"?>
+<file path=ppt/slideLayouts/slideLayout13.xml><?xml version="1.0" encoding="utf-8"?>
 <p:sldLayout xmlns:a="http://schemas.openxmlformats.org/drawingml/2006/main" xmlns:r="http://schemas.openxmlformats.org/officeDocument/2006/relationships" xmlns:p="http://schemas.openxmlformats.org/presentationml/2006/main" preserve="1">
   <p:cSld name="Name Card">
     <p:spTree>
@@ -1286,233 +1676,27 @@
       </p:grpSpPr>
       <p:sp>
         <p:nvSpPr>
-          <p:cNvPr id="9" name="Freeform 6"/>
-          <p:cNvSpPr>
-            <a:spLocks noChangeAspect="1"/>
-          </p:cNvSpPr>
-          <p:nvPr/>
-        </p:nvSpPr>
-        <p:spPr bwMode="auto">
+          <p:cNvPr id="2" name="Title 1"/>
+          <p:cNvSpPr>
+            <a:spLocks noGrp="1"/>
+          </p:cNvSpPr>
+          <p:nvPr>
+            <p:ph type="title"/>
+          </p:nvPr>
+        </p:nvSpPr>
+        <p:spPr>
           <a:xfrm>
-            <a:off x="1140884" y="2286585"/>
-            <a:ext cx="4895115" cy="2503972"/>
-          </a:xfrm>
-          <a:custGeom>
-            <a:avLst/>
-            <a:gdLst/>
-            <a:ahLst/>
-            <a:cxnLst/>
-            <a:rect l="0" t="0" r="r" b="b"/>
-            <a:pathLst>
-              <a:path w="3384" h="2308">
-                <a:moveTo>
-                  <a:pt x="3340" y="0"/>
-                </a:moveTo>
-                <a:lnTo>
-                  <a:pt x="44" y="0"/>
-                </a:lnTo>
-                <a:lnTo>
-                  <a:pt x="44" y="0"/>
-                </a:lnTo>
-                <a:lnTo>
-                  <a:pt x="34" y="0"/>
-                </a:lnTo>
-                <a:lnTo>
-                  <a:pt x="26" y="4"/>
-                </a:lnTo>
-                <a:lnTo>
-                  <a:pt x="20" y="8"/>
-                </a:lnTo>
-                <a:lnTo>
-                  <a:pt x="12" y="12"/>
-                </a:lnTo>
-                <a:lnTo>
-                  <a:pt x="8" y="20"/>
-                </a:lnTo>
-                <a:lnTo>
-                  <a:pt x="4" y="26"/>
-                </a:lnTo>
-                <a:lnTo>
-                  <a:pt x="0" y="34"/>
-                </a:lnTo>
-                <a:lnTo>
-                  <a:pt x="0" y="44"/>
-                </a:lnTo>
-                <a:lnTo>
-                  <a:pt x="0" y="2076"/>
-                </a:lnTo>
-                <a:lnTo>
-                  <a:pt x="0" y="2076"/>
-                </a:lnTo>
-                <a:lnTo>
-                  <a:pt x="0" y="2086"/>
-                </a:lnTo>
-                <a:lnTo>
-                  <a:pt x="4" y="2094"/>
-                </a:lnTo>
-                <a:lnTo>
-                  <a:pt x="8" y="2100"/>
-                </a:lnTo>
-                <a:lnTo>
-                  <a:pt x="12" y="2108"/>
-                </a:lnTo>
-                <a:lnTo>
-                  <a:pt x="20" y="2112"/>
-                </a:lnTo>
-                <a:lnTo>
-                  <a:pt x="26" y="2116"/>
-                </a:lnTo>
-                <a:lnTo>
-                  <a:pt x="34" y="2120"/>
-                </a:lnTo>
-                <a:lnTo>
-                  <a:pt x="44" y="2120"/>
-                </a:lnTo>
-                <a:lnTo>
-                  <a:pt x="474" y="2120"/>
-                </a:lnTo>
-                <a:lnTo>
-                  <a:pt x="650" y="2296"/>
-                </a:lnTo>
-                <a:lnTo>
-                  <a:pt x="650" y="2296"/>
-                </a:lnTo>
-                <a:lnTo>
-                  <a:pt x="656" y="2300"/>
-                </a:lnTo>
-                <a:lnTo>
-                  <a:pt x="664" y="2304"/>
-                </a:lnTo>
-                <a:lnTo>
-                  <a:pt x="672" y="2308"/>
-                </a:lnTo>
-                <a:lnTo>
-                  <a:pt x="680" y="2308"/>
-                </a:lnTo>
-                <a:lnTo>
-                  <a:pt x="688" y="2308"/>
-                </a:lnTo>
-                <a:lnTo>
-                  <a:pt x="696" y="2304"/>
-                </a:lnTo>
-                <a:lnTo>
-                  <a:pt x="704" y="2300"/>
-                </a:lnTo>
-                <a:lnTo>
-                  <a:pt x="710" y="2296"/>
-                </a:lnTo>
-                <a:lnTo>
-                  <a:pt x="886" y="2120"/>
-                </a:lnTo>
-                <a:lnTo>
-                  <a:pt x="3340" y="2120"/>
-                </a:lnTo>
-                <a:lnTo>
-                  <a:pt x="3340" y="2120"/>
-                </a:lnTo>
-                <a:lnTo>
-                  <a:pt x="3350" y="2120"/>
-                </a:lnTo>
-                <a:lnTo>
-                  <a:pt x="3358" y="2116"/>
-                </a:lnTo>
-                <a:lnTo>
-                  <a:pt x="3364" y="2112"/>
-                </a:lnTo>
-                <a:lnTo>
-                  <a:pt x="3372" y="2108"/>
-                </a:lnTo>
-                <a:lnTo>
-                  <a:pt x="3376" y="2100"/>
-                </a:lnTo>
-                <a:lnTo>
-                  <a:pt x="3380" y="2094"/>
-                </a:lnTo>
-                <a:lnTo>
-                  <a:pt x="3384" y="2086"/>
-                </a:lnTo>
-                <a:lnTo>
-                  <a:pt x="3384" y="2076"/>
-                </a:lnTo>
-                <a:lnTo>
-                  <a:pt x="3384" y="44"/>
-                </a:lnTo>
-                <a:lnTo>
-                  <a:pt x="3384" y="44"/>
-                </a:lnTo>
-                <a:lnTo>
-                  <a:pt x="3384" y="34"/>
-                </a:lnTo>
-                <a:lnTo>
-                  <a:pt x="3380" y="26"/>
-                </a:lnTo>
-                <a:lnTo>
-                  <a:pt x="3376" y="20"/>
-                </a:lnTo>
-                <a:lnTo>
-                  <a:pt x="3372" y="12"/>
-                </a:lnTo>
-                <a:lnTo>
-                  <a:pt x="3364" y="8"/>
-                </a:lnTo>
-                <a:lnTo>
-                  <a:pt x="3358" y="4"/>
-                </a:lnTo>
-                <a:lnTo>
-                  <a:pt x="3350" y="0"/>
-                </a:lnTo>
-                <a:lnTo>
-                  <a:pt x="3340" y="0"/>
-                </a:lnTo>
-                <a:lnTo>
-                  <a:pt x="3340" y="0"/>
-                </a:lnTo>
-                <a:close/>
-              </a:path>
-            </a:pathLst>
-          </a:custGeom>
-          <a:ln>
-            <a:solidFill>
-              <a:schemeClr val="accent1"/>
-            </a:solidFill>
-          </a:ln>
-        </p:spPr>
-        <p:style>
-          <a:lnRef idx="1">
-            <a:schemeClr val="accent1"/>
-          </a:lnRef>
-          <a:fillRef idx="3">
-            <a:schemeClr val="accent1"/>
-          </a:fillRef>
-          <a:effectRef idx="2">
-            <a:schemeClr val="accent1"/>
-          </a:effectRef>
-          <a:fontRef idx="minor">
-            <a:schemeClr val="lt1"/>
-          </a:fontRef>
-        </p:style>
-      </p:sp>
-      <p:sp>
-        <p:nvSpPr>
-          <p:cNvPr id="38" name="Title 1"/>
-          <p:cNvSpPr>
-            <a:spLocks noGrp="1"/>
-          </p:cNvSpPr>
-          <p:nvPr>
-            <p:ph type="title"/>
-          </p:nvPr>
-        </p:nvSpPr>
-        <p:spPr>
-          <a:xfrm>
-            <a:off x="1357089" y="2435957"/>
-            <a:ext cx="4382521" cy="2007789"/>
-          </a:xfrm>
-        </p:spPr>
-        <p:txBody>
-          <a:bodyPr/>
+            <a:off x="685800" y="1723854"/>
+            <a:ext cx="10394707" cy="2511835"/>
+          </a:xfrm>
+        </p:spPr>
+        <p:txBody>
+          <a:bodyPr anchor="b">
+            <a:normAutofit/>
+          </a:bodyPr>
           <a:lstStyle>
-            <a:lvl1pPr>
-              <a:defRPr sz="3200"/>
+            <a:lvl1pPr algn="l">
+              <a:defRPr sz="4800"/>
             </a:lvl1pPr>
           </a:lstStyle>
           <a:p>
@@ -1526,28 +1710,61 @@
       </p:sp>
       <p:sp>
         <p:nvSpPr>
-          <p:cNvPr id="6" name="Text Placeholder 5"/>
-          <p:cNvSpPr>
-            <a:spLocks noGrp="1"/>
-          </p:cNvSpPr>
-          <p:nvPr>
-            <p:ph type="body" sz="quarter" idx="16"/>
+          <p:cNvPr id="4" name="Text Placeholder 3"/>
+          <p:cNvSpPr>
+            <a:spLocks noGrp="1"/>
+          </p:cNvSpPr>
+          <p:nvPr>
+            <p:ph type="body" sz="half" idx="2"/>
           </p:nvPr>
         </p:nvSpPr>
         <p:spPr>
           <a:xfrm>
-            <a:off x="6156000" y="2286000"/>
-            <a:ext cx="4880300" cy="2295525"/>
-          </a:xfrm>
-        </p:spPr>
-        <p:txBody>
-          <a:bodyPr anchor="t"/>
+            <a:off x="685800" y="4247468"/>
+            <a:ext cx="10394707" cy="1140644"/>
+          </a:xfrm>
+        </p:spPr>
+        <p:txBody>
+          <a:bodyPr anchor="t">
+            <a:normAutofit/>
+          </a:bodyPr>
           <a:lstStyle>
-            <a:lvl1pPr marL="0" indent="0">
-              <a:buFontTx/>
-              <a:buNone/>
-              <a:defRPr/>
+            <a:lvl1pPr marL="0" indent="0" algn="l">
+              <a:buNone/>
+              <a:defRPr sz="1800"/>
             </a:lvl1pPr>
+            <a:lvl2pPr marL="457200" indent="0">
+              <a:buNone/>
+              <a:defRPr sz="1400"/>
+            </a:lvl2pPr>
+            <a:lvl3pPr marL="914400" indent="0">
+              <a:buNone/>
+              <a:defRPr sz="1200"/>
+            </a:lvl3pPr>
+            <a:lvl4pPr marL="1371600" indent="0">
+              <a:buNone/>
+              <a:defRPr sz="1000"/>
+            </a:lvl4pPr>
+            <a:lvl5pPr marL="1828800" indent="0">
+              <a:buNone/>
+              <a:defRPr sz="1000"/>
+            </a:lvl5pPr>
+            <a:lvl6pPr marL="2286000" indent="0">
+              <a:buNone/>
+              <a:defRPr sz="1000"/>
+            </a:lvl6pPr>
+            <a:lvl7pPr marL="2743200" indent="0">
+              <a:buNone/>
+              <a:defRPr sz="1000"/>
+            </a:lvl7pPr>
+            <a:lvl8pPr marL="3200400" indent="0">
+              <a:buNone/>
+              <a:defRPr sz="1000"/>
+            </a:lvl8pPr>
+            <a:lvl9pPr marL="3657600" indent="0">
+              <a:buNone/>
+              <a:defRPr sz="1000"/>
+            </a:lvl9pPr>
           </a:lstStyle>
           <a:p>
             <a:pPr lvl="0"/>
@@ -1560,7 +1777,7 @@
       </p:sp>
       <p:sp>
         <p:nvSpPr>
-          <p:cNvPr id="2" name="Date Placeholder 1"/>
+          <p:cNvPr id="5" name="Date Placeholder 4"/>
           <p:cNvSpPr>
             <a:spLocks noGrp="1"/>
           </p:cNvSpPr>
@@ -1575,7 +1792,7 @@
           <a:p>
             <a:fld id="{29079BC8-7655-4E93-83EF-7F8C5EA3FD9C}" type="datetimeFigureOut">
               <a:rPr lang="en-US" smtClean="0"/>
-              <a:t>11/17/2024</a:t>
+              <a:t>11/28/2024</a:t>
             </a:fld>
             <a:endParaRPr lang="en-US"/>
           </a:p>
@@ -1583,7 +1800,7 @@
       </p:sp>
       <p:sp>
         <p:nvSpPr>
-          <p:cNvPr id="3" name="Footer Placeholder 2"/>
+          <p:cNvPr id="6" name="Footer Placeholder 5"/>
           <p:cNvSpPr>
             <a:spLocks noGrp="1"/>
           </p:cNvSpPr>
@@ -1602,7 +1819,7 @@
       </p:sp>
       <p:sp>
         <p:nvSpPr>
-          <p:cNvPr id="4" name="Slide Number Placeholder 3"/>
+          <p:cNvPr id="7" name="Slide Number Placeholder 6"/>
           <p:cNvSpPr>
             <a:spLocks noGrp="1"/>
           </p:cNvSpPr>
@@ -1626,7 +1843,7 @@
     </p:spTree>
     <p:extLst>
       <p:ext uri="{BB962C8B-B14F-4D97-AF65-F5344CB8AC3E}">
-        <p14:creationId xmlns:p14="http://schemas.microsoft.com/office/powerpoint/2010/main" val="1741013998"/>
+        <p14:creationId xmlns:p14="http://schemas.microsoft.com/office/powerpoint/2010/main" val="1596636572"/>
       </p:ext>
     </p:extLst>
   </p:cSld>
@@ -1636,7 +1853,1347 @@
 </p:sldLayout>
 </file>
 
-<file path=ppt/slideLayouts/slideLayout13.xml><?xml version="1.0" encoding="utf-8"?>
+<file path=ppt/slideLayouts/slideLayout14.xml><?xml version="1.0" encoding="utf-8"?>
+<p:sldLayout xmlns:a="http://schemas.openxmlformats.org/drawingml/2006/main" xmlns:r="http://schemas.openxmlformats.org/officeDocument/2006/relationships" xmlns:p="http://schemas.openxmlformats.org/presentationml/2006/main" preserve="1">
+  <p:cSld name="3 Column">
+    <p:spTree>
+      <p:nvGrpSpPr>
+        <p:cNvPr id="1" name=""/>
+        <p:cNvGrpSpPr/>
+        <p:nvPr/>
+      </p:nvGrpSpPr>
+      <p:grpSpPr>
+        <a:xfrm>
+          <a:off x="0" y="0"/>
+          <a:ext cx="0" cy="0"/>
+          <a:chOff x="0" y="0"/>
+          <a:chExt cx="0" cy="0"/>
+        </a:xfrm>
+      </p:grpSpPr>
+      <p:sp>
+        <p:nvSpPr>
+          <p:cNvPr id="15" name="Title 1"/>
+          <p:cNvSpPr>
+            <a:spLocks noGrp="1"/>
+          </p:cNvSpPr>
+          <p:nvPr>
+            <p:ph type="title"/>
+          </p:nvPr>
+        </p:nvSpPr>
+        <p:spPr>
+          <a:xfrm>
+            <a:off x="685802" y="685800"/>
+            <a:ext cx="10394706" cy="1151965"/>
+          </a:xfrm>
+        </p:spPr>
+        <p:txBody>
+          <a:bodyPr/>
+          <a:lstStyle>
+            <a:lvl1pPr algn="ctr">
+              <a:defRPr/>
+            </a:lvl1pPr>
+          </a:lstStyle>
+          <a:p>
+            <a:r>
+              <a:rPr lang="en-US"/>
+              <a:t>Click to edit Master title style</a:t>
+            </a:r>
+            <a:endParaRPr lang="en-US" dirty="0"/>
+          </a:p>
+        </p:txBody>
+      </p:sp>
+      <p:sp>
+        <p:nvSpPr>
+          <p:cNvPr id="7" name="Text Placeholder 2"/>
+          <p:cNvSpPr>
+            <a:spLocks noGrp="1"/>
+          </p:cNvSpPr>
+          <p:nvPr>
+            <p:ph type="body" idx="1"/>
+          </p:nvPr>
+        </p:nvSpPr>
+        <p:spPr>
+          <a:xfrm>
+            <a:off x="685802" y="2063395"/>
+            <a:ext cx="3310128" cy="576262"/>
+          </a:xfrm>
+        </p:spPr>
+        <p:txBody>
+          <a:bodyPr anchor="b">
+            <a:noAutofit/>
+          </a:bodyPr>
+          <a:lstStyle>
+            <a:lvl1pPr marL="0" indent="0" algn="ctr">
+              <a:lnSpc>
+                <a:spcPct val="90000"/>
+              </a:lnSpc>
+              <a:buNone/>
+              <a:defRPr sz="2400" b="0">
+                <a:solidFill>
+                  <a:schemeClr val="accent1"/>
+                </a:solidFill>
+              </a:defRPr>
+            </a:lvl1pPr>
+            <a:lvl2pPr marL="457200" indent="0">
+              <a:buNone/>
+              <a:defRPr sz="2000" b="1"/>
+            </a:lvl2pPr>
+            <a:lvl3pPr marL="914400" indent="0">
+              <a:buNone/>
+              <a:defRPr sz="1800" b="1"/>
+            </a:lvl3pPr>
+            <a:lvl4pPr marL="1371600" indent="0">
+              <a:buNone/>
+              <a:defRPr sz="1600" b="1"/>
+            </a:lvl4pPr>
+            <a:lvl5pPr marL="1828800" indent="0">
+              <a:buNone/>
+              <a:defRPr sz="1600" b="1"/>
+            </a:lvl5pPr>
+            <a:lvl6pPr marL="2286000" indent="0">
+              <a:buNone/>
+              <a:defRPr sz="1600" b="1"/>
+            </a:lvl6pPr>
+            <a:lvl7pPr marL="2743200" indent="0">
+              <a:buNone/>
+              <a:defRPr sz="1600" b="1"/>
+            </a:lvl7pPr>
+            <a:lvl8pPr marL="3200400" indent="0">
+              <a:buNone/>
+              <a:defRPr sz="1600" b="1"/>
+            </a:lvl8pPr>
+            <a:lvl9pPr marL="3657600" indent="0">
+              <a:buNone/>
+              <a:defRPr sz="1600" b="1"/>
+            </a:lvl9pPr>
+          </a:lstStyle>
+          <a:p>
+            <a:pPr lvl="0"/>
+            <a:r>
+              <a:rPr lang="en-US"/>
+              <a:t>Click to edit Master text styles</a:t>
+            </a:r>
+          </a:p>
+        </p:txBody>
+      </p:sp>
+      <p:sp>
+        <p:nvSpPr>
+          <p:cNvPr id="8" name="Text Placeholder 3"/>
+          <p:cNvSpPr>
+            <a:spLocks noGrp="1"/>
+          </p:cNvSpPr>
+          <p:nvPr>
+            <p:ph type="body" sz="half" idx="15"/>
+          </p:nvPr>
+        </p:nvSpPr>
+        <p:spPr>
+          <a:xfrm>
+            <a:off x="685802" y="2639658"/>
+            <a:ext cx="3310128" cy="2734928"/>
+          </a:xfrm>
+        </p:spPr>
+        <p:txBody>
+          <a:bodyPr anchor="t">
+            <a:normAutofit/>
+          </a:bodyPr>
+          <a:lstStyle>
+            <a:lvl1pPr marL="0" indent="0" algn="ctr">
+              <a:buNone/>
+              <a:defRPr sz="1400"/>
+            </a:lvl1pPr>
+            <a:lvl2pPr marL="457200" indent="0">
+              <a:buNone/>
+              <a:defRPr sz="1200"/>
+            </a:lvl2pPr>
+            <a:lvl3pPr marL="914400" indent="0">
+              <a:buNone/>
+              <a:defRPr sz="1000"/>
+            </a:lvl3pPr>
+            <a:lvl4pPr marL="1371600" indent="0">
+              <a:buNone/>
+              <a:defRPr sz="900"/>
+            </a:lvl4pPr>
+            <a:lvl5pPr marL="1828800" indent="0">
+              <a:buNone/>
+              <a:defRPr sz="900"/>
+            </a:lvl5pPr>
+            <a:lvl6pPr marL="2286000" indent="0">
+              <a:buNone/>
+              <a:defRPr sz="900"/>
+            </a:lvl6pPr>
+            <a:lvl7pPr marL="2743200" indent="0">
+              <a:buNone/>
+              <a:defRPr sz="900"/>
+            </a:lvl7pPr>
+            <a:lvl8pPr marL="3200400" indent="0">
+              <a:buNone/>
+              <a:defRPr sz="900"/>
+            </a:lvl8pPr>
+            <a:lvl9pPr marL="3657600" indent="0">
+              <a:buNone/>
+              <a:defRPr sz="900"/>
+            </a:lvl9pPr>
+          </a:lstStyle>
+          <a:p>
+            <a:pPr lvl="0"/>
+            <a:r>
+              <a:rPr lang="en-US"/>
+              <a:t>Click to edit Master text styles</a:t>
+            </a:r>
+          </a:p>
+        </p:txBody>
+      </p:sp>
+      <p:sp>
+        <p:nvSpPr>
+          <p:cNvPr id="9" name="Text Placeholder 4"/>
+          <p:cNvSpPr>
+            <a:spLocks noGrp="1"/>
+          </p:cNvSpPr>
+          <p:nvPr>
+            <p:ph type="body" sz="quarter" idx="3"/>
+          </p:nvPr>
+        </p:nvSpPr>
+        <p:spPr>
+          <a:xfrm>
+            <a:off x="4234622" y="2063395"/>
+            <a:ext cx="3310128" cy="576262"/>
+          </a:xfrm>
+        </p:spPr>
+        <p:txBody>
+          <a:bodyPr anchor="b">
+            <a:noAutofit/>
+          </a:bodyPr>
+          <a:lstStyle>
+            <a:lvl1pPr marL="0" indent="0" algn="ctr">
+              <a:lnSpc>
+                <a:spcPct val="90000"/>
+              </a:lnSpc>
+              <a:buNone/>
+              <a:defRPr sz="2400" b="0">
+                <a:solidFill>
+                  <a:schemeClr val="accent1"/>
+                </a:solidFill>
+              </a:defRPr>
+            </a:lvl1pPr>
+            <a:lvl2pPr marL="457200" indent="0">
+              <a:buNone/>
+              <a:defRPr sz="2000" b="1"/>
+            </a:lvl2pPr>
+            <a:lvl3pPr marL="914400" indent="0">
+              <a:buNone/>
+              <a:defRPr sz="1800" b="1"/>
+            </a:lvl3pPr>
+            <a:lvl4pPr marL="1371600" indent="0">
+              <a:buNone/>
+              <a:defRPr sz="1600" b="1"/>
+            </a:lvl4pPr>
+            <a:lvl5pPr marL="1828800" indent="0">
+              <a:buNone/>
+              <a:defRPr sz="1600" b="1"/>
+            </a:lvl5pPr>
+            <a:lvl6pPr marL="2286000" indent="0">
+              <a:buNone/>
+              <a:defRPr sz="1600" b="1"/>
+            </a:lvl6pPr>
+            <a:lvl7pPr marL="2743200" indent="0">
+              <a:buNone/>
+              <a:defRPr sz="1600" b="1"/>
+            </a:lvl7pPr>
+            <a:lvl8pPr marL="3200400" indent="0">
+              <a:buNone/>
+              <a:defRPr sz="1600" b="1"/>
+            </a:lvl8pPr>
+            <a:lvl9pPr marL="3657600" indent="0">
+              <a:buNone/>
+              <a:defRPr sz="1600" b="1"/>
+            </a:lvl9pPr>
+          </a:lstStyle>
+          <a:p>
+            <a:pPr lvl="0"/>
+            <a:r>
+              <a:rPr lang="en-US"/>
+              <a:t>Click to edit Master text styles</a:t>
+            </a:r>
+          </a:p>
+        </p:txBody>
+      </p:sp>
+      <p:sp>
+        <p:nvSpPr>
+          <p:cNvPr id="10" name="Text Placeholder 3"/>
+          <p:cNvSpPr>
+            <a:spLocks noGrp="1"/>
+          </p:cNvSpPr>
+          <p:nvPr>
+            <p:ph type="body" sz="half" idx="16"/>
+          </p:nvPr>
+        </p:nvSpPr>
+        <p:spPr>
+          <a:xfrm>
+            <a:off x="4234621" y="2639658"/>
+            <a:ext cx="3310128" cy="2734928"/>
+          </a:xfrm>
+        </p:spPr>
+        <p:txBody>
+          <a:bodyPr anchor="t">
+            <a:normAutofit/>
+          </a:bodyPr>
+          <a:lstStyle>
+            <a:lvl1pPr marL="0" indent="0" algn="ctr">
+              <a:buNone/>
+              <a:defRPr sz="1400"/>
+            </a:lvl1pPr>
+            <a:lvl2pPr marL="457200" indent="0">
+              <a:buNone/>
+              <a:defRPr sz="1200"/>
+            </a:lvl2pPr>
+            <a:lvl3pPr marL="914400" indent="0">
+              <a:buNone/>
+              <a:defRPr sz="1000"/>
+            </a:lvl3pPr>
+            <a:lvl4pPr marL="1371600" indent="0">
+              <a:buNone/>
+              <a:defRPr sz="900"/>
+            </a:lvl4pPr>
+            <a:lvl5pPr marL="1828800" indent="0">
+              <a:buNone/>
+              <a:defRPr sz="900"/>
+            </a:lvl5pPr>
+            <a:lvl6pPr marL="2286000" indent="0">
+              <a:buNone/>
+              <a:defRPr sz="900"/>
+            </a:lvl6pPr>
+            <a:lvl7pPr marL="2743200" indent="0">
+              <a:buNone/>
+              <a:defRPr sz="900"/>
+            </a:lvl7pPr>
+            <a:lvl8pPr marL="3200400" indent="0">
+              <a:buNone/>
+              <a:defRPr sz="900"/>
+            </a:lvl8pPr>
+            <a:lvl9pPr marL="3657600" indent="0">
+              <a:buNone/>
+              <a:defRPr sz="900"/>
+            </a:lvl9pPr>
+          </a:lstStyle>
+          <a:p>
+            <a:pPr lvl="0"/>
+            <a:r>
+              <a:rPr lang="en-US"/>
+              <a:t>Click to edit Master text styles</a:t>
+            </a:r>
+          </a:p>
+        </p:txBody>
+      </p:sp>
+      <p:sp>
+        <p:nvSpPr>
+          <p:cNvPr id="11" name="Text Placeholder 4"/>
+          <p:cNvSpPr>
+            <a:spLocks noGrp="1"/>
+          </p:cNvSpPr>
+          <p:nvPr>
+            <p:ph type="body" sz="quarter" idx="13"/>
+          </p:nvPr>
+        </p:nvSpPr>
+        <p:spPr>
+          <a:xfrm>
+            <a:off x="7770380" y="2063395"/>
+            <a:ext cx="3310128" cy="576262"/>
+          </a:xfrm>
+        </p:spPr>
+        <p:txBody>
+          <a:bodyPr anchor="b">
+            <a:noAutofit/>
+          </a:bodyPr>
+          <a:lstStyle>
+            <a:lvl1pPr marL="0" indent="0" algn="ctr">
+              <a:lnSpc>
+                <a:spcPct val="90000"/>
+              </a:lnSpc>
+              <a:buNone/>
+              <a:defRPr sz="2400" b="0">
+                <a:solidFill>
+                  <a:schemeClr val="accent1"/>
+                </a:solidFill>
+              </a:defRPr>
+            </a:lvl1pPr>
+            <a:lvl2pPr marL="457200" indent="0">
+              <a:buNone/>
+              <a:defRPr sz="2000" b="1"/>
+            </a:lvl2pPr>
+            <a:lvl3pPr marL="914400" indent="0">
+              <a:buNone/>
+              <a:defRPr sz="1800" b="1"/>
+            </a:lvl3pPr>
+            <a:lvl4pPr marL="1371600" indent="0">
+              <a:buNone/>
+              <a:defRPr sz="1600" b="1"/>
+            </a:lvl4pPr>
+            <a:lvl5pPr marL="1828800" indent="0">
+              <a:buNone/>
+              <a:defRPr sz="1600" b="1"/>
+            </a:lvl5pPr>
+            <a:lvl6pPr marL="2286000" indent="0">
+              <a:buNone/>
+              <a:defRPr sz="1600" b="1"/>
+            </a:lvl6pPr>
+            <a:lvl7pPr marL="2743200" indent="0">
+              <a:buNone/>
+              <a:defRPr sz="1600" b="1"/>
+            </a:lvl7pPr>
+            <a:lvl8pPr marL="3200400" indent="0">
+              <a:buNone/>
+              <a:defRPr sz="1600" b="1"/>
+            </a:lvl8pPr>
+            <a:lvl9pPr marL="3657600" indent="0">
+              <a:buNone/>
+              <a:defRPr sz="1600" b="1"/>
+            </a:lvl9pPr>
+          </a:lstStyle>
+          <a:p>
+            <a:pPr lvl="0"/>
+            <a:r>
+              <a:rPr lang="en-US"/>
+              <a:t>Click to edit Master text styles</a:t>
+            </a:r>
+          </a:p>
+        </p:txBody>
+      </p:sp>
+      <p:sp>
+        <p:nvSpPr>
+          <p:cNvPr id="12" name="Text Placeholder 3"/>
+          <p:cNvSpPr>
+            <a:spLocks noGrp="1"/>
+          </p:cNvSpPr>
+          <p:nvPr>
+            <p:ph type="body" sz="half" idx="17"/>
+          </p:nvPr>
+        </p:nvSpPr>
+        <p:spPr>
+          <a:xfrm>
+            <a:off x="7770380" y="2639658"/>
+            <a:ext cx="3310128" cy="2734928"/>
+          </a:xfrm>
+        </p:spPr>
+        <p:txBody>
+          <a:bodyPr anchor="t">
+            <a:normAutofit/>
+          </a:bodyPr>
+          <a:lstStyle>
+            <a:lvl1pPr marL="0" indent="0" algn="ctr">
+              <a:buNone/>
+              <a:defRPr sz="1400"/>
+            </a:lvl1pPr>
+            <a:lvl2pPr marL="457200" indent="0">
+              <a:buNone/>
+              <a:defRPr sz="1200"/>
+            </a:lvl2pPr>
+            <a:lvl3pPr marL="914400" indent="0">
+              <a:buNone/>
+              <a:defRPr sz="1000"/>
+            </a:lvl3pPr>
+            <a:lvl4pPr marL="1371600" indent="0">
+              <a:buNone/>
+              <a:defRPr sz="900"/>
+            </a:lvl4pPr>
+            <a:lvl5pPr marL="1828800" indent="0">
+              <a:buNone/>
+              <a:defRPr sz="900"/>
+            </a:lvl5pPr>
+            <a:lvl6pPr marL="2286000" indent="0">
+              <a:buNone/>
+              <a:defRPr sz="900"/>
+            </a:lvl6pPr>
+            <a:lvl7pPr marL="2743200" indent="0">
+              <a:buNone/>
+              <a:defRPr sz="900"/>
+            </a:lvl7pPr>
+            <a:lvl8pPr marL="3200400" indent="0">
+              <a:buNone/>
+              <a:defRPr sz="900"/>
+            </a:lvl8pPr>
+            <a:lvl9pPr marL="3657600" indent="0">
+              <a:buNone/>
+              <a:defRPr sz="900"/>
+            </a:lvl9pPr>
+          </a:lstStyle>
+          <a:p>
+            <a:pPr lvl="0"/>
+            <a:r>
+              <a:rPr lang="en-US"/>
+              <a:t>Click to edit Master text styles</a:t>
+            </a:r>
+          </a:p>
+        </p:txBody>
+      </p:sp>
+      <p:sp>
+        <p:nvSpPr>
+          <p:cNvPr id="3" name="Date Placeholder 2"/>
+          <p:cNvSpPr>
+            <a:spLocks noGrp="1"/>
+          </p:cNvSpPr>
+          <p:nvPr>
+            <p:ph type="dt" sz="half" idx="10"/>
+          </p:nvPr>
+        </p:nvSpPr>
+        <p:spPr/>
+        <p:txBody>
+          <a:bodyPr/>
+          <a:lstStyle/>
+          <a:p>
+            <a:fld id="{29079BC8-7655-4E93-83EF-7F8C5EA3FD9C}" type="datetimeFigureOut">
+              <a:rPr lang="en-US" smtClean="0"/>
+              <a:t>11/28/2024</a:t>
+            </a:fld>
+            <a:endParaRPr lang="en-US"/>
+          </a:p>
+        </p:txBody>
+      </p:sp>
+      <p:sp>
+        <p:nvSpPr>
+          <p:cNvPr id="4" name="Footer Placeholder 3"/>
+          <p:cNvSpPr>
+            <a:spLocks noGrp="1"/>
+          </p:cNvSpPr>
+          <p:nvPr>
+            <p:ph type="ftr" sz="quarter" idx="11"/>
+          </p:nvPr>
+        </p:nvSpPr>
+        <p:spPr/>
+        <p:txBody>
+          <a:bodyPr/>
+          <a:lstStyle/>
+          <a:p>
+            <a:endParaRPr lang="en-US"/>
+          </a:p>
+        </p:txBody>
+      </p:sp>
+      <p:sp>
+        <p:nvSpPr>
+          <p:cNvPr id="5" name="Slide Number Placeholder 4"/>
+          <p:cNvSpPr>
+            <a:spLocks noGrp="1"/>
+          </p:cNvSpPr>
+          <p:nvPr>
+            <p:ph type="sldNum" sz="quarter" idx="12"/>
+          </p:nvPr>
+        </p:nvSpPr>
+        <p:spPr/>
+        <p:txBody>
+          <a:bodyPr/>
+          <a:lstStyle/>
+          <a:p>
+            <a:fld id="{6953C5C3-5539-492A-8DCE-E0F843FFEBAC}" type="slidenum">
+              <a:rPr lang="en-US" smtClean="0"/>
+              <a:t>‹#›</a:t>
+            </a:fld>
+            <a:endParaRPr lang="en-US"/>
+          </a:p>
+        </p:txBody>
+      </p:sp>
+    </p:spTree>
+    <p:extLst>
+      <p:ext uri="{BB962C8B-B14F-4D97-AF65-F5344CB8AC3E}">
+        <p14:creationId xmlns:p14="http://schemas.microsoft.com/office/powerpoint/2010/main" val="3093556662"/>
+      </p:ext>
+    </p:extLst>
+  </p:cSld>
+  <p:clrMapOvr>
+    <a:masterClrMapping/>
+  </p:clrMapOvr>
+</p:sldLayout>
+</file>
+
+<file path=ppt/slideLayouts/slideLayout15.xml><?xml version="1.0" encoding="utf-8"?>
+<p:sldLayout xmlns:a="http://schemas.openxmlformats.org/drawingml/2006/main" xmlns:r="http://schemas.openxmlformats.org/officeDocument/2006/relationships" xmlns:p="http://schemas.openxmlformats.org/presentationml/2006/main" preserve="1">
+  <p:cSld name="3 Picture Column">
+    <p:spTree>
+      <p:nvGrpSpPr>
+        <p:cNvPr id="1" name=""/>
+        <p:cNvGrpSpPr/>
+        <p:nvPr/>
+      </p:nvGrpSpPr>
+      <p:grpSpPr>
+        <a:xfrm>
+          <a:off x="0" y="0"/>
+          <a:ext cx="0" cy="0"/>
+          <a:chOff x="0" y="0"/>
+          <a:chExt cx="0" cy="0"/>
+        </a:xfrm>
+      </p:grpSpPr>
+      <p:sp>
+        <p:nvSpPr>
+          <p:cNvPr id="30" name="Title 1"/>
+          <p:cNvSpPr>
+            <a:spLocks noGrp="1"/>
+          </p:cNvSpPr>
+          <p:nvPr>
+            <p:ph type="title"/>
+          </p:nvPr>
+        </p:nvSpPr>
+        <p:spPr>
+          <a:xfrm>
+            <a:off x="685801" y="685800"/>
+            <a:ext cx="10396882" cy="1151965"/>
+          </a:xfrm>
+        </p:spPr>
+        <p:txBody>
+          <a:bodyPr/>
+          <a:lstStyle>
+            <a:lvl1pPr algn="ctr">
+              <a:defRPr/>
+            </a:lvl1pPr>
+          </a:lstStyle>
+          <a:p>
+            <a:r>
+              <a:rPr lang="en-US"/>
+              <a:t>Click to edit Master title style</a:t>
+            </a:r>
+            <a:endParaRPr lang="en-US" dirty="0"/>
+          </a:p>
+        </p:txBody>
+      </p:sp>
+      <p:sp>
+        <p:nvSpPr>
+          <p:cNvPr id="19" name="Text Placeholder 2"/>
+          <p:cNvSpPr>
+            <a:spLocks noGrp="1"/>
+          </p:cNvSpPr>
+          <p:nvPr>
+            <p:ph type="body" idx="1"/>
+          </p:nvPr>
+        </p:nvSpPr>
+        <p:spPr>
+          <a:xfrm>
+            <a:off x="691840" y="3813025"/>
+            <a:ext cx="3310128" cy="576262"/>
+          </a:xfrm>
+        </p:spPr>
+        <p:txBody>
+          <a:bodyPr anchor="b">
+            <a:noAutofit/>
+          </a:bodyPr>
+          <a:lstStyle>
+            <a:lvl1pPr marL="0" indent="0" algn="ctr">
+              <a:lnSpc>
+                <a:spcPct val="90000"/>
+              </a:lnSpc>
+              <a:buNone/>
+              <a:defRPr sz="2200" b="0">
+                <a:solidFill>
+                  <a:schemeClr val="accent1"/>
+                </a:solidFill>
+              </a:defRPr>
+            </a:lvl1pPr>
+            <a:lvl2pPr marL="457200" indent="0">
+              <a:buNone/>
+              <a:defRPr sz="2000" b="1"/>
+            </a:lvl2pPr>
+            <a:lvl3pPr marL="914400" indent="0">
+              <a:buNone/>
+              <a:defRPr sz="1800" b="1"/>
+            </a:lvl3pPr>
+            <a:lvl4pPr marL="1371600" indent="0">
+              <a:buNone/>
+              <a:defRPr sz="1600" b="1"/>
+            </a:lvl4pPr>
+            <a:lvl5pPr marL="1828800" indent="0">
+              <a:buNone/>
+              <a:defRPr sz="1600" b="1"/>
+            </a:lvl5pPr>
+            <a:lvl6pPr marL="2286000" indent="0">
+              <a:buNone/>
+              <a:defRPr sz="1600" b="1"/>
+            </a:lvl6pPr>
+            <a:lvl7pPr marL="2743200" indent="0">
+              <a:buNone/>
+              <a:defRPr sz="1600" b="1"/>
+            </a:lvl7pPr>
+            <a:lvl8pPr marL="3200400" indent="0">
+              <a:buNone/>
+              <a:defRPr sz="1600" b="1"/>
+            </a:lvl8pPr>
+            <a:lvl9pPr marL="3657600" indent="0">
+              <a:buNone/>
+              <a:defRPr sz="1600" b="1"/>
+            </a:lvl9pPr>
+          </a:lstStyle>
+          <a:p>
+            <a:pPr lvl="0"/>
+            <a:r>
+              <a:rPr lang="en-US"/>
+              <a:t>Click to edit Master text styles</a:t>
+            </a:r>
+          </a:p>
+        </p:txBody>
+      </p:sp>
+      <p:sp>
+        <p:nvSpPr>
+          <p:cNvPr id="20" name="Picture Placeholder 2"/>
+          <p:cNvSpPr>
+            <a:spLocks noGrp="1" noChangeAspect="1"/>
+          </p:cNvSpPr>
+          <p:nvPr>
+            <p:ph type="pic" idx="15"/>
+          </p:nvPr>
+        </p:nvSpPr>
+        <p:spPr>
+          <a:xfrm>
+            <a:off x="685780" y="2063395"/>
+            <a:ext cx="3310128" cy="1536725"/>
+          </a:xfrm>
+          <a:prstGeom prst="roundRect">
+            <a:avLst>
+              <a:gd name="adj" fmla="val 0"/>
+            </a:avLst>
+          </a:prstGeom>
+          <a:ln w="57150" cmpd="thinThick">
+            <a:solidFill>
+              <a:schemeClr val="bg1">
+                <a:lumMod val="50000"/>
+              </a:schemeClr>
+            </a:solidFill>
+            <a:miter lim="800000"/>
+          </a:ln>
+        </p:spPr>
+        <p:txBody>
+          <a:bodyPr anchor="t">
+            <a:normAutofit/>
+          </a:bodyPr>
+          <a:lstStyle>
+            <a:lvl1pPr marL="0" indent="0" algn="ctr">
+              <a:buNone/>
+              <a:defRPr sz="1600"/>
+            </a:lvl1pPr>
+            <a:lvl2pPr marL="457200" indent="0">
+              <a:buNone/>
+              <a:defRPr sz="1600"/>
+            </a:lvl2pPr>
+            <a:lvl3pPr marL="914400" indent="0">
+              <a:buNone/>
+              <a:defRPr sz="1600"/>
+            </a:lvl3pPr>
+            <a:lvl4pPr marL="1371600" indent="0">
+              <a:buNone/>
+              <a:defRPr sz="1600"/>
+            </a:lvl4pPr>
+            <a:lvl5pPr marL="1828800" indent="0">
+              <a:buNone/>
+              <a:defRPr sz="1600"/>
+            </a:lvl5pPr>
+            <a:lvl6pPr marL="2286000" indent="0">
+              <a:buNone/>
+              <a:defRPr sz="1600"/>
+            </a:lvl6pPr>
+            <a:lvl7pPr marL="2743200" indent="0">
+              <a:buNone/>
+              <a:defRPr sz="1600"/>
+            </a:lvl7pPr>
+            <a:lvl8pPr marL="3200400" indent="0">
+              <a:buNone/>
+              <a:defRPr sz="1600"/>
+            </a:lvl8pPr>
+            <a:lvl9pPr marL="3657600" indent="0">
+              <a:buNone/>
+              <a:defRPr sz="1600"/>
+            </a:lvl9pPr>
+          </a:lstStyle>
+          <a:p>
+            <a:r>
+              <a:rPr lang="en-US"/>
+              <a:t>Click icon to add picture</a:t>
+            </a:r>
+            <a:endParaRPr lang="en-US" dirty="0"/>
+          </a:p>
+        </p:txBody>
+      </p:sp>
+      <p:sp>
+        <p:nvSpPr>
+          <p:cNvPr id="21" name="Text Placeholder 3"/>
+          <p:cNvSpPr>
+            <a:spLocks noGrp="1"/>
+          </p:cNvSpPr>
+          <p:nvPr>
+            <p:ph type="body" sz="half" idx="18"/>
+          </p:nvPr>
+        </p:nvSpPr>
+        <p:spPr>
+          <a:xfrm>
+            <a:off x="691840" y="4389287"/>
+            <a:ext cx="3310128" cy="985299"/>
+          </a:xfrm>
+        </p:spPr>
+        <p:txBody>
+          <a:bodyPr anchor="t">
+            <a:normAutofit/>
+          </a:bodyPr>
+          <a:lstStyle>
+            <a:lvl1pPr marL="0" indent="0" algn="ctr">
+              <a:buNone/>
+              <a:defRPr sz="1400"/>
+            </a:lvl1pPr>
+            <a:lvl2pPr marL="457200" indent="0">
+              <a:buNone/>
+              <a:defRPr sz="1200"/>
+            </a:lvl2pPr>
+            <a:lvl3pPr marL="914400" indent="0">
+              <a:buNone/>
+              <a:defRPr sz="1000"/>
+            </a:lvl3pPr>
+            <a:lvl4pPr marL="1371600" indent="0">
+              <a:buNone/>
+              <a:defRPr sz="900"/>
+            </a:lvl4pPr>
+            <a:lvl5pPr marL="1828800" indent="0">
+              <a:buNone/>
+              <a:defRPr sz="900"/>
+            </a:lvl5pPr>
+            <a:lvl6pPr marL="2286000" indent="0">
+              <a:buNone/>
+              <a:defRPr sz="900"/>
+            </a:lvl6pPr>
+            <a:lvl7pPr marL="2743200" indent="0">
+              <a:buNone/>
+              <a:defRPr sz="900"/>
+            </a:lvl7pPr>
+            <a:lvl8pPr marL="3200400" indent="0">
+              <a:buNone/>
+              <a:defRPr sz="900"/>
+            </a:lvl8pPr>
+            <a:lvl9pPr marL="3657600" indent="0">
+              <a:buNone/>
+              <a:defRPr sz="900"/>
+            </a:lvl9pPr>
+          </a:lstStyle>
+          <a:p>
+            <a:pPr lvl="0"/>
+            <a:r>
+              <a:rPr lang="en-US"/>
+              <a:t>Click to edit Master text styles</a:t>
+            </a:r>
+          </a:p>
+        </p:txBody>
+      </p:sp>
+      <p:sp>
+        <p:nvSpPr>
+          <p:cNvPr id="22" name="Text Placeholder 4"/>
+          <p:cNvSpPr>
+            <a:spLocks noGrp="1"/>
+          </p:cNvSpPr>
+          <p:nvPr>
+            <p:ph type="body" sz="quarter" idx="3"/>
+          </p:nvPr>
+        </p:nvSpPr>
+        <p:spPr>
+          <a:xfrm>
+            <a:off x="4237410" y="3813025"/>
+            <a:ext cx="3310128" cy="576262"/>
+          </a:xfrm>
+        </p:spPr>
+        <p:txBody>
+          <a:bodyPr anchor="b">
+            <a:noAutofit/>
+          </a:bodyPr>
+          <a:lstStyle>
+            <a:lvl1pPr marL="0" indent="0" algn="ctr">
+              <a:lnSpc>
+                <a:spcPct val="90000"/>
+              </a:lnSpc>
+              <a:buNone/>
+              <a:defRPr sz="2200" b="0">
+                <a:solidFill>
+                  <a:schemeClr val="accent1"/>
+                </a:solidFill>
+              </a:defRPr>
+            </a:lvl1pPr>
+            <a:lvl2pPr marL="457200" indent="0">
+              <a:buNone/>
+              <a:defRPr sz="2000" b="1"/>
+            </a:lvl2pPr>
+            <a:lvl3pPr marL="914400" indent="0">
+              <a:buNone/>
+              <a:defRPr sz="1800" b="1"/>
+            </a:lvl3pPr>
+            <a:lvl4pPr marL="1371600" indent="0">
+              <a:buNone/>
+              <a:defRPr sz="1600" b="1"/>
+            </a:lvl4pPr>
+            <a:lvl5pPr marL="1828800" indent="0">
+              <a:buNone/>
+              <a:defRPr sz="1600" b="1"/>
+            </a:lvl5pPr>
+            <a:lvl6pPr marL="2286000" indent="0">
+              <a:buNone/>
+              <a:defRPr sz="1600" b="1"/>
+            </a:lvl6pPr>
+            <a:lvl7pPr marL="2743200" indent="0">
+              <a:buNone/>
+              <a:defRPr sz="1600" b="1"/>
+            </a:lvl7pPr>
+            <a:lvl8pPr marL="3200400" indent="0">
+              <a:buNone/>
+              <a:defRPr sz="1600" b="1"/>
+            </a:lvl8pPr>
+            <a:lvl9pPr marL="3657600" indent="0">
+              <a:buNone/>
+              <a:defRPr sz="1600" b="1"/>
+            </a:lvl9pPr>
+          </a:lstStyle>
+          <a:p>
+            <a:pPr lvl="0"/>
+            <a:r>
+              <a:rPr lang="en-US"/>
+              <a:t>Click to edit Master text styles</a:t>
+            </a:r>
+          </a:p>
+        </p:txBody>
+      </p:sp>
+      <p:sp>
+        <p:nvSpPr>
+          <p:cNvPr id="23" name="Picture Placeholder 2"/>
+          <p:cNvSpPr>
+            <a:spLocks noGrp="1" noChangeAspect="1"/>
+          </p:cNvSpPr>
+          <p:nvPr>
+            <p:ph type="pic" idx="21"/>
+          </p:nvPr>
+        </p:nvSpPr>
+        <p:spPr>
+          <a:xfrm>
+            <a:off x="4235999" y="2063395"/>
+            <a:ext cx="3310128" cy="1535237"/>
+          </a:xfrm>
+          <a:prstGeom prst="roundRect">
+            <a:avLst>
+              <a:gd name="adj" fmla="val 0"/>
+            </a:avLst>
+          </a:prstGeom>
+          <a:ln w="57150" cmpd="thinThick">
+            <a:solidFill>
+              <a:schemeClr val="bg1">
+                <a:lumMod val="50000"/>
+              </a:schemeClr>
+            </a:solidFill>
+            <a:miter lim="800000"/>
+          </a:ln>
+        </p:spPr>
+        <p:txBody>
+          <a:bodyPr anchor="t">
+            <a:normAutofit/>
+          </a:bodyPr>
+          <a:lstStyle>
+            <a:lvl1pPr marL="0" indent="0" algn="ctr">
+              <a:buNone/>
+              <a:defRPr sz="1600"/>
+            </a:lvl1pPr>
+            <a:lvl2pPr marL="457200" indent="0">
+              <a:buNone/>
+              <a:defRPr sz="1600"/>
+            </a:lvl2pPr>
+            <a:lvl3pPr marL="914400" indent="0">
+              <a:buNone/>
+              <a:defRPr sz="1600"/>
+            </a:lvl3pPr>
+            <a:lvl4pPr marL="1371600" indent="0">
+              <a:buNone/>
+              <a:defRPr sz="1600"/>
+            </a:lvl4pPr>
+            <a:lvl5pPr marL="1828800" indent="0">
+              <a:buNone/>
+              <a:defRPr sz="1600"/>
+            </a:lvl5pPr>
+            <a:lvl6pPr marL="2286000" indent="0">
+              <a:buNone/>
+              <a:defRPr sz="1600"/>
+            </a:lvl6pPr>
+            <a:lvl7pPr marL="2743200" indent="0">
+              <a:buNone/>
+              <a:defRPr sz="1600"/>
+            </a:lvl7pPr>
+            <a:lvl8pPr marL="3200400" indent="0">
+              <a:buNone/>
+              <a:defRPr sz="1600"/>
+            </a:lvl8pPr>
+            <a:lvl9pPr marL="3657600" indent="0">
+              <a:buNone/>
+              <a:defRPr sz="1600"/>
+            </a:lvl9pPr>
+          </a:lstStyle>
+          <a:p>
+            <a:r>
+              <a:rPr lang="en-US"/>
+              <a:t>Click icon to add picture</a:t>
+            </a:r>
+            <a:endParaRPr lang="en-US" dirty="0"/>
+          </a:p>
+        </p:txBody>
+      </p:sp>
+      <p:sp>
+        <p:nvSpPr>
+          <p:cNvPr id="24" name="Text Placeholder 3"/>
+          <p:cNvSpPr>
+            <a:spLocks noGrp="1"/>
+          </p:cNvSpPr>
+          <p:nvPr>
+            <p:ph type="body" sz="half" idx="19"/>
+          </p:nvPr>
+        </p:nvSpPr>
+        <p:spPr>
+          <a:xfrm>
+            <a:off x="4235999" y="4389286"/>
+            <a:ext cx="3310128" cy="985300"/>
+          </a:xfrm>
+        </p:spPr>
+        <p:txBody>
+          <a:bodyPr anchor="t">
+            <a:normAutofit/>
+          </a:bodyPr>
+          <a:lstStyle>
+            <a:lvl1pPr marL="0" indent="0" algn="ctr">
+              <a:buNone/>
+              <a:defRPr sz="1400"/>
+            </a:lvl1pPr>
+            <a:lvl2pPr marL="457200" indent="0">
+              <a:buNone/>
+              <a:defRPr sz="1200"/>
+            </a:lvl2pPr>
+            <a:lvl3pPr marL="914400" indent="0">
+              <a:buNone/>
+              <a:defRPr sz="1000"/>
+            </a:lvl3pPr>
+            <a:lvl4pPr marL="1371600" indent="0">
+              <a:buNone/>
+              <a:defRPr sz="900"/>
+            </a:lvl4pPr>
+            <a:lvl5pPr marL="1828800" indent="0">
+              <a:buNone/>
+              <a:defRPr sz="900"/>
+            </a:lvl5pPr>
+            <a:lvl6pPr marL="2286000" indent="0">
+              <a:buNone/>
+              <a:defRPr sz="900"/>
+            </a:lvl6pPr>
+            <a:lvl7pPr marL="2743200" indent="0">
+              <a:buNone/>
+              <a:defRPr sz="900"/>
+            </a:lvl7pPr>
+            <a:lvl8pPr marL="3200400" indent="0">
+              <a:buNone/>
+              <a:defRPr sz="900"/>
+            </a:lvl8pPr>
+            <a:lvl9pPr marL="3657600" indent="0">
+              <a:buNone/>
+              <a:defRPr sz="900"/>
+            </a:lvl9pPr>
+          </a:lstStyle>
+          <a:p>
+            <a:pPr lvl="0"/>
+            <a:r>
+              <a:rPr lang="en-US"/>
+              <a:t>Click to edit Master text styles</a:t>
+            </a:r>
+          </a:p>
+        </p:txBody>
+      </p:sp>
+      <p:sp>
+        <p:nvSpPr>
+          <p:cNvPr id="25" name="Text Placeholder 4"/>
+          <p:cNvSpPr>
+            <a:spLocks noGrp="1"/>
+          </p:cNvSpPr>
+          <p:nvPr>
+            <p:ph type="body" sz="quarter" idx="13"/>
+          </p:nvPr>
+        </p:nvSpPr>
+        <p:spPr>
+          <a:xfrm>
+            <a:off x="7768944" y="3813025"/>
+            <a:ext cx="3310128" cy="576262"/>
+          </a:xfrm>
+        </p:spPr>
+        <p:txBody>
+          <a:bodyPr anchor="b">
+            <a:noAutofit/>
+          </a:bodyPr>
+          <a:lstStyle>
+            <a:lvl1pPr marL="0" indent="0" algn="ctr">
+              <a:lnSpc>
+                <a:spcPct val="90000"/>
+              </a:lnSpc>
+              <a:buNone/>
+              <a:defRPr sz="2200" b="0">
+                <a:solidFill>
+                  <a:schemeClr val="accent1"/>
+                </a:solidFill>
+              </a:defRPr>
+            </a:lvl1pPr>
+            <a:lvl2pPr marL="457200" indent="0">
+              <a:buNone/>
+              <a:defRPr sz="2000" b="1"/>
+            </a:lvl2pPr>
+            <a:lvl3pPr marL="914400" indent="0">
+              <a:buNone/>
+              <a:defRPr sz="1800" b="1"/>
+            </a:lvl3pPr>
+            <a:lvl4pPr marL="1371600" indent="0">
+              <a:buNone/>
+              <a:defRPr sz="1600" b="1"/>
+            </a:lvl4pPr>
+            <a:lvl5pPr marL="1828800" indent="0">
+              <a:buNone/>
+              <a:defRPr sz="1600" b="1"/>
+            </a:lvl5pPr>
+            <a:lvl6pPr marL="2286000" indent="0">
+              <a:buNone/>
+              <a:defRPr sz="1600" b="1"/>
+            </a:lvl6pPr>
+            <a:lvl7pPr marL="2743200" indent="0">
+              <a:buNone/>
+              <a:defRPr sz="1600" b="1"/>
+            </a:lvl7pPr>
+            <a:lvl8pPr marL="3200400" indent="0">
+              <a:buNone/>
+              <a:defRPr sz="1600" b="1"/>
+            </a:lvl8pPr>
+            <a:lvl9pPr marL="3657600" indent="0">
+              <a:buNone/>
+              <a:defRPr sz="1600" b="1"/>
+            </a:lvl9pPr>
+          </a:lstStyle>
+          <a:p>
+            <a:pPr lvl="0"/>
+            <a:r>
+              <a:rPr lang="en-US"/>
+              <a:t>Click to edit Master text styles</a:t>
+            </a:r>
+          </a:p>
+        </p:txBody>
+      </p:sp>
+      <p:sp>
+        <p:nvSpPr>
+          <p:cNvPr id="26" name="Picture Placeholder 2"/>
+          <p:cNvSpPr>
+            <a:spLocks noGrp="1" noChangeAspect="1"/>
+          </p:cNvSpPr>
+          <p:nvPr>
+            <p:ph type="pic" idx="22"/>
+          </p:nvPr>
+        </p:nvSpPr>
+        <p:spPr>
+          <a:xfrm>
+            <a:off x="7768819" y="2063394"/>
+            <a:ext cx="3310128" cy="1537196"/>
+          </a:xfrm>
+          <a:prstGeom prst="roundRect">
+            <a:avLst>
+              <a:gd name="adj" fmla="val 0"/>
+            </a:avLst>
+          </a:prstGeom>
+          <a:ln w="57150" cmpd="thinThick">
+            <a:solidFill>
+              <a:schemeClr val="bg1">
+                <a:lumMod val="50000"/>
+              </a:schemeClr>
+            </a:solidFill>
+            <a:miter lim="800000"/>
+          </a:ln>
+        </p:spPr>
+        <p:txBody>
+          <a:bodyPr anchor="t">
+            <a:normAutofit/>
+          </a:bodyPr>
+          <a:lstStyle>
+            <a:lvl1pPr marL="0" indent="0" algn="ctr">
+              <a:buNone/>
+              <a:defRPr sz="1600"/>
+            </a:lvl1pPr>
+            <a:lvl2pPr marL="457200" indent="0">
+              <a:buNone/>
+              <a:defRPr sz="1600"/>
+            </a:lvl2pPr>
+            <a:lvl3pPr marL="914400" indent="0">
+              <a:buNone/>
+              <a:defRPr sz="1600"/>
+            </a:lvl3pPr>
+            <a:lvl4pPr marL="1371600" indent="0">
+              <a:buNone/>
+              <a:defRPr sz="1600"/>
+            </a:lvl4pPr>
+            <a:lvl5pPr marL="1828800" indent="0">
+              <a:buNone/>
+              <a:defRPr sz="1600"/>
+            </a:lvl5pPr>
+            <a:lvl6pPr marL="2286000" indent="0">
+              <a:buNone/>
+              <a:defRPr sz="1600"/>
+            </a:lvl6pPr>
+            <a:lvl7pPr marL="2743200" indent="0">
+              <a:buNone/>
+              <a:defRPr sz="1600"/>
+            </a:lvl7pPr>
+            <a:lvl8pPr marL="3200400" indent="0">
+              <a:buNone/>
+              <a:defRPr sz="1600"/>
+            </a:lvl8pPr>
+            <a:lvl9pPr marL="3657600" indent="0">
+              <a:buNone/>
+              <a:defRPr sz="1600"/>
+            </a:lvl9pPr>
+          </a:lstStyle>
+          <a:p>
+            <a:r>
+              <a:rPr lang="en-US"/>
+              <a:t>Click icon to add picture</a:t>
+            </a:r>
+            <a:endParaRPr lang="en-US" dirty="0"/>
+          </a:p>
+        </p:txBody>
+      </p:sp>
+      <p:sp>
+        <p:nvSpPr>
+          <p:cNvPr id="27" name="Text Placeholder 3"/>
+          <p:cNvSpPr>
+            <a:spLocks noGrp="1"/>
+          </p:cNvSpPr>
+          <p:nvPr>
+            <p:ph type="body" sz="half" idx="20"/>
+          </p:nvPr>
+        </p:nvSpPr>
+        <p:spPr>
+          <a:xfrm>
+            <a:off x="7768819" y="4389284"/>
+            <a:ext cx="3310128" cy="985302"/>
+          </a:xfrm>
+        </p:spPr>
+        <p:txBody>
+          <a:bodyPr anchor="t">
+            <a:normAutofit/>
+          </a:bodyPr>
+          <a:lstStyle>
+            <a:lvl1pPr marL="0" indent="0" algn="ctr">
+              <a:buNone/>
+              <a:defRPr sz="1400"/>
+            </a:lvl1pPr>
+            <a:lvl2pPr marL="457200" indent="0">
+              <a:buNone/>
+              <a:defRPr sz="1200"/>
+            </a:lvl2pPr>
+            <a:lvl3pPr marL="914400" indent="0">
+              <a:buNone/>
+              <a:defRPr sz="1000"/>
+            </a:lvl3pPr>
+            <a:lvl4pPr marL="1371600" indent="0">
+              <a:buNone/>
+              <a:defRPr sz="900"/>
+            </a:lvl4pPr>
+            <a:lvl5pPr marL="1828800" indent="0">
+              <a:buNone/>
+              <a:defRPr sz="900"/>
+            </a:lvl5pPr>
+            <a:lvl6pPr marL="2286000" indent="0">
+              <a:buNone/>
+              <a:defRPr sz="900"/>
+            </a:lvl6pPr>
+            <a:lvl7pPr marL="2743200" indent="0">
+              <a:buNone/>
+              <a:defRPr sz="900"/>
+            </a:lvl7pPr>
+            <a:lvl8pPr marL="3200400" indent="0">
+              <a:buNone/>
+              <a:defRPr sz="900"/>
+            </a:lvl8pPr>
+            <a:lvl9pPr marL="3657600" indent="0">
+              <a:buNone/>
+              <a:defRPr sz="900"/>
+            </a:lvl9pPr>
+          </a:lstStyle>
+          <a:p>
+            <a:pPr lvl="0"/>
+            <a:r>
+              <a:rPr lang="en-US"/>
+              <a:t>Click to edit Master text styles</a:t>
+            </a:r>
+          </a:p>
+        </p:txBody>
+      </p:sp>
+      <p:sp>
+        <p:nvSpPr>
+          <p:cNvPr id="3" name="Date Placeholder 2"/>
+          <p:cNvSpPr>
+            <a:spLocks noGrp="1"/>
+          </p:cNvSpPr>
+          <p:nvPr>
+            <p:ph type="dt" sz="half" idx="10"/>
+          </p:nvPr>
+        </p:nvSpPr>
+        <p:spPr/>
+        <p:txBody>
+          <a:bodyPr/>
+          <a:lstStyle/>
+          <a:p>
+            <a:fld id="{29079BC8-7655-4E93-83EF-7F8C5EA3FD9C}" type="datetimeFigureOut">
+              <a:rPr lang="en-US" smtClean="0"/>
+              <a:t>11/28/2024</a:t>
+            </a:fld>
+            <a:endParaRPr lang="en-US"/>
+          </a:p>
+        </p:txBody>
+      </p:sp>
+      <p:sp>
+        <p:nvSpPr>
+          <p:cNvPr id="4" name="Footer Placeholder 3"/>
+          <p:cNvSpPr>
+            <a:spLocks noGrp="1"/>
+          </p:cNvSpPr>
+          <p:nvPr>
+            <p:ph type="ftr" sz="quarter" idx="11"/>
+          </p:nvPr>
+        </p:nvSpPr>
+        <p:spPr/>
+        <p:txBody>
+          <a:bodyPr/>
+          <a:lstStyle/>
+          <a:p>
+            <a:endParaRPr lang="en-US"/>
+          </a:p>
+        </p:txBody>
+      </p:sp>
+      <p:sp>
+        <p:nvSpPr>
+          <p:cNvPr id="5" name="Slide Number Placeholder 4"/>
+          <p:cNvSpPr>
+            <a:spLocks noGrp="1"/>
+          </p:cNvSpPr>
+          <p:nvPr>
+            <p:ph type="sldNum" sz="quarter" idx="12"/>
+          </p:nvPr>
+        </p:nvSpPr>
+        <p:spPr/>
+        <p:txBody>
+          <a:bodyPr/>
+          <a:lstStyle/>
+          <a:p>
+            <a:fld id="{6953C5C3-5539-492A-8DCE-E0F843FFEBAC}" type="slidenum">
+              <a:rPr lang="en-US" smtClean="0"/>
+              <a:t>‹#›</a:t>
+            </a:fld>
+            <a:endParaRPr lang="en-US"/>
+          </a:p>
+        </p:txBody>
+      </p:sp>
+    </p:spTree>
+    <p:extLst>
+      <p:ext uri="{BB962C8B-B14F-4D97-AF65-F5344CB8AC3E}">
+        <p14:creationId xmlns:p14="http://schemas.microsoft.com/office/powerpoint/2010/main" val="3709783873"/>
+      </p:ext>
+    </p:extLst>
+  </p:cSld>
+  <p:clrMapOvr>
+    <a:masterClrMapping/>
+  </p:clrMapOvr>
+</p:sldLayout>
+</file>
+
+<file path=ppt/slideLayouts/slideLayout16.xml><?xml version="1.0" encoding="utf-8"?>
 <p:sldLayout xmlns:a="http://schemas.openxmlformats.org/drawingml/2006/main" xmlns:r="http://schemas.openxmlformats.org/officeDocument/2006/relationships" xmlns:p="http://schemas.openxmlformats.org/presentationml/2006/main" type="vertTx" preserve="1">
   <p:cSld name="Title and Vertical Text">
     <p:spTree>
@@ -1655,115 +3212,96 @@
       </p:grpSpPr>
       <p:sp>
         <p:nvSpPr>
-          <p:cNvPr id="7" name="Freeform 6"/>
-          <p:cNvSpPr/>
-          <p:nvPr/>
-        </p:nvSpPr>
-        <p:spPr bwMode="auto">
+          <p:cNvPr id="2" name="Title 1"/>
+          <p:cNvSpPr>
+            <a:spLocks noGrp="1"/>
+          </p:cNvSpPr>
+          <p:nvPr>
+            <p:ph type="title"/>
+          </p:nvPr>
+        </p:nvSpPr>
+        <p:spPr/>
+        <p:txBody>
+          <a:bodyPr/>
+          <a:lstStyle>
+            <a:lvl1pPr algn="r">
+              <a:defRPr/>
+            </a:lvl1pPr>
+          </a:lstStyle>
+          <a:p>
+            <a:r>
+              <a:rPr lang="en-US"/>
+              <a:t>Click to edit Master title style</a:t>
+            </a:r>
+            <a:endParaRPr lang="en-US" dirty="0"/>
+          </a:p>
+        </p:txBody>
+      </p:sp>
+      <p:sp>
+        <p:nvSpPr>
+          <p:cNvPr id="11" name="Vertical Text Placeholder 2"/>
+          <p:cNvSpPr>
+            <a:spLocks noGrp="1"/>
+          </p:cNvSpPr>
+          <p:nvPr>
+            <p:ph type="body" orient="vert" sz="quarter" idx="13"/>
+          </p:nvPr>
+        </p:nvSpPr>
+        <p:spPr>
           <a:xfrm>
-            <a:off x="0" y="0"/>
-            <a:ext cx="12192000" cy="2185988"/>
-          </a:xfrm>
-          <a:custGeom>
-            <a:avLst/>
-            <a:gdLst/>
-            <a:ahLst/>
-            <a:cxnLst/>
-            <a:rect l="0" t="0" r="r" b="b"/>
-            <a:pathLst>
-              <a:path w="5760" h="1377">
-                <a:moveTo>
-                  <a:pt x="5760" y="0"/>
-                </a:moveTo>
-                <a:lnTo>
-                  <a:pt x="0" y="0"/>
-                </a:lnTo>
-                <a:lnTo>
-                  <a:pt x="0" y="1189"/>
-                </a:lnTo>
-                <a:lnTo>
-                  <a:pt x="943" y="1189"/>
-                </a:lnTo>
-                <a:lnTo>
-                  <a:pt x="1123" y="1369"/>
-                </a:lnTo>
-                <a:lnTo>
-                  <a:pt x="1123" y="1369"/>
-                </a:lnTo>
-                <a:lnTo>
-                  <a:pt x="1127" y="1371"/>
-                </a:lnTo>
-                <a:lnTo>
-                  <a:pt x="1133" y="1374"/>
-                </a:lnTo>
-                <a:lnTo>
-                  <a:pt x="1139" y="1377"/>
-                </a:lnTo>
-                <a:lnTo>
-                  <a:pt x="1144" y="1377"/>
-                </a:lnTo>
-                <a:lnTo>
-                  <a:pt x="1150" y="1377"/>
-                </a:lnTo>
-                <a:lnTo>
-                  <a:pt x="1155" y="1374"/>
-                </a:lnTo>
-                <a:lnTo>
-                  <a:pt x="1161" y="1371"/>
-                </a:lnTo>
-                <a:lnTo>
-                  <a:pt x="1165" y="1369"/>
-                </a:lnTo>
-                <a:lnTo>
-                  <a:pt x="1345" y="1189"/>
-                </a:lnTo>
-                <a:lnTo>
-                  <a:pt x="5760" y="1189"/>
-                </a:lnTo>
-                <a:lnTo>
-                  <a:pt x="5760" y="0"/>
-                </a:lnTo>
-                <a:close/>
-              </a:path>
-            </a:pathLst>
-          </a:custGeom>
-          <a:ln/>
-          <a:extLst>
-            <a:ext uri="{91240B29-F687-4f45-9708-019B960494DF}">
-              <a14:hiddenLine xmlns:a14="http://schemas.microsoft.com/office/drawing/2010/main" xmlns="" w="9525">
-                <a:solidFill>
-                  <a:srgbClr val="000000"/>
-                </a:solidFill>
-                <a:round/>
-                <a:headEnd/>
-                <a:tailEnd/>
-              </a14:hiddenLine>
-            </a:ext>
-          </a:extLst>
-        </p:spPr>
-        <p:style>
-          <a:lnRef idx="1">
-            <a:schemeClr val="accent1"/>
-          </a:lnRef>
-          <a:fillRef idx="3">
-            <a:schemeClr val="accent1"/>
-          </a:fillRef>
-          <a:effectRef idx="2">
-            <a:schemeClr val="accent1"/>
-          </a:effectRef>
-          <a:fontRef idx="minor">
-            <a:schemeClr val="lt1"/>
-          </a:fontRef>
-        </p:style>
-      </p:sp>
-      <p:sp>
-        <p:nvSpPr>
-          <p:cNvPr id="2" name="Title 1"/>
-          <p:cNvSpPr>
-            <a:spLocks noGrp="1"/>
-          </p:cNvSpPr>
-          <p:nvPr>
-            <p:ph type="title"/>
+            <a:off x="685800" y="2063396"/>
+            <a:ext cx="10394707" cy="3311190"/>
+          </a:xfrm>
+        </p:spPr>
+        <p:txBody>
+          <a:bodyPr vert="eaVert" anchor="t"/>
+          <a:lstStyle/>
+          <a:p>
+            <a:pPr lvl="0"/>
+            <a:r>
+              <a:rPr lang="en-US"/>
+              <a:t>Click to edit Master text styles</a:t>
+            </a:r>
+          </a:p>
+          <a:p>
+            <a:pPr lvl="1"/>
+            <a:r>
+              <a:rPr lang="en-US"/>
+              <a:t>Second level</a:t>
+            </a:r>
+          </a:p>
+          <a:p>
+            <a:pPr lvl="2"/>
+            <a:r>
+              <a:rPr lang="en-US"/>
+              <a:t>Third level</a:t>
+            </a:r>
+          </a:p>
+          <a:p>
+            <a:pPr lvl="3"/>
+            <a:r>
+              <a:rPr lang="en-US"/>
+              <a:t>Fourth level</a:t>
+            </a:r>
+          </a:p>
+          <a:p>
+            <a:pPr lvl="4"/>
+            <a:r>
+              <a:rPr lang="en-US"/>
+              <a:t>Fifth level</a:t>
+            </a:r>
+            <a:endParaRPr lang="en-US" dirty="0"/>
+          </a:p>
+        </p:txBody>
+      </p:sp>
+      <p:sp>
+        <p:nvSpPr>
+          <p:cNvPr id="4" name="Date Placeholder 3"/>
+          <p:cNvSpPr>
+            <a:spLocks noGrp="1"/>
+          </p:cNvSpPr>
+          <p:nvPr>
+            <p:ph type="dt" sz="half" idx="10"/>
           </p:nvPr>
         </p:nvSpPr>
         <p:spPr/>
@@ -1771,84 +3309,9 @@
           <a:bodyPr/>
           <a:lstStyle/>
           <a:p>
-            <a:r>
-              <a:rPr lang="en-US"/>
-              <a:t>Click to edit Master title style</a:t>
-            </a:r>
-            <a:endParaRPr lang="en-US" dirty="0"/>
-          </a:p>
-        </p:txBody>
-      </p:sp>
-      <p:sp>
-        <p:nvSpPr>
-          <p:cNvPr id="3" name="Vertical Text Placeholder 2"/>
-          <p:cNvSpPr>
-            <a:spLocks noGrp="1"/>
-          </p:cNvSpPr>
-          <p:nvPr>
-            <p:ph type="body" orient="vert" idx="1"/>
-          </p:nvPr>
-        </p:nvSpPr>
-        <p:spPr/>
-        <p:txBody>
-          <a:bodyPr vert="eaVert" anchor="t"/>
-          <a:lstStyle/>
-          <a:p>
-            <a:pPr lvl="0"/>
-            <a:r>
-              <a:rPr lang="en-US"/>
-              <a:t>Click to edit Master text styles</a:t>
-            </a:r>
-          </a:p>
-          <a:p>
-            <a:pPr lvl="1"/>
-            <a:r>
-              <a:rPr lang="en-US"/>
-              <a:t>Second level</a:t>
-            </a:r>
-          </a:p>
-          <a:p>
-            <a:pPr lvl="2"/>
-            <a:r>
-              <a:rPr lang="en-US"/>
-              <a:t>Third level</a:t>
-            </a:r>
-          </a:p>
-          <a:p>
-            <a:pPr lvl="3"/>
-            <a:r>
-              <a:rPr lang="en-US"/>
-              <a:t>Fourth level</a:t>
-            </a:r>
-          </a:p>
-          <a:p>
-            <a:pPr lvl="4"/>
-            <a:r>
-              <a:rPr lang="en-US"/>
-              <a:t>Fifth level</a:t>
-            </a:r>
-            <a:endParaRPr lang="en-US" dirty="0"/>
-          </a:p>
-        </p:txBody>
-      </p:sp>
-      <p:sp>
-        <p:nvSpPr>
-          <p:cNvPr id="4" name="Date Placeholder 3"/>
-          <p:cNvSpPr>
-            <a:spLocks noGrp="1"/>
-          </p:cNvSpPr>
-          <p:nvPr>
-            <p:ph type="dt" sz="half" idx="10"/>
-          </p:nvPr>
-        </p:nvSpPr>
-        <p:spPr/>
-        <p:txBody>
-          <a:bodyPr/>
-          <a:lstStyle/>
-          <a:p>
             <a:fld id="{29079BC8-7655-4E93-83EF-7F8C5EA3FD9C}" type="datetimeFigureOut">
               <a:rPr lang="en-US" smtClean="0"/>
-              <a:t>11/17/2024</a:t>
+              <a:t>11/28/2024</a:t>
             </a:fld>
             <a:endParaRPr lang="en-US"/>
           </a:p>
@@ -1899,7 +3362,7 @@
     </p:spTree>
     <p:extLst>
       <p:ext uri="{BB962C8B-B14F-4D97-AF65-F5344CB8AC3E}">
-        <p14:creationId xmlns:p14="http://schemas.microsoft.com/office/powerpoint/2010/main" val="1785927956"/>
+        <p14:creationId xmlns:p14="http://schemas.microsoft.com/office/powerpoint/2010/main" val="3725044618"/>
       </p:ext>
     </p:extLst>
   </p:cSld>
@@ -1909,7 +3372,7 @@
 </p:sldLayout>
 </file>
 
-<file path=ppt/slideLayouts/slideLayout14.xml><?xml version="1.0" encoding="utf-8"?>
+<file path=ppt/slideLayouts/slideLayout17.xml><?xml version="1.0" encoding="utf-8"?>
 <p:sldLayout xmlns:a="http://schemas.openxmlformats.org/drawingml/2006/main" xmlns:r="http://schemas.openxmlformats.org/officeDocument/2006/relationships" xmlns:p="http://schemas.openxmlformats.org/presentationml/2006/main" type="vertTitleAndTx" preserve="1">
   <p:cSld name="Vertical Title and Text">
     <p:spTree>
@@ -1928,151 +3391,50 @@
       </p:grpSpPr>
       <p:sp>
         <p:nvSpPr>
-          <p:cNvPr id="12" name="Freeform 6"/>
-          <p:cNvSpPr>
-            <a:spLocks noChangeAspect="1"/>
-          </p:cNvSpPr>
-          <p:nvPr/>
-        </p:nvSpPr>
-        <p:spPr bwMode="auto">
+          <p:cNvPr id="2" name="Vertical Title 1"/>
+          <p:cNvSpPr>
+            <a:spLocks noGrp="1"/>
+          </p:cNvSpPr>
+          <p:nvPr>
+            <p:ph type="title" orient="vert"/>
+          </p:nvPr>
+        </p:nvSpPr>
+        <p:spPr>
           <a:xfrm>
-            <a:off x="7669651" y="446089"/>
-            <a:ext cx="4522349" cy="5414962"/>
-          </a:xfrm>
-          <a:custGeom>
-            <a:avLst/>
-            <a:gdLst/>
-            <a:ahLst/>
-            <a:cxnLst/>
-            <a:rect l="0" t="0" r="r" b="b"/>
-            <a:pathLst>
-              <a:path w="2879" h="4320">
-                <a:moveTo>
-                  <a:pt x="183" y="0"/>
-                </a:moveTo>
-                <a:lnTo>
-                  <a:pt x="183" y="1197"/>
-                </a:lnTo>
-                <a:lnTo>
-                  <a:pt x="8" y="1372"/>
-                </a:lnTo>
-                <a:lnTo>
-                  <a:pt x="8" y="1372"/>
-                </a:lnTo>
-                <a:lnTo>
-                  <a:pt x="6" y="1376"/>
-                </a:lnTo>
-                <a:lnTo>
-                  <a:pt x="3" y="1382"/>
-                </a:lnTo>
-                <a:lnTo>
-                  <a:pt x="0" y="1387"/>
-                </a:lnTo>
-                <a:lnTo>
-                  <a:pt x="0" y="1393"/>
-                </a:lnTo>
-                <a:lnTo>
-                  <a:pt x="0" y="1399"/>
-                </a:lnTo>
-                <a:lnTo>
-                  <a:pt x="3" y="1404"/>
-                </a:lnTo>
-                <a:lnTo>
-                  <a:pt x="6" y="1410"/>
-                </a:lnTo>
-                <a:lnTo>
-                  <a:pt x="8" y="1414"/>
-                </a:lnTo>
-                <a:lnTo>
-                  <a:pt x="183" y="1589"/>
-                </a:lnTo>
-                <a:lnTo>
-                  <a:pt x="183" y="4320"/>
-                </a:lnTo>
-                <a:lnTo>
-                  <a:pt x="2879" y="4320"/>
-                </a:lnTo>
-                <a:lnTo>
-                  <a:pt x="2879" y="0"/>
-                </a:lnTo>
-                <a:lnTo>
-                  <a:pt x="183" y="0"/>
-                </a:lnTo>
-                <a:close/>
-              </a:path>
-            </a:pathLst>
-          </a:custGeom>
-          <a:ln/>
-          <a:extLst>
-            <a:ext uri="{91240B29-F687-4f45-9708-019B960494DF}">
-              <a14:hiddenLine xmlns:a14="http://schemas.microsoft.com/office/drawing/2010/main" xmlns="" w="9525">
-                <a:solidFill>
-                  <a:srgbClr val="000000"/>
-                </a:solidFill>
-                <a:round/>
-                <a:headEnd/>
-                <a:tailEnd/>
-              </a14:hiddenLine>
-            </a:ext>
-          </a:extLst>
-        </p:spPr>
-        <p:style>
-          <a:lnRef idx="1">
-            <a:schemeClr val="accent1"/>
-          </a:lnRef>
-          <a:fillRef idx="3">
-            <a:schemeClr val="accent1"/>
-          </a:fillRef>
-          <a:effectRef idx="2">
-            <a:schemeClr val="accent1"/>
-          </a:effectRef>
-          <a:fontRef idx="minor">
-            <a:schemeClr val="lt1"/>
-          </a:fontRef>
-        </p:style>
-      </p:sp>
-      <p:sp>
-        <p:nvSpPr>
-          <p:cNvPr id="2" name="Vertical Title 1"/>
-          <p:cNvSpPr>
-            <a:spLocks noGrp="1"/>
-          </p:cNvSpPr>
-          <p:nvPr>
-            <p:ph type="title" orient="vert"/>
+            <a:off x="8815862" y="685800"/>
+            <a:ext cx="2264646" cy="4688785"/>
+          </a:xfrm>
+        </p:spPr>
+        <p:txBody>
+          <a:bodyPr vert="eaVert"/>
+          <a:lstStyle>
+            <a:lvl1pPr algn="l">
+              <a:defRPr/>
+            </a:lvl1pPr>
+          </a:lstStyle>
+          <a:p>
+            <a:r>
+              <a:rPr lang="en-US"/>
+              <a:t>Click to edit Master title style</a:t>
+            </a:r>
+            <a:endParaRPr lang="en-US" dirty="0"/>
+          </a:p>
+        </p:txBody>
+      </p:sp>
+      <p:sp>
+        <p:nvSpPr>
+          <p:cNvPr id="8" name="Vertical Text Placeholder 2"/>
+          <p:cNvSpPr>
+            <a:spLocks noGrp="1"/>
+          </p:cNvSpPr>
+          <p:nvPr>
+            <p:ph type="body" orient="vert" sz="quarter" idx="13"/>
           </p:nvPr>
         </p:nvSpPr>
         <p:spPr>
           <a:xfrm>
-            <a:off x="8183540" y="586171"/>
-            <a:ext cx="2494791" cy="5134798"/>
-          </a:xfrm>
-        </p:spPr>
-        <p:txBody>
-          <a:bodyPr vert="eaVert"/>
-          <a:lstStyle/>
-          <a:p>
-            <a:r>
-              <a:rPr lang="en-US"/>
-              <a:t>Click to edit Master title style</a:t>
-            </a:r>
-            <a:endParaRPr lang="en-US" dirty="0"/>
-          </a:p>
-        </p:txBody>
-      </p:sp>
-      <p:sp>
-        <p:nvSpPr>
-          <p:cNvPr id="3" name="Vertical Text Placeholder 2"/>
-          <p:cNvSpPr>
-            <a:spLocks noGrp="1"/>
-          </p:cNvSpPr>
-          <p:nvPr>
-            <p:ph type="body" orient="vert" idx="1"/>
-          </p:nvPr>
-        </p:nvSpPr>
-        <p:spPr>
-          <a:xfrm>
-            <a:off x="810001" y="446089"/>
-            <a:ext cx="6611540" cy="5414962"/>
+            <a:off x="685800" y="685800"/>
+            <a:ext cx="7904431" cy="4688785"/>
           </a:xfrm>
         </p:spPr>
         <p:txBody>
@@ -2133,7 +3495,7 @@
           <a:p>
             <a:fld id="{29079BC8-7655-4E93-83EF-7F8C5EA3FD9C}" type="datetimeFigureOut">
               <a:rPr lang="en-US" smtClean="0"/>
-              <a:t>11/17/2024</a:t>
+              <a:t>11/28/2024</a:t>
             </a:fld>
             <a:endParaRPr lang="en-US"/>
           </a:p>
@@ -2184,7 +3546,7 @@
     </p:spTree>
     <p:extLst>
       <p:ext uri="{BB962C8B-B14F-4D97-AF65-F5344CB8AC3E}">
-        <p14:creationId xmlns:p14="http://schemas.microsoft.com/office/powerpoint/2010/main" val="4237388609"/>
+        <p14:creationId xmlns:p14="http://schemas.microsoft.com/office/powerpoint/2010/main" val="840986321"/>
       </p:ext>
     </p:extLst>
   </p:cSld>
@@ -2213,109 +3575,6 @@
       </p:grpSpPr>
       <p:sp>
         <p:nvSpPr>
-          <p:cNvPr id="11" name="Freeform 6"/>
-          <p:cNvSpPr/>
-          <p:nvPr/>
-        </p:nvSpPr>
-        <p:spPr bwMode="auto">
-          <a:xfrm>
-            <a:off x="0" y="0"/>
-            <a:ext cx="12192000" cy="2185988"/>
-          </a:xfrm>
-          <a:custGeom>
-            <a:avLst/>
-            <a:gdLst/>
-            <a:ahLst/>
-            <a:cxnLst/>
-            <a:rect l="0" t="0" r="r" b="b"/>
-            <a:pathLst>
-              <a:path w="5760" h="1377">
-                <a:moveTo>
-                  <a:pt x="5760" y="0"/>
-                </a:moveTo>
-                <a:lnTo>
-                  <a:pt x="0" y="0"/>
-                </a:lnTo>
-                <a:lnTo>
-                  <a:pt x="0" y="1189"/>
-                </a:lnTo>
-                <a:lnTo>
-                  <a:pt x="943" y="1189"/>
-                </a:lnTo>
-                <a:lnTo>
-                  <a:pt x="1123" y="1369"/>
-                </a:lnTo>
-                <a:lnTo>
-                  <a:pt x="1123" y="1369"/>
-                </a:lnTo>
-                <a:lnTo>
-                  <a:pt x="1127" y="1371"/>
-                </a:lnTo>
-                <a:lnTo>
-                  <a:pt x="1133" y="1374"/>
-                </a:lnTo>
-                <a:lnTo>
-                  <a:pt x="1139" y="1377"/>
-                </a:lnTo>
-                <a:lnTo>
-                  <a:pt x="1144" y="1377"/>
-                </a:lnTo>
-                <a:lnTo>
-                  <a:pt x="1150" y="1377"/>
-                </a:lnTo>
-                <a:lnTo>
-                  <a:pt x="1155" y="1374"/>
-                </a:lnTo>
-                <a:lnTo>
-                  <a:pt x="1161" y="1371"/>
-                </a:lnTo>
-                <a:lnTo>
-                  <a:pt x="1165" y="1369"/>
-                </a:lnTo>
-                <a:lnTo>
-                  <a:pt x="1345" y="1189"/>
-                </a:lnTo>
-                <a:lnTo>
-                  <a:pt x="5760" y="1189"/>
-                </a:lnTo>
-                <a:lnTo>
-                  <a:pt x="5760" y="0"/>
-                </a:lnTo>
-                <a:close/>
-              </a:path>
-            </a:pathLst>
-          </a:custGeom>
-          <a:ln/>
-          <a:extLst>
-            <a:ext uri="{91240B29-F687-4f45-9708-019B960494DF}">
-              <a14:hiddenLine xmlns:a14="http://schemas.microsoft.com/office/drawing/2010/main" xmlns="" w="9525">
-                <a:solidFill>
-                  <a:srgbClr val="000000"/>
-                </a:solidFill>
-                <a:round/>
-                <a:headEnd/>
-                <a:tailEnd/>
-              </a14:hiddenLine>
-            </a:ext>
-          </a:extLst>
-        </p:spPr>
-        <p:style>
-          <a:lnRef idx="1">
-            <a:schemeClr val="accent1"/>
-          </a:lnRef>
-          <a:fillRef idx="3">
-            <a:schemeClr val="accent1"/>
-          </a:fillRef>
-          <a:effectRef idx="2">
-            <a:schemeClr val="accent1"/>
-          </a:effectRef>
-          <a:fontRef idx="minor">
-            <a:schemeClr val="lt1"/>
-          </a:fontRef>
-        </p:style>
-      </p:sp>
-      <p:sp>
-        <p:nvSpPr>
           <p:cNvPr id="2" name="Title 1"/>
           <p:cNvSpPr>
             <a:spLocks noGrp="1"/>
@@ -2324,12 +3583,7 @@
             <p:ph type="title"/>
           </p:nvPr>
         </p:nvSpPr>
-        <p:spPr>
-          <a:xfrm>
-            <a:off x="810000" y="447188"/>
-            <a:ext cx="10571998" cy="970450"/>
-          </a:xfrm>
-        </p:spPr>
+        <p:spPr/>
         <p:txBody>
           <a:bodyPr/>
           <a:lstStyle/>
@@ -2344,18 +3598,18 @@
       </p:sp>
       <p:sp>
         <p:nvSpPr>
-          <p:cNvPr id="3" name="Content Placeholder 2"/>
-          <p:cNvSpPr>
-            <a:spLocks noGrp="1"/>
-          </p:cNvSpPr>
-          <p:nvPr>
-            <p:ph idx="1"/>
+          <p:cNvPr id="12" name="Content Placeholder 2"/>
+          <p:cNvSpPr>
+            <a:spLocks noGrp="1"/>
+          </p:cNvSpPr>
+          <p:nvPr>
+            <p:ph sz="quarter" idx="13"/>
           </p:nvPr>
         </p:nvSpPr>
         <p:spPr>
           <a:xfrm>
-            <a:off x="818712" y="2222287"/>
-            <a:ext cx="10554574" cy="3636511"/>
+            <a:off x="685800" y="2063396"/>
+            <a:ext cx="10394707" cy="3311189"/>
           </a:xfrm>
         </p:spPr>
         <p:txBody>
@@ -2416,7 +3670,7 @@
           <a:p>
             <a:fld id="{29079BC8-7655-4E93-83EF-7F8C5EA3FD9C}" type="datetimeFigureOut">
               <a:rPr lang="en-US" smtClean="0"/>
-              <a:t>11/17/2024</a:t>
+              <a:t>11/28/2024</a:t>
             </a:fld>
             <a:endParaRPr lang="en-US"/>
           </a:p>
@@ -2467,7 +3721,7 @@
     </p:spTree>
     <p:extLst>
       <p:ext uri="{BB962C8B-B14F-4D97-AF65-F5344CB8AC3E}">
-        <p14:creationId xmlns:p14="http://schemas.microsoft.com/office/powerpoint/2010/main" val="2701434702"/>
+        <p14:creationId xmlns:p14="http://schemas.microsoft.com/office/powerpoint/2010/main" val="2647050804"/>
       </p:ext>
     </p:extLst>
   </p:cSld>
@@ -2496,122 +3750,27 @@
       </p:grpSpPr>
       <p:sp>
         <p:nvSpPr>
-          <p:cNvPr id="10" name="Freeform 7"/>
-          <p:cNvSpPr/>
-          <p:nvPr/>
-        </p:nvSpPr>
-        <p:spPr bwMode="auto">
+          <p:cNvPr id="2" name="Title 1"/>
+          <p:cNvSpPr>
+            <a:spLocks noGrp="1"/>
+          </p:cNvSpPr>
+          <p:nvPr>
+            <p:ph type="title"/>
+          </p:nvPr>
+        </p:nvSpPr>
+        <p:spPr>
           <a:xfrm>
-            <a:off x="0" y="1"/>
-            <a:ext cx="12192000" cy="5203825"/>
-          </a:xfrm>
-          <a:custGeom>
-            <a:avLst/>
-            <a:gdLst/>
-            <a:ahLst/>
-            <a:cxnLst/>
-            <a:rect l="0" t="0" r="r" b="b"/>
-            <a:pathLst>
-              <a:path w="5760" h="3278">
-                <a:moveTo>
-                  <a:pt x="0" y="0"/>
-                </a:moveTo>
-                <a:lnTo>
-                  <a:pt x="5760" y="0"/>
-                </a:lnTo>
-                <a:lnTo>
-                  <a:pt x="5760" y="3090"/>
-                </a:lnTo>
-                <a:lnTo>
-                  <a:pt x="4817" y="3090"/>
-                </a:lnTo>
-                <a:lnTo>
-                  <a:pt x="4637" y="3270"/>
-                </a:lnTo>
-                <a:lnTo>
-                  <a:pt x="4637" y="3270"/>
-                </a:lnTo>
-                <a:lnTo>
-                  <a:pt x="4633" y="3272"/>
-                </a:lnTo>
-                <a:lnTo>
-                  <a:pt x="4627" y="3275"/>
-                </a:lnTo>
-                <a:lnTo>
-                  <a:pt x="4621" y="3278"/>
-                </a:lnTo>
-                <a:lnTo>
-                  <a:pt x="4616" y="3278"/>
-                </a:lnTo>
-                <a:lnTo>
-                  <a:pt x="4610" y="3278"/>
-                </a:lnTo>
-                <a:lnTo>
-                  <a:pt x="4605" y="3275"/>
-                </a:lnTo>
-                <a:lnTo>
-                  <a:pt x="4599" y="3272"/>
-                </a:lnTo>
-                <a:lnTo>
-                  <a:pt x="4595" y="3270"/>
-                </a:lnTo>
-                <a:lnTo>
-                  <a:pt x="4415" y="3090"/>
-                </a:lnTo>
-                <a:lnTo>
-                  <a:pt x="0" y="3090"/>
-                </a:lnTo>
-                <a:lnTo>
-                  <a:pt x="0" y="0"/>
-                </a:lnTo>
-                <a:lnTo>
-                  <a:pt x="0" y="0"/>
-                </a:lnTo>
-                <a:close/>
-              </a:path>
-            </a:pathLst>
-          </a:custGeom>
-          <a:ln>
-            <a:headEnd/>
-            <a:tailEnd/>
-          </a:ln>
-        </p:spPr>
-        <p:style>
-          <a:lnRef idx="1">
-            <a:schemeClr val="accent1"/>
-          </a:lnRef>
-          <a:fillRef idx="3">
-            <a:schemeClr val="accent1"/>
-          </a:fillRef>
-          <a:effectRef idx="2">
-            <a:schemeClr val="accent1"/>
-          </a:effectRef>
-          <a:fontRef idx="minor">
-            <a:schemeClr val="lt1"/>
-          </a:fontRef>
-        </p:style>
-      </p:sp>
-      <p:sp>
-        <p:nvSpPr>
-          <p:cNvPr id="2" name="Title 1"/>
-          <p:cNvSpPr>
-            <a:spLocks noGrp="1"/>
-          </p:cNvSpPr>
-          <p:nvPr>
-            <p:ph type="title"/>
-          </p:nvPr>
-        </p:nvSpPr>
-        <p:spPr>
-          <a:xfrm>
-            <a:off x="810000" y="2951396"/>
-            <a:ext cx="10561418" cy="1468800"/>
-          </a:xfrm>
-        </p:spPr>
-        <p:txBody>
-          <a:bodyPr anchor="b"/>
+            <a:off x="685801" y="685800"/>
+            <a:ext cx="10394707" cy="3193487"/>
+          </a:xfrm>
+        </p:spPr>
+        <p:txBody>
+          <a:bodyPr anchor="b">
+            <a:normAutofit/>
+          </a:bodyPr>
           <a:lstStyle>
-            <a:lvl1pPr algn="r">
-              <a:defRPr sz="4800" b="1" cap="none"/>
+            <a:lvl1pPr algn="l">
+              <a:defRPr sz="5400"/>
             </a:lvl1pPr>
           </a:lstStyle>
           <a:p>
@@ -2635,26 +3794,28 @@
         </p:nvSpPr>
         <p:spPr>
           <a:xfrm>
-            <a:off x="810000" y="5281201"/>
-            <a:ext cx="10561418" cy="433955"/>
+            <a:off x="685801" y="3742267"/>
+            <a:ext cx="10394707" cy="1639614"/>
           </a:xfrm>
         </p:spPr>
         <p:txBody>
           <a:bodyPr anchor="t">
-            <a:noAutofit/>
+            <a:normAutofit/>
           </a:bodyPr>
           <a:lstStyle>
-            <a:lvl1pPr marL="0" indent="0" algn="r">
-              <a:buNone/>
-              <a:defRPr sz="1800">
+            <a:lvl1pPr marL="0" indent="0" algn="l">
+              <a:buNone/>
+              <a:defRPr sz="2000">
                 <a:solidFill>
-                  <a:schemeClr val="tx1"/>
+                  <a:schemeClr val="bg1">
+                    <a:lumMod val="50000"/>
+                  </a:schemeClr>
                 </a:solidFill>
               </a:defRPr>
             </a:lvl1pPr>
             <a:lvl2pPr marL="457200" indent="0">
               <a:buNone/>
-              <a:defRPr sz="1800">
+              <a:defRPr sz="2000">
                 <a:solidFill>
                   <a:schemeClr val="tx1">
                     <a:tint val="75000"/>
@@ -2664,7 +3825,7 @@
             </a:lvl2pPr>
             <a:lvl3pPr marL="914400" indent="0">
               <a:buNone/>
-              <a:defRPr sz="1600">
+              <a:defRPr sz="1800">
                 <a:solidFill>
                   <a:schemeClr val="tx1">
                     <a:tint val="75000"/>
@@ -2674,7 +3835,7 @@
             </a:lvl3pPr>
             <a:lvl4pPr marL="1371600" indent="0">
               <a:buNone/>
-              <a:defRPr sz="1400">
+              <a:defRPr sz="1600">
                 <a:solidFill>
                   <a:schemeClr val="tx1">
                     <a:tint val="75000"/>
@@ -2684,7 +3845,7 @@
             </a:lvl4pPr>
             <a:lvl5pPr marL="1828800" indent="0">
               <a:buNone/>
-              <a:defRPr sz="1400">
+              <a:defRPr sz="1600">
                 <a:solidFill>
                   <a:schemeClr val="tx1">
                     <a:tint val="75000"/>
@@ -2694,7 +3855,7 @@
             </a:lvl5pPr>
             <a:lvl6pPr marL="2286000" indent="0">
               <a:buNone/>
-              <a:defRPr sz="1400">
+              <a:defRPr sz="1600">
                 <a:solidFill>
                   <a:schemeClr val="tx1">
                     <a:tint val="75000"/>
@@ -2704,7 +3865,7 @@
             </a:lvl6pPr>
             <a:lvl7pPr marL="2743200" indent="0">
               <a:buNone/>
-              <a:defRPr sz="1400">
+              <a:defRPr sz="1600">
                 <a:solidFill>
                   <a:schemeClr val="tx1">
                     <a:tint val="75000"/>
@@ -2714,7 +3875,7 @@
             </a:lvl7pPr>
             <a:lvl8pPr marL="3200400" indent="0">
               <a:buNone/>
-              <a:defRPr sz="1400">
+              <a:defRPr sz="1600">
                 <a:solidFill>
                   <a:schemeClr val="tx1">
                     <a:tint val="75000"/>
@@ -2724,7 +3885,7 @@
             </a:lvl8pPr>
             <a:lvl9pPr marL="3657600" indent="0">
               <a:buNone/>
-              <a:defRPr sz="1400">
+              <a:defRPr sz="1600">
                 <a:solidFill>
                   <a:schemeClr val="tx1">
                     <a:tint val="75000"/>
@@ -2759,7 +3920,7 @@
           <a:p>
             <a:fld id="{29079BC8-7655-4E93-83EF-7F8C5EA3FD9C}" type="datetimeFigureOut">
               <a:rPr lang="en-US" smtClean="0"/>
-              <a:t>11/17/2024</a:t>
+              <a:t>11/28/2024</a:t>
             </a:fld>
             <a:endParaRPr lang="en-US"/>
           </a:p>
@@ -2810,7 +3971,7 @@
     </p:spTree>
     <p:extLst>
       <p:ext uri="{BB962C8B-B14F-4D97-AF65-F5344CB8AC3E}">
-        <p14:creationId xmlns:p14="http://schemas.microsoft.com/office/powerpoint/2010/main" val="2681709211"/>
+        <p14:creationId xmlns:p14="http://schemas.microsoft.com/office/powerpoint/2010/main" val="2550803839"/>
       </p:ext>
     </p:extLst>
   </p:cSld>
@@ -2839,118 +4000,20 @@
       </p:grpSpPr>
       <p:sp>
         <p:nvSpPr>
-          <p:cNvPr id="8" name="Freeform 6"/>
-          <p:cNvSpPr/>
-          <p:nvPr/>
-        </p:nvSpPr>
-        <p:spPr bwMode="auto">
+          <p:cNvPr id="14" name="Title 1"/>
+          <p:cNvSpPr>
+            <a:spLocks noGrp="1"/>
+          </p:cNvSpPr>
+          <p:nvPr>
+            <p:ph type="title"/>
+          </p:nvPr>
+        </p:nvSpPr>
+        <p:spPr>
           <a:xfrm>
-            <a:off x="0" y="0"/>
-            <a:ext cx="12192000" cy="2185988"/>
-          </a:xfrm>
-          <a:custGeom>
-            <a:avLst/>
-            <a:gdLst/>
-            <a:ahLst/>
-            <a:cxnLst/>
-            <a:rect l="0" t="0" r="r" b="b"/>
-            <a:pathLst>
-              <a:path w="5760" h="1377">
-                <a:moveTo>
-                  <a:pt x="5760" y="0"/>
-                </a:moveTo>
-                <a:lnTo>
-                  <a:pt x="0" y="0"/>
-                </a:lnTo>
-                <a:lnTo>
-                  <a:pt x="0" y="1189"/>
-                </a:lnTo>
-                <a:lnTo>
-                  <a:pt x="943" y="1189"/>
-                </a:lnTo>
-                <a:lnTo>
-                  <a:pt x="1123" y="1369"/>
-                </a:lnTo>
-                <a:lnTo>
-                  <a:pt x="1123" y="1369"/>
-                </a:lnTo>
-                <a:lnTo>
-                  <a:pt x="1127" y="1371"/>
-                </a:lnTo>
-                <a:lnTo>
-                  <a:pt x="1133" y="1374"/>
-                </a:lnTo>
-                <a:lnTo>
-                  <a:pt x="1139" y="1377"/>
-                </a:lnTo>
-                <a:lnTo>
-                  <a:pt x="1144" y="1377"/>
-                </a:lnTo>
-                <a:lnTo>
-                  <a:pt x="1150" y="1377"/>
-                </a:lnTo>
-                <a:lnTo>
-                  <a:pt x="1155" y="1374"/>
-                </a:lnTo>
-                <a:lnTo>
-                  <a:pt x="1161" y="1371"/>
-                </a:lnTo>
-                <a:lnTo>
-                  <a:pt x="1165" y="1369"/>
-                </a:lnTo>
-                <a:lnTo>
-                  <a:pt x="1345" y="1189"/>
-                </a:lnTo>
-                <a:lnTo>
-                  <a:pt x="5760" y="1189"/>
-                </a:lnTo>
-                <a:lnTo>
-                  <a:pt x="5760" y="0"/>
-                </a:lnTo>
-                <a:close/>
-              </a:path>
-            </a:pathLst>
-          </a:custGeom>
-          <a:ln/>
-          <a:extLst>
-            <a:ext uri="{91240B29-F687-4f45-9708-019B960494DF}">
-              <a14:hiddenLine xmlns:a14="http://schemas.microsoft.com/office/drawing/2010/main" xmlns="" w="9525">
-                <a:solidFill>
-                  <a:srgbClr val="000000"/>
-                </a:solidFill>
-                <a:round/>
-                <a:headEnd/>
-                <a:tailEnd/>
-              </a14:hiddenLine>
-            </a:ext>
-          </a:extLst>
-        </p:spPr>
-        <p:style>
-          <a:lnRef idx="1">
-            <a:schemeClr val="accent1"/>
-          </a:lnRef>
-          <a:fillRef idx="3">
-            <a:schemeClr val="accent1"/>
-          </a:fillRef>
-          <a:effectRef idx="2">
-            <a:schemeClr val="accent1"/>
-          </a:effectRef>
-          <a:fontRef idx="minor">
-            <a:schemeClr val="lt1"/>
-          </a:fontRef>
-        </p:style>
-      </p:sp>
-      <p:sp>
-        <p:nvSpPr>
-          <p:cNvPr id="2" name="Title 1"/>
-          <p:cNvSpPr>
-            <a:spLocks noGrp="1"/>
-          </p:cNvSpPr>
-          <p:nvPr>
-            <p:ph type="title"/>
-          </p:nvPr>
-        </p:nvSpPr>
-        <p:spPr/>
+            <a:off x="685801" y="685800"/>
+            <a:ext cx="10396882" cy="1158140"/>
+          </a:xfrm>
+        </p:spPr>
         <p:txBody>
           <a:bodyPr/>
           <a:lstStyle/>
@@ -2965,24 +4028,22 @@
       </p:sp>
       <p:sp>
         <p:nvSpPr>
-          <p:cNvPr id="3" name="Content Placeholder 2"/>
-          <p:cNvSpPr>
-            <a:spLocks noGrp="1"/>
-          </p:cNvSpPr>
-          <p:nvPr>
-            <p:ph sz="half" idx="1"/>
+          <p:cNvPr id="12" name="Content Placeholder 2"/>
+          <p:cNvSpPr>
+            <a:spLocks noGrp="1"/>
+          </p:cNvSpPr>
+          <p:nvPr>
+            <p:ph sz="quarter" idx="13"/>
           </p:nvPr>
         </p:nvSpPr>
         <p:spPr>
           <a:xfrm>
-            <a:off x="818712" y="2222287"/>
-            <a:ext cx="5185873" cy="3638763"/>
-          </a:xfrm>
-        </p:spPr>
-        <p:txBody>
-          <a:bodyPr>
-            <a:normAutofit/>
-          </a:bodyPr>
+            <a:off x="685800" y="2063396"/>
+            <a:ext cx="5088714" cy="3311189"/>
+          </a:xfrm>
+        </p:spPr>
+        <p:txBody>
+          <a:bodyPr anchor="t"/>
           <a:lstStyle/>
           <a:p>
             <a:pPr lvl="0"/>
@@ -3024,24 +4085,22 @@
       </p:sp>
       <p:sp>
         <p:nvSpPr>
-          <p:cNvPr id="4" name="Content Placeholder 3"/>
-          <p:cNvSpPr>
-            <a:spLocks noGrp="1"/>
-          </p:cNvSpPr>
-          <p:nvPr>
-            <p:ph sz="half" idx="2"/>
+          <p:cNvPr id="13" name="Content Placeholder 3"/>
+          <p:cNvSpPr>
+            <a:spLocks noGrp="1"/>
+          </p:cNvSpPr>
+          <p:nvPr>
+            <p:ph sz="quarter" idx="14"/>
           </p:nvPr>
         </p:nvSpPr>
         <p:spPr>
           <a:xfrm>
-            <a:off x="6187415" y="2222287"/>
-            <a:ext cx="5194583" cy="3638764"/>
-          </a:xfrm>
-        </p:spPr>
-        <p:txBody>
-          <a:bodyPr>
-            <a:normAutofit/>
-          </a:bodyPr>
+            <a:off x="5993971" y="2063396"/>
+            <a:ext cx="5086538" cy="3311189"/>
+          </a:xfrm>
+        </p:spPr>
+        <p:txBody>
+          <a:bodyPr anchor="t"/>
           <a:lstStyle/>
           <a:p>
             <a:pPr lvl="0"/>
@@ -3098,7 +4157,7 @@
           <a:p>
             <a:fld id="{29079BC8-7655-4E93-83EF-7F8C5EA3FD9C}" type="datetimeFigureOut">
               <a:rPr lang="en-US" smtClean="0"/>
-              <a:t>11/17/2024</a:t>
+              <a:t>11/28/2024</a:t>
             </a:fld>
             <a:endParaRPr lang="en-US"/>
           </a:p>
@@ -3149,7 +4208,7 @@
     </p:spTree>
     <p:extLst>
       <p:ext uri="{BB962C8B-B14F-4D97-AF65-F5344CB8AC3E}">
-        <p14:creationId xmlns:p14="http://schemas.microsoft.com/office/powerpoint/2010/main" val="4086420242"/>
+        <p14:creationId xmlns:p14="http://schemas.microsoft.com/office/powerpoint/2010/main" val="3631877351"/>
       </p:ext>
     </p:extLst>
   </p:cSld>
@@ -3178,125 +4237,23 @@
       </p:grpSpPr>
       <p:sp>
         <p:nvSpPr>
-          <p:cNvPr id="10" name="Freeform 6"/>
-          <p:cNvSpPr/>
-          <p:nvPr/>
-        </p:nvSpPr>
-        <p:spPr bwMode="auto">
+          <p:cNvPr id="14" name="Title 1"/>
+          <p:cNvSpPr>
+            <a:spLocks noGrp="1"/>
+          </p:cNvSpPr>
+          <p:nvPr>
+            <p:ph type="title"/>
+          </p:nvPr>
+        </p:nvSpPr>
+        <p:spPr>
           <a:xfrm>
-            <a:off x="0" y="0"/>
-            <a:ext cx="12192000" cy="2185988"/>
-          </a:xfrm>
-          <a:custGeom>
-            <a:avLst/>
-            <a:gdLst/>
-            <a:ahLst/>
-            <a:cxnLst/>
-            <a:rect l="0" t="0" r="r" b="b"/>
-            <a:pathLst>
-              <a:path w="5760" h="1377">
-                <a:moveTo>
-                  <a:pt x="5760" y="0"/>
-                </a:moveTo>
-                <a:lnTo>
-                  <a:pt x="0" y="0"/>
-                </a:lnTo>
-                <a:lnTo>
-                  <a:pt x="0" y="1189"/>
-                </a:lnTo>
-                <a:lnTo>
-                  <a:pt x="943" y="1189"/>
-                </a:lnTo>
-                <a:lnTo>
-                  <a:pt x="1123" y="1369"/>
-                </a:lnTo>
-                <a:lnTo>
-                  <a:pt x="1123" y="1369"/>
-                </a:lnTo>
-                <a:lnTo>
-                  <a:pt x="1127" y="1371"/>
-                </a:lnTo>
-                <a:lnTo>
-                  <a:pt x="1133" y="1374"/>
-                </a:lnTo>
-                <a:lnTo>
-                  <a:pt x="1139" y="1377"/>
-                </a:lnTo>
-                <a:lnTo>
-                  <a:pt x="1144" y="1377"/>
-                </a:lnTo>
-                <a:lnTo>
-                  <a:pt x="1150" y="1377"/>
-                </a:lnTo>
-                <a:lnTo>
-                  <a:pt x="1155" y="1374"/>
-                </a:lnTo>
-                <a:lnTo>
-                  <a:pt x="1161" y="1371"/>
-                </a:lnTo>
-                <a:lnTo>
-                  <a:pt x="1165" y="1369"/>
-                </a:lnTo>
-                <a:lnTo>
-                  <a:pt x="1345" y="1189"/>
-                </a:lnTo>
-                <a:lnTo>
-                  <a:pt x="5760" y="1189"/>
-                </a:lnTo>
-                <a:lnTo>
-                  <a:pt x="5760" y="0"/>
-                </a:lnTo>
-                <a:close/>
-              </a:path>
-            </a:pathLst>
-          </a:custGeom>
-          <a:ln/>
-          <a:extLst>
-            <a:ext uri="{91240B29-F687-4f45-9708-019B960494DF}">
-              <a14:hiddenLine xmlns:a14="http://schemas.microsoft.com/office/drawing/2010/main" xmlns="" w="9525">
-                <a:solidFill>
-                  <a:srgbClr val="000000"/>
-                </a:solidFill>
-                <a:round/>
-                <a:headEnd/>
-                <a:tailEnd/>
-              </a14:hiddenLine>
-            </a:ext>
-          </a:extLst>
-        </p:spPr>
-        <p:style>
-          <a:lnRef idx="1">
-            <a:schemeClr val="accent1"/>
-          </a:lnRef>
-          <a:fillRef idx="3">
-            <a:schemeClr val="accent1"/>
-          </a:fillRef>
-          <a:effectRef idx="2">
-            <a:schemeClr val="accent1"/>
-          </a:effectRef>
-          <a:fontRef idx="minor">
-            <a:schemeClr val="lt1"/>
-          </a:fontRef>
-        </p:style>
-      </p:sp>
-      <p:sp>
-        <p:nvSpPr>
-          <p:cNvPr id="2" name="Title 1"/>
-          <p:cNvSpPr>
-            <a:spLocks noGrp="1"/>
-          </p:cNvSpPr>
-          <p:nvPr>
-            <p:ph type="title"/>
-          </p:nvPr>
-        </p:nvSpPr>
-        <p:spPr/>
+            <a:off x="685801" y="685800"/>
+            <a:ext cx="10394707" cy="1158140"/>
+          </a:xfrm>
+        </p:spPr>
         <p:txBody>
           <a:bodyPr/>
-          <a:lstStyle>
-            <a:lvl1pPr>
-              <a:defRPr/>
-            </a:lvl1pPr>
-          </a:lstStyle>
+          <a:lstStyle/>
           <a:p>
             <a:r>
               <a:rPr lang="en-US"/>
@@ -3318,8 +4275,8 @@
         </p:nvSpPr>
         <p:spPr>
           <a:xfrm>
-            <a:off x="814728" y="2174875"/>
-            <a:ext cx="5189857" cy="576262"/>
+            <a:off x="918356" y="2063396"/>
+            <a:ext cx="4856158" cy="679994"/>
           </a:xfrm>
         </p:spPr>
         <p:txBody>
@@ -3327,9 +4284,16 @@
             <a:noAutofit/>
           </a:bodyPr>
           <a:lstStyle>
-            <a:lvl1pPr marL="0" indent="0" algn="ctr">
-              <a:buNone/>
-              <a:defRPr sz="2000" b="0"/>
+            <a:lvl1pPr marL="0" indent="0">
+              <a:lnSpc>
+                <a:spcPct val="90000"/>
+              </a:lnSpc>
+              <a:buNone/>
+              <a:defRPr sz="2600" b="0">
+                <a:solidFill>
+                  <a:schemeClr val="accent1"/>
+                </a:solidFill>
+              </a:defRPr>
             </a:lvl1pPr>
             <a:lvl2pPr marL="457200" indent="0">
               <a:buNone/>
@@ -3375,24 +4339,22 @@
       </p:sp>
       <p:sp>
         <p:nvSpPr>
-          <p:cNvPr id="4" name="Content Placeholder 3"/>
-          <p:cNvSpPr>
-            <a:spLocks noGrp="1"/>
-          </p:cNvSpPr>
-          <p:nvPr>
-            <p:ph sz="half" idx="2"/>
+          <p:cNvPr id="12" name="Content Placeholder 3"/>
+          <p:cNvSpPr>
+            <a:spLocks noGrp="1"/>
+          </p:cNvSpPr>
+          <p:nvPr>
+            <p:ph sz="quarter" idx="13"/>
           </p:nvPr>
         </p:nvSpPr>
         <p:spPr>
           <a:xfrm>
-            <a:off x="814729" y="2751138"/>
-            <a:ext cx="5189856" cy="3109913"/>
-          </a:xfrm>
-        </p:spPr>
-        <p:txBody>
-          <a:bodyPr anchor="t">
-            <a:normAutofit/>
-          </a:bodyPr>
+            <a:off x="685802" y="2861733"/>
+            <a:ext cx="5088712" cy="2512852"/>
+          </a:xfrm>
+        </p:spPr>
+        <p:txBody>
+          <a:bodyPr anchor="t"/>
           <a:lstStyle/>
           <a:p>
             <a:pPr lvl="0"/>
@@ -3444,8 +4406,8 @@
         </p:nvSpPr>
         <p:spPr>
           <a:xfrm>
-            <a:off x="6187415" y="2174875"/>
-            <a:ext cx="5194583" cy="576262"/>
+            <a:off x="6218191" y="2063396"/>
+            <a:ext cx="4864491" cy="679994"/>
           </a:xfrm>
         </p:spPr>
         <p:txBody>
@@ -3453,9 +4415,16 @@
             <a:noAutofit/>
           </a:bodyPr>
           <a:lstStyle>
-            <a:lvl1pPr marL="0" indent="0" algn="ctr">
-              <a:buNone/>
-              <a:defRPr sz="2000" b="0"/>
+            <a:lvl1pPr marL="0" indent="0">
+              <a:lnSpc>
+                <a:spcPct val="90000"/>
+              </a:lnSpc>
+              <a:buNone/>
+              <a:defRPr sz="2600" b="0">
+                <a:solidFill>
+                  <a:schemeClr val="accent1"/>
+                </a:solidFill>
+              </a:defRPr>
             </a:lvl1pPr>
             <a:lvl2pPr marL="457200" indent="0">
               <a:buNone/>
@@ -3501,24 +4470,22 @@
       </p:sp>
       <p:sp>
         <p:nvSpPr>
-          <p:cNvPr id="6" name="Content Placeholder 5"/>
-          <p:cNvSpPr>
-            <a:spLocks noGrp="1"/>
-          </p:cNvSpPr>
-          <p:nvPr>
-            <p:ph sz="quarter" idx="4"/>
+          <p:cNvPr id="13" name="Content Placeholder 5"/>
+          <p:cNvSpPr>
+            <a:spLocks noGrp="1"/>
+          </p:cNvSpPr>
+          <p:nvPr>
+            <p:ph sz="quarter" idx="14"/>
           </p:nvPr>
         </p:nvSpPr>
         <p:spPr>
           <a:xfrm>
-            <a:off x="6187415" y="2751138"/>
-            <a:ext cx="5194583" cy="3109913"/>
-          </a:xfrm>
-        </p:spPr>
-        <p:txBody>
-          <a:bodyPr anchor="t">
-            <a:normAutofit/>
-          </a:bodyPr>
+            <a:off x="5993969" y="2861733"/>
+            <a:ext cx="5088713" cy="2512852"/>
+          </a:xfrm>
+        </p:spPr>
+        <p:txBody>
+          <a:bodyPr anchor="t"/>
           <a:lstStyle/>
           <a:p>
             <a:pPr lvl="0"/>
@@ -3575,7 +4542,7 @@
           <a:p>
             <a:fld id="{29079BC8-7655-4E93-83EF-7F8C5EA3FD9C}" type="datetimeFigureOut">
               <a:rPr lang="en-US" smtClean="0"/>
-              <a:t>11/17/2024</a:t>
+              <a:t>11/28/2024</a:t>
             </a:fld>
             <a:endParaRPr lang="en-US"/>
           </a:p>
@@ -3626,7 +4593,7 @@
     </p:spTree>
     <p:extLst>
       <p:ext uri="{BB962C8B-B14F-4D97-AF65-F5344CB8AC3E}">
-        <p14:creationId xmlns:p14="http://schemas.microsoft.com/office/powerpoint/2010/main" val="3656178422"/>
+        <p14:creationId xmlns:p14="http://schemas.microsoft.com/office/powerpoint/2010/main" val="1424601549"/>
       </p:ext>
     </p:extLst>
   </p:cSld>
@@ -3655,109 +4622,6 @@
       </p:grpSpPr>
       <p:sp>
         <p:nvSpPr>
-          <p:cNvPr id="6" name="Freeform 6"/>
-          <p:cNvSpPr/>
-          <p:nvPr/>
-        </p:nvSpPr>
-        <p:spPr bwMode="auto">
-          <a:xfrm>
-            <a:off x="0" y="0"/>
-            <a:ext cx="12192000" cy="2185988"/>
-          </a:xfrm>
-          <a:custGeom>
-            <a:avLst/>
-            <a:gdLst/>
-            <a:ahLst/>
-            <a:cxnLst/>
-            <a:rect l="0" t="0" r="r" b="b"/>
-            <a:pathLst>
-              <a:path w="5760" h="1377">
-                <a:moveTo>
-                  <a:pt x="5760" y="0"/>
-                </a:moveTo>
-                <a:lnTo>
-                  <a:pt x="0" y="0"/>
-                </a:lnTo>
-                <a:lnTo>
-                  <a:pt x="0" y="1189"/>
-                </a:lnTo>
-                <a:lnTo>
-                  <a:pt x="943" y="1189"/>
-                </a:lnTo>
-                <a:lnTo>
-                  <a:pt x="1123" y="1369"/>
-                </a:lnTo>
-                <a:lnTo>
-                  <a:pt x="1123" y="1369"/>
-                </a:lnTo>
-                <a:lnTo>
-                  <a:pt x="1127" y="1371"/>
-                </a:lnTo>
-                <a:lnTo>
-                  <a:pt x="1133" y="1374"/>
-                </a:lnTo>
-                <a:lnTo>
-                  <a:pt x="1139" y="1377"/>
-                </a:lnTo>
-                <a:lnTo>
-                  <a:pt x="1144" y="1377"/>
-                </a:lnTo>
-                <a:lnTo>
-                  <a:pt x="1150" y="1377"/>
-                </a:lnTo>
-                <a:lnTo>
-                  <a:pt x="1155" y="1374"/>
-                </a:lnTo>
-                <a:lnTo>
-                  <a:pt x="1161" y="1371"/>
-                </a:lnTo>
-                <a:lnTo>
-                  <a:pt x="1165" y="1369"/>
-                </a:lnTo>
-                <a:lnTo>
-                  <a:pt x="1345" y="1189"/>
-                </a:lnTo>
-                <a:lnTo>
-                  <a:pt x="5760" y="1189"/>
-                </a:lnTo>
-                <a:lnTo>
-                  <a:pt x="5760" y="0"/>
-                </a:lnTo>
-                <a:close/>
-              </a:path>
-            </a:pathLst>
-          </a:custGeom>
-          <a:ln/>
-          <a:extLst>
-            <a:ext uri="{91240B29-F687-4f45-9708-019B960494DF}">
-              <a14:hiddenLine xmlns:a14="http://schemas.microsoft.com/office/drawing/2010/main" xmlns="" w="9525">
-                <a:solidFill>
-                  <a:srgbClr val="000000"/>
-                </a:solidFill>
-                <a:round/>
-                <a:headEnd/>
-                <a:tailEnd/>
-              </a14:hiddenLine>
-            </a:ext>
-          </a:extLst>
-        </p:spPr>
-        <p:style>
-          <a:lnRef idx="1">
-            <a:schemeClr val="accent1"/>
-          </a:lnRef>
-          <a:fillRef idx="3">
-            <a:schemeClr val="accent1"/>
-          </a:fillRef>
-          <a:effectRef idx="2">
-            <a:schemeClr val="accent1"/>
-          </a:effectRef>
-          <a:fontRef idx="minor">
-            <a:schemeClr val="lt1"/>
-          </a:fontRef>
-        </p:style>
-      </p:sp>
-      <p:sp>
-        <p:nvSpPr>
           <p:cNvPr id="2" name="Title 1"/>
           <p:cNvSpPr>
             <a:spLocks noGrp="1"/>
@@ -3796,7 +4660,7 @@
           <a:p>
             <a:fld id="{29079BC8-7655-4E93-83EF-7F8C5EA3FD9C}" type="datetimeFigureOut">
               <a:rPr lang="en-US" smtClean="0"/>
-              <a:t>11/17/2024</a:t>
+              <a:t>11/28/2024</a:t>
             </a:fld>
             <a:endParaRPr lang="en-US"/>
           </a:p>
@@ -3847,7 +4711,7 @@
     </p:spTree>
     <p:extLst>
       <p:ext uri="{BB962C8B-B14F-4D97-AF65-F5344CB8AC3E}">
-        <p14:creationId xmlns:p14="http://schemas.microsoft.com/office/powerpoint/2010/main" val="3474538533"/>
+        <p14:creationId xmlns:p14="http://schemas.microsoft.com/office/powerpoint/2010/main" val="1244843298"/>
       </p:ext>
     </p:extLst>
   </p:cSld>
@@ -3891,7 +4755,7 @@
           <a:p>
             <a:fld id="{29079BC8-7655-4E93-83EF-7F8C5EA3FD9C}" type="datetimeFigureOut">
               <a:rPr lang="en-US" smtClean="0"/>
-              <a:t>11/17/2024</a:t>
+              <a:t>11/28/2024</a:t>
             </a:fld>
             <a:endParaRPr lang="en-US"/>
           </a:p>
@@ -3942,7 +4806,7 @@
     </p:spTree>
     <p:extLst>
       <p:ext uri="{BB962C8B-B14F-4D97-AF65-F5344CB8AC3E}">
-        <p14:creationId xmlns:p14="http://schemas.microsoft.com/office/powerpoint/2010/main" val="1259258350"/>
+        <p14:creationId xmlns:p14="http://schemas.microsoft.com/office/powerpoint/2010/main" val="191037030"/>
       </p:ext>
     </p:extLst>
   </p:cSld>
@@ -3971,241 +4835,27 @@
       </p:grpSpPr>
       <p:sp>
         <p:nvSpPr>
-          <p:cNvPr id="12" name="Freeform 6"/>
-          <p:cNvSpPr>
-            <a:spLocks noChangeAspect="1"/>
-          </p:cNvSpPr>
-          <p:nvPr/>
-        </p:nvSpPr>
-        <p:spPr bwMode="auto">
+          <p:cNvPr id="2" name="Title 1"/>
+          <p:cNvSpPr>
+            <a:spLocks noGrp="1"/>
+          </p:cNvSpPr>
+          <p:nvPr>
+            <p:ph type="title"/>
+          </p:nvPr>
+        </p:nvSpPr>
+        <p:spPr>
           <a:xfrm>
-            <a:off x="1073151" y="446087"/>
-            <a:ext cx="3547533" cy="1814651"/>
-          </a:xfrm>
-          <a:custGeom>
-            <a:avLst/>
-            <a:gdLst/>
-            <a:ahLst/>
-            <a:cxnLst/>
-            <a:rect l="0" t="0" r="r" b="b"/>
-            <a:pathLst>
-              <a:path w="3384" h="2308">
-                <a:moveTo>
-                  <a:pt x="3340" y="0"/>
-                </a:moveTo>
-                <a:lnTo>
-                  <a:pt x="44" y="0"/>
-                </a:lnTo>
-                <a:lnTo>
-                  <a:pt x="44" y="0"/>
-                </a:lnTo>
-                <a:lnTo>
-                  <a:pt x="34" y="0"/>
-                </a:lnTo>
-                <a:lnTo>
-                  <a:pt x="26" y="4"/>
-                </a:lnTo>
-                <a:lnTo>
-                  <a:pt x="20" y="8"/>
-                </a:lnTo>
-                <a:lnTo>
-                  <a:pt x="12" y="12"/>
-                </a:lnTo>
-                <a:lnTo>
-                  <a:pt x="8" y="20"/>
-                </a:lnTo>
-                <a:lnTo>
-                  <a:pt x="4" y="26"/>
-                </a:lnTo>
-                <a:lnTo>
-                  <a:pt x="0" y="34"/>
-                </a:lnTo>
-                <a:lnTo>
-                  <a:pt x="0" y="44"/>
-                </a:lnTo>
-                <a:lnTo>
-                  <a:pt x="0" y="2076"/>
-                </a:lnTo>
-                <a:lnTo>
-                  <a:pt x="0" y="2076"/>
-                </a:lnTo>
-                <a:lnTo>
-                  <a:pt x="0" y="2086"/>
-                </a:lnTo>
-                <a:lnTo>
-                  <a:pt x="4" y="2094"/>
-                </a:lnTo>
-                <a:lnTo>
-                  <a:pt x="8" y="2100"/>
-                </a:lnTo>
-                <a:lnTo>
-                  <a:pt x="12" y="2108"/>
-                </a:lnTo>
-                <a:lnTo>
-                  <a:pt x="20" y="2112"/>
-                </a:lnTo>
-                <a:lnTo>
-                  <a:pt x="26" y="2116"/>
-                </a:lnTo>
-                <a:lnTo>
-                  <a:pt x="34" y="2120"/>
-                </a:lnTo>
-                <a:lnTo>
-                  <a:pt x="44" y="2120"/>
-                </a:lnTo>
-                <a:lnTo>
-                  <a:pt x="474" y="2120"/>
-                </a:lnTo>
-                <a:lnTo>
-                  <a:pt x="650" y="2296"/>
-                </a:lnTo>
-                <a:lnTo>
-                  <a:pt x="650" y="2296"/>
-                </a:lnTo>
-                <a:lnTo>
-                  <a:pt x="656" y="2300"/>
-                </a:lnTo>
-                <a:lnTo>
-                  <a:pt x="664" y="2304"/>
-                </a:lnTo>
-                <a:lnTo>
-                  <a:pt x="672" y="2308"/>
-                </a:lnTo>
-                <a:lnTo>
-                  <a:pt x="680" y="2308"/>
-                </a:lnTo>
-                <a:lnTo>
-                  <a:pt x="688" y="2308"/>
-                </a:lnTo>
-                <a:lnTo>
-                  <a:pt x="696" y="2304"/>
-                </a:lnTo>
-                <a:lnTo>
-                  <a:pt x="704" y="2300"/>
-                </a:lnTo>
-                <a:lnTo>
-                  <a:pt x="710" y="2296"/>
-                </a:lnTo>
-                <a:lnTo>
-                  <a:pt x="886" y="2120"/>
-                </a:lnTo>
-                <a:lnTo>
-                  <a:pt x="3340" y="2120"/>
-                </a:lnTo>
-                <a:lnTo>
-                  <a:pt x="3340" y="2120"/>
-                </a:lnTo>
-                <a:lnTo>
-                  <a:pt x="3350" y="2120"/>
-                </a:lnTo>
-                <a:lnTo>
-                  <a:pt x="3358" y="2116"/>
-                </a:lnTo>
-                <a:lnTo>
-                  <a:pt x="3364" y="2112"/>
-                </a:lnTo>
-                <a:lnTo>
-                  <a:pt x="3372" y="2108"/>
-                </a:lnTo>
-                <a:lnTo>
-                  <a:pt x="3376" y="2100"/>
-                </a:lnTo>
-                <a:lnTo>
-                  <a:pt x="3380" y="2094"/>
-                </a:lnTo>
-                <a:lnTo>
-                  <a:pt x="3384" y="2086"/>
-                </a:lnTo>
-                <a:lnTo>
-                  <a:pt x="3384" y="2076"/>
-                </a:lnTo>
-                <a:lnTo>
-                  <a:pt x="3384" y="44"/>
-                </a:lnTo>
-                <a:lnTo>
-                  <a:pt x="3384" y="44"/>
-                </a:lnTo>
-                <a:lnTo>
-                  <a:pt x="3384" y="34"/>
-                </a:lnTo>
-                <a:lnTo>
-                  <a:pt x="3380" y="26"/>
-                </a:lnTo>
-                <a:lnTo>
-                  <a:pt x="3376" y="20"/>
-                </a:lnTo>
-                <a:lnTo>
-                  <a:pt x="3372" y="12"/>
-                </a:lnTo>
-                <a:lnTo>
-                  <a:pt x="3364" y="8"/>
-                </a:lnTo>
-                <a:lnTo>
-                  <a:pt x="3358" y="4"/>
-                </a:lnTo>
-                <a:lnTo>
-                  <a:pt x="3350" y="0"/>
-                </a:lnTo>
-                <a:lnTo>
-                  <a:pt x="3340" y="0"/>
-                </a:lnTo>
-                <a:lnTo>
-                  <a:pt x="3340" y="0"/>
-                </a:lnTo>
-                <a:close/>
-              </a:path>
-            </a:pathLst>
-          </a:custGeom>
-          <a:ln/>
-          <a:extLst>
-            <a:ext uri="{91240B29-F687-4f45-9708-019B960494DF}">
-              <a14:hiddenLine xmlns:a14="http://schemas.microsoft.com/office/drawing/2010/main" xmlns="" w="9525">
-                <a:solidFill>
-                  <a:srgbClr val="000000"/>
-                </a:solidFill>
-                <a:round/>
-                <a:headEnd/>
-                <a:tailEnd/>
-              </a14:hiddenLine>
-            </a:ext>
-          </a:extLst>
-        </p:spPr>
-        <p:style>
-          <a:lnRef idx="1">
-            <a:schemeClr val="accent1"/>
-          </a:lnRef>
-          <a:fillRef idx="3">
-            <a:schemeClr val="accent1"/>
-          </a:fillRef>
-          <a:effectRef idx="2">
-            <a:schemeClr val="accent1"/>
-          </a:effectRef>
-          <a:fontRef idx="minor">
-            <a:schemeClr val="lt1"/>
-          </a:fontRef>
-        </p:style>
-      </p:sp>
-      <p:sp>
-        <p:nvSpPr>
-          <p:cNvPr id="2" name="Title 1"/>
-          <p:cNvSpPr>
-            <a:spLocks noGrp="1"/>
-          </p:cNvSpPr>
-          <p:nvPr>
-            <p:ph type="title"/>
-          </p:nvPr>
-        </p:nvSpPr>
-        <p:spPr>
-          <a:xfrm>
-            <a:off x="1073151" y="446088"/>
-            <a:ext cx="3547533" cy="1618396"/>
-          </a:xfrm>
-        </p:spPr>
-        <p:txBody>
-          <a:bodyPr anchor="b"/>
+            <a:off x="693643" y="685800"/>
+            <a:ext cx="4126860" cy="2023252"/>
+          </a:xfrm>
+        </p:spPr>
+        <p:txBody>
+          <a:bodyPr anchor="b">
+            <a:normAutofit/>
+          </a:bodyPr>
           <a:lstStyle>
-            <a:lvl1pPr algn="l">
-              <a:defRPr sz="2000" b="1"/>
+            <a:lvl1pPr algn="ctr">
+              <a:defRPr sz="3600"/>
             </a:lvl1pPr>
           </a:lstStyle>
           <a:p>
@@ -4219,117 +4869,117 @@
       </p:sp>
       <p:sp>
         <p:nvSpPr>
-          <p:cNvPr id="3" name="Content Placeholder 2"/>
-          <p:cNvSpPr>
-            <a:spLocks noGrp="1"/>
-          </p:cNvSpPr>
-          <p:nvPr>
-            <p:ph idx="1"/>
+          <p:cNvPr id="10" name="Content Placeholder 2"/>
+          <p:cNvSpPr>
+            <a:spLocks noGrp="1"/>
+          </p:cNvSpPr>
+          <p:nvPr>
+            <p:ph sz="quarter" idx="13"/>
           </p:nvPr>
         </p:nvSpPr>
         <p:spPr>
           <a:xfrm>
-            <a:off x="4855633" y="446088"/>
-            <a:ext cx="6252633" cy="5414963"/>
-          </a:xfrm>
-        </p:spPr>
-        <p:txBody>
-          <a:bodyPr>
+            <a:off x="5046132" y="685800"/>
+            <a:ext cx="6034375" cy="4688785"/>
+          </a:xfrm>
+        </p:spPr>
+        <p:txBody>
+          <a:bodyPr/>
+          <a:lstStyle/>
+          <a:p>
+            <a:pPr lvl="0"/>
+            <a:r>
+              <a:rPr lang="en-US"/>
+              <a:t>Click to edit Master text styles</a:t>
+            </a:r>
+          </a:p>
+          <a:p>
+            <a:pPr lvl="1"/>
+            <a:r>
+              <a:rPr lang="en-US"/>
+              <a:t>Second level</a:t>
+            </a:r>
+          </a:p>
+          <a:p>
+            <a:pPr lvl="2"/>
+            <a:r>
+              <a:rPr lang="en-US"/>
+              <a:t>Third level</a:t>
+            </a:r>
+          </a:p>
+          <a:p>
+            <a:pPr lvl="3"/>
+            <a:r>
+              <a:rPr lang="en-US"/>
+              <a:t>Fourth level</a:t>
+            </a:r>
+          </a:p>
+          <a:p>
+            <a:pPr lvl="4"/>
+            <a:r>
+              <a:rPr lang="en-US"/>
+              <a:t>Fifth level</a:t>
+            </a:r>
+            <a:endParaRPr lang="en-US" dirty="0"/>
+          </a:p>
+        </p:txBody>
+      </p:sp>
+      <p:sp>
+        <p:nvSpPr>
+          <p:cNvPr id="4" name="Text Placeholder 3"/>
+          <p:cNvSpPr>
+            <a:spLocks noGrp="1"/>
+          </p:cNvSpPr>
+          <p:nvPr>
+            <p:ph type="body" sz="half" idx="2"/>
+          </p:nvPr>
+        </p:nvSpPr>
+        <p:spPr>
+          <a:xfrm>
+            <a:off x="693642" y="2709052"/>
+            <a:ext cx="4126861" cy="2665533"/>
+          </a:xfrm>
+        </p:spPr>
+        <p:txBody>
+          <a:bodyPr anchor="t">
             <a:normAutofit/>
           </a:bodyPr>
-          <a:lstStyle/>
-          <a:p>
-            <a:pPr lvl="0"/>
-            <a:r>
-              <a:rPr lang="en-US"/>
-              <a:t>Click to edit Master text styles</a:t>
-            </a:r>
-          </a:p>
-          <a:p>
-            <a:pPr lvl="1"/>
-            <a:r>
-              <a:rPr lang="en-US"/>
-              <a:t>Second level</a:t>
-            </a:r>
-          </a:p>
-          <a:p>
-            <a:pPr lvl="2"/>
-            <a:r>
-              <a:rPr lang="en-US"/>
-              <a:t>Third level</a:t>
-            </a:r>
-          </a:p>
-          <a:p>
-            <a:pPr lvl="3"/>
-            <a:r>
-              <a:rPr lang="en-US"/>
-              <a:t>Fourth level</a:t>
-            </a:r>
-          </a:p>
-          <a:p>
-            <a:pPr lvl="4"/>
-            <a:r>
-              <a:rPr lang="en-US"/>
-              <a:t>Fifth level</a:t>
-            </a:r>
-            <a:endParaRPr lang="en-US" dirty="0"/>
-          </a:p>
-        </p:txBody>
-      </p:sp>
-      <p:sp>
-        <p:nvSpPr>
-          <p:cNvPr id="4" name="Text Placeholder 3"/>
-          <p:cNvSpPr>
-            <a:spLocks noGrp="1"/>
-          </p:cNvSpPr>
-          <p:nvPr>
-            <p:ph type="body" sz="half" idx="2"/>
-          </p:nvPr>
-        </p:nvSpPr>
-        <p:spPr>
-          <a:xfrm>
-            <a:off x="1073151" y="2260738"/>
-            <a:ext cx="3547533" cy="3600311"/>
-          </a:xfrm>
-        </p:spPr>
-        <p:txBody>
-          <a:bodyPr/>
           <a:lstStyle>
-            <a:lvl1pPr marL="0" indent="0">
-              <a:buNone/>
-              <a:defRPr sz="1400"/>
+            <a:lvl1pPr marL="0" indent="0" algn="ctr">
+              <a:buNone/>
+              <a:defRPr sz="1800"/>
             </a:lvl1pPr>
             <a:lvl2pPr marL="457200" indent="0">
               <a:buNone/>
-              <a:defRPr sz="1200"/>
+              <a:defRPr sz="1400"/>
             </a:lvl2pPr>
             <a:lvl3pPr marL="914400" indent="0">
               <a:buNone/>
-              <a:defRPr sz="1000"/>
+              <a:defRPr sz="1200"/>
             </a:lvl3pPr>
             <a:lvl4pPr marL="1371600" indent="0">
               <a:buNone/>
-              <a:defRPr sz="900"/>
+              <a:defRPr sz="1000"/>
             </a:lvl4pPr>
             <a:lvl5pPr marL="1828800" indent="0">
               <a:buNone/>
-              <a:defRPr sz="900"/>
+              <a:defRPr sz="1000"/>
             </a:lvl5pPr>
             <a:lvl6pPr marL="2286000" indent="0">
               <a:buNone/>
-              <a:defRPr sz="900"/>
+              <a:defRPr sz="1000"/>
             </a:lvl6pPr>
             <a:lvl7pPr marL="2743200" indent="0">
               <a:buNone/>
-              <a:defRPr sz="900"/>
+              <a:defRPr sz="1000"/>
             </a:lvl7pPr>
             <a:lvl8pPr marL="3200400" indent="0">
               <a:buNone/>
-              <a:defRPr sz="900"/>
+              <a:defRPr sz="1000"/>
             </a:lvl8pPr>
             <a:lvl9pPr marL="3657600" indent="0">
               <a:buNone/>
-              <a:defRPr sz="900"/>
+              <a:defRPr sz="1000"/>
             </a:lvl9pPr>
           </a:lstStyle>
           <a:p>
@@ -4358,7 +5008,7 @@
           <a:p>
             <a:fld id="{29079BC8-7655-4E93-83EF-7F8C5EA3FD9C}" type="datetimeFigureOut">
               <a:rPr lang="en-US" smtClean="0"/>
-              <a:t>11/17/2024</a:t>
+              <a:t>11/28/2024</a:t>
             </a:fld>
             <a:endParaRPr lang="en-US"/>
           </a:p>
@@ -4409,7 +5059,7 @@
     </p:spTree>
     <p:extLst>
       <p:ext uri="{BB962C8B-B14F-4D97-AF65-F5344CB8AC3E}">
-        <p14:creationId xmlns:p14="http://schemas.microsoft.com/office/powerpoint/2010/main" val="1813083244"/>
+        <p14:creationId xmlns:p14="http://schemas.microsoft.com/office/powerpoint/2010/main" val="2230332294"/>
       </p:ext>
     </p:extLst>
   </p:cSld>
@@ -4448,8 +5098,8 @@
         </p:nvSpPr>
         <p:spPr>
           <a:xfrm>
-            <a:off x="814728" y="727522"/>
-            <a:ext cx="4852988" cy="1617163"/>
+            <a:off x="685800" y="685800"/>
+            <a:ext cx="6345302" cy="2023252"/>
           </a:xfrm>
         </p:spPr>
         <p:txBody>
@@ -4457,8 +5107,8 @@
             <a:normAutofit/>
           </a:bodyPr>
           <a:lstStyle>
-            <a:lvl1pPr algn="l">
-              <a:defRPr sz="2400" b="0"/>
+            <a:lvl1pPr algn="ctr">
+              <a:defRPr sz="3600"/>
             </a:lvl1pPr>
           </a:lstStyle>
           <a:p>
@@ -4472,106 +5122,67 @@
       </p:sp>
       <p:sp>
         <p:nvSpPr>
-          <p:cNvPr id="9" name="Picture Placeholder 11"/>
+          <p:cNvPr id="3" name="Picture Placeholder 2"/>
           <p:cNvSpPr>
             <a:spLocks noGrp="1" noChangeAspect="1"/>
           </p:cNvSpPr>
           <p:nvPr>
-            <p:ph type="pic" sz="quarter" idx="13"/>
-          </p:nvPr>
-        </p:nvSpPr>
-        <p:spPr bwMode="auto">
+            <p:ph type="pic" idx="1"/>
+          </p:nvPr>
+        </p:nvSpPr>
+        <p:spPr>
           <a:xfrm>
-            <a:off x="6098117" y="0"/>
-            <a:ext cx="6093883" cy="6858000"/>
-          </a:xfrm>
-          <a:custGeom>
-            <a:avLst/>
-            <a:gdLst/>
-            <a:ahLst/>
-            <a:cxnLst/>
-            <a:rect l="0" t="0" r="r" b="b"/>
-            <a:pathLst>
-              <a:path w="2879" h="4320">
-                <a:moveTo>
-                  <a:pt x="183" y="0"/>
-                </a:moveTo>
-                <a:lnTo>
-                  <a:pt x="183" y="1197"/>
-                </a:lnTo>
-                <a:lnTo>
-                  <a:pt x="8" y="1372"/>
-                </a:lnTo>
-                <a:lnTo>
-                  <a:pt x="8" y="1372"/>
-                </a:lnTo>
-                <a:lnTo>
-                  <a:pt x="6" y="1376"/>
-                </a:lnTo>
-                <a:lnTo>
-                  <a:pt x="3" y="1382"/>
-                </a:lnTo>
-                <a:lnTo>
-                  <a:pt x="0" y="1387"/>
-                </a:lnTo>
-                <a:lnTo>
-                  <a:pt x="0" y="1393"/>
-                </a:lnTo>
-                <a:lnTo>
-                  <a:pt x="0" y="1399"/>
-                </a:lnTo>
-                <a:lnTo>
-                  <a:pt x="3" y="1404"/>
-                </a:lnTo>
-                <a:lnTo>
-                  <a:pt x="6" y="1410"/>
-                </a:lnTo>
-                <a:lnTo>
-                  <a:pt x="8" y="1414"/>
-                </a:lnTo>
-                <a:lnTo>
-                  <a:pt x="183" y="1589"/>
-                </a:lnTo>
-                <a:lnTo>
-                  <a:pt x="183" y="4320"/>
-                </a:lnTo>
-                <a:lnTo>
-                  <a:pt x="2879" y="4320"/>
-                </a:lnTo>
-                <a:lnTo>
-                  <a:pt x="2879" y="0"/>
-                </a:lnTo>
-                <a:lnTo>
-                  <a:pt x="183" y="0"/>
-                </a:lnTo>
-                <a:close/>
-              </a:path>
-            </a:pathLst>
-          </a:custGeom>
-          <a:noFill/>
-          <a:ln w="9525">
+            <a:off x="7482362" y="0"/>
+            <a:ext cx="3598146" cy="5071533"/>
+          </a:xfrm>
+          <a:ln w="57150" cmpd="thinThick">
             <a:solidFill>
-              <a:schemeClr val="tx2"/>
+              <a:schemeClr val="bg1">
+                <a:lumMod val="50000"/>
+              </a:schemeClr>
             </a:solidFill>
-            <a:round/>
-            <a:headEnd/>
-            <a:tailEnd/>
+            <a:miter lim="800000"/>
           </a:ln>
-          <a:effectLst/>
-        </p:spPr>
-        <p:txBody>
-          <a:bodyPr wrap="square" numCol="1" anchor="t" anchorCtr="0" compatLnSpc="1">
-            <a:prstTxWarp prst="textNoShape">
-              <a:avLst/>
-            </a:prstTxWarp>
-            <a:normAutofit/>
-          </a:bodyPr>
+        </p:spPr>
+        <p:txBody>
+          <a:bodyPr anchor="t"/>
           <a:lstStyle>
-            <a:lvl1pPr algn="ctr">
-              <a:buFontTx/>
-              <a:buNone/>
-              <a:defRPr sz="1400"/>
+            <a:lvl1pPr marL="0" indent="0" algn="ctr">
+              <a:buNone/>
+              <a:defRPr sz="3200"/>
             </a:lvl1pPr>
+            <a:lvl2pPr marL="457200" indent="0">
+              <a:buNone/>
+              <a:defRPr sz="2800"/>
+            </a:lvl2pPr>
+            <a:lvl3pPr marL="914400" indent="0">
+              <a:buNone/>
+              <a:defRPr sz="2400"/>
+            </a:lvl3pPr>
+            <a:lvl4pPr marL="1371600" indent="0">
+              <a:buNone/>
+              <a:defRPr sz="2000"/>
+            </a:lvl4pPr>
+            <a:lvl5pPr marL="1828800" indent="0">
+              <a:buNone/>
+              <a:defRPr sz="2000"/>
+            </a:lvl5pPr>
+            <a:lvl6pPr marL="2286000" indent="0">
+              <a:buNone/>
+              <a:defRPr sz="2000"/>
+            </a:lvl6pPr>
+            <a:lvl7pPr marL="2743200" indent="0">
+              <a:buNone/>
+              <a:defRPr sz="2000"/>
+            </a:lvl7pPr>
+            <a:lvl8pPr marL="3200400" indent="0">
+              <a:buNone/>
+              <a:defRPr sz="2000"/>
+            </a:lvl8pPr>
+            <a:lvl9pPr marL="3657600" indent="0">
+              <a:buNone/>
+              <a:defRPr sz="2000"/>
+            </a:lvl9pPr>
           </a:lstStyle>
           <a:p>
             <a:r>
@@ -4594,8 +5205,8 @@
         </p:nvSpPr>
         <p:spPr>
           <a:xfrm>
-            <a:off x="814728" y="2344684"/>
-            <a:ext cx="4852988" cy="3516365"/>
+            <a:off x="685801" y="2709052"/>
+            <a:ext cx="6345301" cy="2362481"/>
           </a:xfrm>
         </p:spPr>
         <p:txBody>
@@ -4603,41 +5214,41 @@
             <a:normAutofit/>
           </a:bodyPr>
           <a:lstStyle>
-            <a:lvl1pPr marL="0" indent="0">
-              <a:buNone/>
-              <a:defRPr sz="1200"/>
+            <a:lvl1pPr marL="0" indent="0" algn="ctr">
+              <a:buNone/>
+              <a:defRPr sz="1800"/>
             </a:lvl1pPr>
             <a:lvl2pPr marL="457200" indent="0">
               <a:buNone/>
-              <a:defRPr sz="1200"/>
+              <a:defRPr sz="1400"/>
             </a:lvl2pPr>
             <a:lvl3pPr marL="914400" indent="0">
               <a:buNone/>
-              <a:defRPr sz="1000"/>
+              <a:defRPr sz="1200"/>
             </a:lvl3pPr>
             <a:lvl4pPr marL="1371600" indent="0">
               <a:buNone/>
-              <a:defRPr sz="900"/>
+              <a:defRPr sz="1000"/>
             </a:lvl4pPr>
             <a:lvl5pPr marL="1828800" indent="0">
               <a:buNone/>
-              <a:defRPr sz="900"/>
+              <a:defRPr sz="1000"/>
             </a:lvl5pPr>
             <a:lvl6pPr marL="2286000" indent="0">
               <a:buNone/>
-              <a:defRPr sz="900"/>
+              <a:defRPr sz="1000"/>
             </a:lvl6pPr>
             <a:lvl7pPr marL="2743200" indent="0">
               <a:buNone/>
-              <a:defRPr sz="900"/>
+              <a:defRPr sz="1000"/>
             </a:lvl7pPr>
             <a:lvl8pPr marL="3200400" indent="0">
               <a:buNone/>
-              <a:defRPr sz="900"/>
+              <a:defRPr sz="1000"/>
             </a:lvl8pPr>
             <a:lvl9pPr marL="3657600" indent="0">
               <a:buNone/>
-              <a:defRPr sz="900"/>
+              <a:defRPr sz="1000"/>
             </a:lvl9pPr>
           </a:lstStyle>
           <a:p>
@@ -4659,19 +5270,14 @@
             <p:ph type="dt" sz="half" idx="10"/>
           </p:nvPr>
         </p:nvSpPr>
-        <p:spPr>
-          <a:xfrm>
-            <a:off x="3885810" y="6041362"/>
-            <a:ext cx="976879" cy="365125"/>
-          </a:xfrm>
-        </p:spPr>
+        <p:spPr/>
         <p:txBody>
           <a:bodyPr/>
           <a:lstStyle/>
           <a:p>
             <a:fld id="{29079BC8-7655-4E93-83EF-7F8C5EA3FD9C}" type="datetimeFigureOut">
               <a:rPr lang="en-US" smtClean="0"/>
-              <a:t>11/17/2024</a:t>
+              <a:t>11/28/2024</a:t>
             </a:fld>
             <a:endParaRPr lang="en-US"/>
           </a:p>
@@ -4687,12 +5293,7 @@
             <p:ph type="ftr" sz="quarter" idx="11"/>
           </p:nvPr>
         </p:nvSpPr>
-        <p:spPr>
-          <a:xfrm>
-            <a:off x="590396" y="6041362"/>
-            <a:ext cx="3295413" cy="365125"/>
-          </a:xfrm>
-        </p:spPr>
+        <p:spPr/>
         <p:txBody>
           <a:bodyPr/>
           <a:lstStyle/>
@@ -4711,12 +5312,7 @@
             <p:ph type="sldNum" sz="quarter" idx="12"/>
           </p:nvPr>
         </p:nvSpPr>
-        <p:spPr>
-          <a:xfrm>
-            <a:off x="4862689" y="5915888"/>
-            <a:ext cx="1062155" cy="490599"/>
-          </a:xfrm>
-        </p:spPr>
+        <p:spPr/>
         <p:txBody>
           <a:bodyPr/>
           <a:lstStyle/>
@@ -4732,7 +5328,7 @@
     </p:spTree>
     <p:extLst>
       <p:ext uri="{BB962C8B-B14F-4D97-AF65-F5344CB8AC3E}">
-        <p14:creationId xmlns:p14="http://schemas.microsoft.com/office/powerpoint/2010/main" val="4248097701"/>
+        <p14:creationId xmlns:p14="http://schemas.microsoft.com/office/powerpoint/2010/main" val="1823216169"/>
       </p:ext>
     </p:extLst>
   </p:cSld>
@@ -4746,8 +5342,8 @@
 <p:sldMaster xmlns:a="http://schemas.openxmlformats.org/drawingml/2006/main" xmlns:r="http://schemas.openxmlformats.org/officeDocument/2006/relationships" xmlns:p="http://schemas.openxmlformats.org/presentationml/2006/main">
   <p:cSld>
     <p:bg>
-      <p:bgRef idx="1001">
-        <a:schemeClr val="bg2"/>
+      <p:bgRef idx="1003">
+        <a:schemeClr val="bg1"/>
       </p:bgRef>
     </p:bg>
     <p:spTree>
@@ -4764,71 +5360,214 @@
           <a:chExt cx="0" cy="0"/>
         </a:xfrm>
       </p:grpSpPr>
-      <p:sp>
-        <p:nvSpPr>
-          <p:cNvPr id="2" name="Title Placeholder 1"/>
-          <p:cNvSpPr>
-            <a:spLocks noGrp="1"/>
-          </p:cNvSpPr>
-          <p:nvPr>
-            <p:ph type="title"/>
-          </p:nvPr>
-        </p:nvSpPr>
+      <p:pic>
+        <p:nvPicPr>
+          <p:cNvPr id="7" name="Picture 6" descr="Brickwork-HD-R1a.jpg"/>
+          <p:cNvPicPr>
+            <a:picLocks noChangeAspect="1"/>
+          </p:cNvPicPr>
+          <p:nvPr/>
+        </p:nvPicPr>
+        <p:blipFill>
+          <a:blip r:embed="rId19">
+            <a:extLst>
+              <a:ext uri="{28A0092B-C50C-407E-A947-70E740481C1C}">
+                <a14:useLocalDpi xmlns:a14="http://schemas.microsoft.com/office/drawing/2010/main" val="0"/>
+              </a:ext>
+            </a:extLst>
+          </a:blip>
+          <a:stretch>
+            <a:fillRect/>
+          </a:stretch>
+        </p:blipFill>
         <p:spPr>
           <a:xfrm>
-            <a:off x="810000" y="447188"/>
-            <a:ext cx="10571998" cy="970450"/>
+            <a:off x="0" y="0"/>
+            <a:ext cx="12192000" cy="6858000"/>
           </a:xfrm>
           <a:prstGeom prst="rect">
             <a:avLst/>
           </a:prstGeom>
-          <a:effectLst>
-            <a:outerShdw blurRad="50800" dir="14400000">
-              <a:srgbClr val="000000">
-                <a:alpha val="60000"/>
-              </a:srgbClr>
-            </a:outerShdw>
-          </a:effectLst>
-        </p:spPr>
-        <p:txBody>
-          <a:bodyPr vert="horz" lIns="91440" tIns="45720" rIns="91440" bIns="45720" rtlCol="0" anchor="b">
-            <a:noAutofit/>
-          </a:bodyPr>
-          <a:lstStyle/>
-          <a:p>
-            <a:r>
-              <a:rPr lang="en-US"/>
-              <a:t>Click to edit Master title style</a:t>
-            </a:r>
-            <a:endParaRPr lang="en-US" dirty="0"/>
-          </a:p>
-        </p:txBody>
-      </p:sp>
-      <p:sp>
-        <p:nvSpPr>
-          <p:cNvPr id="3" name="Text Placeholder 2"/>
-          <p:cNvSpPr>
-            <a:spLocks noGrp="1"/>
-          </p:cNvSpPr>
-          <p:nvPr>
-            <p:ph type="body" idx="1"/>
-          </p:nvPr>
-        </p:nvSpPr>
-        <p:spPr>
+        </p:spPr>
+      </p:pic>
+      <p:grpSp>
+        <p:nvGrpSpPr>
+          <p:cNvPr id="10" name="Group 9"/>
+          <p:cNvGrpSpPr/>
+          <p:nvPr/>
+        </p:nvGrpSpPr>
+        <p:grpSpPr>
           <a:xfrm>
-            <a:off x="810000" y="2184401"/>
-            <a:ext cx="10563285" cy="3674397"/>
+            <a:off x="-25397" y="0"/>
+            <a:ext cx="12005350" cy="6644081"/>
+            <a:chOff x="-25397" y="0"/>
+            <a:chExt cx="12005350" cy="6644081"/>
+          </a:xfrm>
+        </p:grpSpPr>
+        <p:sp useBgFill="1">
+          <p:nvSpPr>
+            <p:cNvPr id="11" name="Rectangle 10"/>
+            <p:cNvSpPr/>
+            <p:nvPr/>
+          </p:nvSpPr>
+          <p:spPr>
+            <a:xfrm>
+              <a:off x="1" y="0"/>
+              <a:ext cx="11979952" cy="6644081"/>
+            </a:xfrm>
+            <a:prstGeom prst="rect">
+              <a:avLst/>
+            </a:prstGeom>
+            <a:ln>
+              <a:noFill/>
+            </a:ln>
+            <a:effectLst>
+              <a:outerShdw blurRad="98425" dist="76200" dir="4380000" algn="tl" rotWithShape="0">
+                <a:srgbClr val="000000">
+                  <a:alpha val="68000"/>
+                </a:srgbClr>
+              </a:outerShdw>
+            </a:effectLst>
+          </p:spPr>
+          <p:style>
+            <a:lnRef idx="1">
+              <a:schemeClr val="accent1"/>
+            </a:lnRef>
+            <a:fillRef idx="3">
+              <a:schemeClr val="accent1"/>
+            </a:fillRef>
+            <a:effectRef idx="2">
+              <a:schemeClr val="accent1"/>
+            </a:effectRef>
+            <a:fontRef idx="minor">
+              <a:schemeClr val="lt1"/>
+            </a:fontRef>
+          </p:style>
+        </p:sp>
+        <p:sp>
+          <p:nvSpPr>
+            <p:cNvPr id="12" name="Freeform 11"/>
+            <p:cNvSpPr/>
+            <p:nvPr/>
+          </p:nvSpPr>
+          <p:spPr>
+            <a:xfrm>
+              <a:off x="-25397" y="0"/>
+              <a:ext cx="11773291" cy="6419514"/>
+            </a:xfrm>
+            <a:custGeom>
+              <a:avLst/>
+              <a:gdLst/>
+              <a:ahLst/>
+              <a:cxnLst/>
+              <a:rect l="l" t="t" r="r" b="b"/>
+              <a:pathLst>
+                <a:path w="11773291" h="6419514">
+                  <a:moveTo>
+                    <a:pt x="11750059" y="0"/>
+                  </a:moveTo>
+                  <a:lnTo>
+                    <a:pt x="11773291" y="6419514"/>
+                  </a:lnTo>
+                  <a:lnTo>
+                    <a:pt x="0" y="6411047"/>
+                  </a:lnTo>
+                </a:path>
+              </a:pathLst>
+            </a:custGeom>
+            <a:ln w="82550">
+              <a:solidFill>
+                <a:schemeClr val="tx1">
+                  <a:lumMod val="50000"/>
+                  <a:lumOff val="50000"/>
+                </a:schemeClr>
+              </a:solidFill>
+              <a:miter lim="800000"/>
+            </a:ln>
+          </p:spPr>
+          <p:style>
+            <a:lnRef idx="2">
+              <a:schemeClr val="accent1"/>
+            </a:lnRef>
+            <a:fillRef idx="0">
+              <a:schemeClr val="accent1"/>
+            </a:fillRef>
+            <a:effectRef idx="1">
+              <a:schemeClr val="accent1"/>
+            </a:effectRef>
+            <a:fontRef idx="minor">
+              <a:schemeClr val="tx1"/>
+            </a:fontRef>
+          </p:style>
+        </p:sp>
+        <p:sp>
+          <p:nvSpPr>
+            <p:cNvPr id="13" name="Rectangle 12"/>
+            <p:cNvSpPr/>
+            <p:nvPr/>
+          </p:nvSpPr>
+          <p:spPr>
+            <a:xfrm>
+              <a:off x="1" y="5600215"/>
+              <a:ext cx="11706512" cy="780581"/>
+            </a:xfrm>
+            <a:prstGeom prst="rect">
+              <a:avLst/>
+            </a:prstGeom>
+            <a:gradFill flip="none" rotWithShape="1">
+              <a:gsLst>
+                <a:gs pos="34000">
+                  <a:schemeClr val="accent1"/>
+                </a:gs>
+                <a:gs pos="100000">
+                  <a:schemeClr val="accent1">
+                    <a:lumMod val="50000"/>
+                  </a:schemeClr>
+                </a:gs>
+              </a:gsLst>
+              <a:path path="circle">
+                <a:fillToRect l="50000" t="50000" r="50000" b="50000"/>
+              </a:path>
+              <a:tileRect/>
+            </a:gradFill>
+            <a:ln>
+              <a:noFill/>
+            </a:ln>
+          </p:spPr>
+          <p:style>
+            <a:lnRef idx="1">
+              <a:schemeClr val="accent1"/>
+            </a:lnRef>
+            <a:fillRef idx="3">
+              <a:schemeClr val="accent1"/>
+            </a:fillRef>
+            <a:effectRef idx="2">
+              <a:schemeClr val="accent1"/>
+            </a:effectRef>
+            <a:fontRef idx="minor">
+              <a:schemeClr val="lt1"/>
+            </a:fontRef>
+          </p:style>
+        </p:sp>
+      </p:grpSp>
+      <p:sp>
+        <p:nvSpPr>
+          <p:cNvPr id="2" name="Title Placeholder 1"/>
+          <p:cNvSpPr>
+            <a:spLocks noGrp="1"/>
+          </p:cNvSpPr>
+          <p:nvPr>
+            <p:ph type="title"/>
+          </p:nvPr>
+        </p:nvSpPr>
+        <p:spPr>
+          <a:xfrm>
+            <a:off x="685801" y="685800"/>
+            <a:ext cx="10396882" cy="1151965"/>
           </a:xfrm>
           <a:prstGeom prst="rect">
             <a:avLst/>
           </a:prstGeom>
-          <a:effectLst>
-            <a:outerShdw blurRad="50800" dir="14400000">
-              <a:srgbClr val="000000">
-                <a:alpha val="40000"/>
-              </a:srgbClr>
-            </a:outerShdw>
-          </a:effectLst>
         </p:spPr>
         <p:txBody>
           <a:bodyPr vert="horz" lIns="91440" tIns="45720" rIns="91440" bIns="45720" rtlCol="0" anchor="ctr">
@@ -4836,38 +5575,9 @@
           </a:bodyPr>
           <a:lstStyle/>
           <a:p>
-            <a:pPr lvl="0"/>
-            <a:r>
-              <a:rPr lang="en-US"/>
-              <a:t>Click to edit Master text styles</a:t>
-            </a:r>
-          </a:p>
-          <a:p>
-            <a:pPr lvl="1"/>
-            <a:r>
-              <a:rPr lang="en-US"/>
-              <a:t>Second level</a:t>
-            </a:r>
-          </a:p>
-          <a:p>
-            <a:pPr lvl="2"/>
-            <a:r>
-              <a:rPr lang="en-US"/>
-              <a:t>Third level</a:t>
-            </a:r>
-          </a:p>
-          <a:p>
-            <a:pPr lvl="3"/>
-            <a:r>
-              <a:rPr lang="en-US"/>
-              <a:t>Fourth level</a:t>
-            </a:r>
-          </a:p>
-          <a:p>
-            <a:pPr lvl="4"/>
-            <a:r>
-              <a:rPr lang="en-US"/>
-              <a:t>Fifth level</a:t>
+            <a:r>
+              <a:rPr lang="en-US"/>
+              <a:t>Click to edit Master title style</a:t>
             </a:r>
             <a:endParaRPr lang="en-US" dirty="0"/>
           </a:p>
@@ -4875,74 +5585,140 @@
       </p:sp>
       <p:sp>
         <p:nvSpPr>
-          <p:cNvPr id="5" name="Footer Placeholder 4"/>
-          <p:cNvSpPr>
-            <a:spLocks noGrp="1"/>
-          </p:cNvSpPr>
-          <p:nvPr>
-            <p:ph type="ftr" sz="quarter" idx="3"/>
+          <p:cNvPr id="3" name="Text Placeholder 2"/>
+          <p:cNvSpPr>
+            <a:spLocks noGrp="1"/>
+          </p:cNvSpPr>
+          <p:nvPr>
+            <p:ph type="body" idx="1"/>
           </p:nvPr>
         </p:nvSpPr>
         <p:spPr>
           <a:xfrm>
-            <a:off x="451514" y="6041362"/>
-            <a:ext cx="8644320" cy="365125"/>
+            <a:off x="685800" y="2063396"/>
+            <a:ext cx="10396883" cy="3311189"/>
           </a:xfrm>
           <a:prstGeom prst="rect">
             <a:avLst/>
           </a:prstGeom>
         </p:spPr>
         <p:txBody>
-          <a:bodyPr vert="horz" lIns="91440" tIns="45720" rIns="91440" bIns="45720" rtlCol="0" anchor="b"/>
+          <a:bodyPr vert="horz" lIns="91440" tIns="45720" rIns="91440" bIns="45720" rtlCol="0" anchor="ctr">
+            <a:normAutofit/>
+          </a:bodyPr>
+          <a:lstStyle/>
+          <a:p>
+            <a:pPr lvl="0"/>
+            <a:r>
+              <a:rPr lang="en-US"/>
+              <a:t>Click to edit Master text styles</a:t>
+            </a:r>
+          </a:p>
+          <a:p>
+            <a:pPr lvl="1"/>
+            <a:r>
+              <a:rPr lang="en-US"/>
+              <a:t>Second level</a:t>
+            </a:r>
+          </a:p>
+          <a:p>
+            <a:pPr lvl="2"/>
+            <a:r>
+              <a:rPr lang="en-US"/>
+              <a:t>Third level</a:t>
+            </a:r>
+          </a:p>
+          <a:p>
+            <a:pPr lvl="3"/>
+            <a:r>
+              <a:rPr lang="en-US"/>
+              <a:t>Fourth level</a:t>
+            </a:r>
+          </a:p>
+          <a:p>
+            <a:pPr lvl="4"/>
+            <a:r>
+              <a:rPr lang="en-US"/>
+              <a:t>Fifth level</a:t>
+            </a:r>
+            <a:endParaRPr lang="en-US" dirty="0"/>
+          </a:p>
+        </p:txBody>
+      </p:sp>
+      <p:sp>
+        <p:nvSpPr>
+          <p:cNvPr id="4" name="Date Placeholder 3"/>
+          <p:cNvSpPr>
+            <a:spLocks noGrp="1"/>
+          </p:cNvSpPr>
+          <p:nvPr>
+            <p:ph type="dt" sz="half" idx="2"/>
+          </p:nvPr>
+        </p:nvSpPr>
+        <p:spPr>
+          <a:xfrm>
+            <a:off x="7298083" y="5757334"/>
+            <a:ext cx="3784600" cy="498470"/>
+          </a:xfrm>
+          <a:prstGeom prst="rect">
+            <a:avLst/>
+          </a:prstGeom>
+        </p:spPr>
+        <p:txBody>
+          <a:bodyPr vert="horz" lIns="91440" tIns="45720" rIns="91440" bIns="45720" rtlCol="0" anchor="ctr"/>
           <a:lstStyle>
-            <a:lvl1pPr algn="l">
-              <a:defRPr sz="900">
+            <a:lvl1pPr algn="r">
+              <a:defRPr sz="3200" cap="all" baseline="0">
                 <a:solidFill>
-                  <a:schemeClr val="tx1"/>
+                  <a:schemeClr val="accent1">
+                    <a:lumMod val="50000"/>
+                  </a:schemeClr>
                 </a:solidFill>
               </a:defRPr>
             </a:lvl1pPr>
           </a:lstStyle>
           <a:p>
+            <a:fld id="{29079BC8-7655-4E93-83EF-7F8C5EA3FD9C}" type="datetimeFigureOut">
+              <a:rPr lang="en-US" smtClean="0"/>
+              <a:t>11/28/2024</a:t>
+            </a:fld>
             <a:endParaRPr lang="en-US"/>
           </a:p>
         </p:txBody>
       </p:sp>
       <p:sp>
         <p:nvSpPr>
-          <p:cNvPr id="4" name="Date Placeholder 3"/>
-          <p:cNvSpPr>
-            <a:spLocks noGrp="1"/>
-          </p:cNvSpPr>
-          <p:nvPr>
-            <p:ph type="dt" sz="half" idx="2"/>
+          <p:cNvPr id="5" name="Footer Placeholder 4"/>
+          <p:cNvSpPr>
+            <a:spLocks noGrp="1"/>
+          </p:cNvSpPr>
+          <p:nvPr>
+            <p:ph type="ftr" sz="quarter" idx="3"/>
           </p:nvPr>
         </p:nvSpPr>
         <p:spPr>
           <a:xfrm>
-            <a:off x="9334626" y="6041362"/>
-            <a:ext cx="1343706" cy="365125"/>
+            <a:off x="685801" y="5757334"/>
+            <a:ext cx="5499719" cy="498470"/>
           </a:xfrm>
           <a:prstGeom prst="rect">
             <a:avLst/>
           </a:prstGeom>
         </p:spPr>
         <p:txBody>
-          <a:bodyPr vert="horz" lIns="91440" tIns="45720" rIns="91440" bIns="45720" rtlCol="0" anchor="b"/>
+          <a:bodyPr vert="horz" lIns="91440" tIns="45720" rIns="91440" bIns="45720" rtlCol="0" anchor="ctr"/>
           <a:lstStyle>
-            <a:lvl1pPr algn="r">
-              <a:defRPr sz="900">
+            <a:lvl1pPr algn="l">
+              <a:defRPr sz="3200" cap="all" baseline="0">
                 <a:solidFill>
-                  <a:schemeClr val="tx1"/>
+                  <a:schemeClr val="accent1">
+                    <a:lumMod val="50000"/>
+                  </a:schemeClr>
                 </a:solidFill>
               </a:defRPr>
             </a:lvl1pPr>
           </a:lstStyle>
           <a:p>
-            <a:fld id="{29079BC8-7655-4E93-83EF-7F8C5EA3FD9C}" type="datetimeFigureOut">
-              <a:rPr lang="en-US" smtClean="0"/>
-              <a:t>11/17/2024</a:t>
-            </a:fld>
             <a:endParaRPr lang="en-US"/>
           </a:p>
         </p:txBody>
@@ -4959,20 +5735,22 @@
         </p:nvSpPr>
         <p:spPr>
           <a:xfrm>
-            <a:off x="10678331" y="5915888"/>
-            <a:ext cx="1062155" cy="490599"/>
+            <a:off x="6287121" y="5757334"/>
+            <a:ext cx="907186" cy="498470"/>
           </a:xfrm>
           <a:prstGeom prst="rect">
             <a:avLst/>
           </a:prstGeom>
         </p:spPr>
         <p:txBody>
-          <a:bodyPr vert="horz" lIns="91440" tIns="45720" rIns="91440" bIns="10800" rtlCol="0" anchor="b"/>
+          <a:bodyPr vert="horz" lIns="91440" tIns="45720" rIns="91440" bIns="45720" rtlCol="0" anchor="ctr"/>
           <a:lstStyle>
-            <a:lvl1pPr algn="r">
-              <a:defRPr sz="2000">
+            <a:lvl1pPr algn="ctr">
+              <a:defRPr sz="3200" cap="all" baseline="0">
                 <a:solidFill>
-                  <a:schemeClr val="accent1"/>
+                  <a:schemeClr val="accent1">
+                    <a:lumMod val="50000"/>
+                  </a:schemeClr>
                 </a:solidFill>
               </a:defRPr>
             </a:lvl1pPr>
@@ -4989,285 +5767,254 @@
     </p:spTree>
     <p:extLst>
       <p:ext uri="{BB962C8B-B14F-4D97-AF65-F5344CB8AC3E}">
-        <p14:creationId xmlns:p14="http://schemas.microsoft.com/office/powerpoint/2010/main" val="3362927780"/>
+        <p14:creationId xmlns:p14="http://schemas.microsoft.com/office/powerpoint/2010/main" val="346359741"/>
       </p:ext>
     </p:extLst>
   </p:cSld>
-  <p:clrMap bg1="dk1" tx1="lt1" bg2="dk2" tx2="lt2" accent1="accent1" accent2="accent2" accent3="accent3" accent4="accent4" accent5="accent5" accent6="accent6" hlink="hlink" folHlink="folHlink"/>
+  <p:clrMap bg1="lt1" tx1="dk1" bg2="lt2" tx2="dk2" accent1="accent1" accent2="accent2" accent3="accent3" accent4="accent4" accent5="accent5" accent6="accent6" hlink="hlink" folHlink="folHlink"/>
   <p:sldLayoutIdLst>
-    <p:sldLayoutId id="2147483661" r:id="rId1"/>
-    <p:sldLayoutId id="2147483662" r:id="rId2"/>
-    <p:sldLayoutId id="2147483663" r:id="rId3"/>
-    <p:sldLayoutId id="2147483664" r:id="rId4"/>
-    <p:sldLayoutId id="2147483665" r:id="rId5"/>
-    <p:sldLayoutId id="2147483666" r:id="rId6"/>
-    <p:sldLayoutId id="2147483667" r:id="rId7"/>
-    <p:sldLayoutId id="2147483668" r:id="rId8"/>
-    <p:sldLayoutId id="2147483669" r:id="rId9"/>
-    <p:sldLayoutId id="2147483670" r:id="rId10"/>
-    <p:sldLayoutId id="2147483671" r:id="rId11"/>
-    <p:sldLayoutId id="2147483672" r:id="rId12"/>
-    <p:sldLayoutId id="2147483673" r:id="rId13"/>
-    <p:sldLayoutId id="2147483674" r:id="rId14"/>
+    <p:sldLayoutId id="2147483706" r:id="rId1"/>
+    <p:sldLayoutId id="2147483707" r:id="rId2"/>
+    <p:sldLayoutId id="2147483708" r:id="rId3"/>
+    <p:sldLayoutId id="2147483709" r:id="rId4"/>
+    <p:sldLayoutId id="2147483710" r:id="rId5"/>
+    <p:sldLayoutId id="2147483711" r:id="rId6"/>
+    <p:sldLayoutId id="2147483712" r:id="rId7"/>
+    <p:sldLayoutId id="2147483713" r:id="rId8"/>
+    <p:sldLayoutId id="2147483714" r:id="rId9"/>
+    <p:sldLayoutId id="2147483715" r:id="rId10"/>
+    <p:sldLayoutId id="2147483716" r:id="rId11"/>
+    <p:sldLayoutId id="2147483717" r:id="rId12"/>
+    <p:sldLayoutId id="2147483718" r:id="rId13"/>
+    <p:sldLayoutId id="2147483719" r:id="rId14"/>
+    <p:sldLayoutId id="2147483720" r:id="rId15"/>
+    <p:sldLayoutId id="2147483721" r:id="rId16"/>
+    <p:sldLayoutId id="2147483722" r:id="rId17"/>
   </p:sldLayoutIdLst>
   <p:txStyles>
     <p:titleStyle>
-      <a:lvl1pPr algn="l" defTabSz="457200" rtl="0" eaLnBrk="1" latinLnBrk="0" hangingPunct="1">
+      <a:lvl1pPr algn="l" defTabSz="914400" rtl="0" eaLnBrk="1" latinLnBrk="0" hangingPunct="1">
+        <a:lnSpc>
+          <a:spcPct val="90000"/>
+        </a:lnSpc>
         <a:spcBef>
           <a:spcPct val="0"/>
         </a:spcBef>
         <a:buNone/>
-        <a:defRPr sz="4000" b="1" kern="1200">
+        <a:defRPr sz="5400" kern="1200" cap="all" baseline="0">
           <a:solidFill>
-            <a:srgbClr val="FEFEFE"/>
+            <a:schemeClr val="accent1"/>
           </a:solidFill>
+          <a:effectLst/>
           <a:latin typeface="+mj-lt"/>
           <a:ea typeface="+mj-ea"/>
           <a:cs typeface="+mj-cs"/>
         </a:defRPr>
       </a:lvl1pPr>
-      <a:lvl2pPr eaLnBrk="1" hangingPunct="1">
-        <a:defRPr>
-          <a:solidFill>
-            <a:schemeClr val="tx2"/>
-          </a:solidFill>
-        </a:defRPr>
-      </a:lvl2pPr>
-      <a:lvl3pPr eaLnBrk="1" hangingPunct="1">
-        <a:defRPr>
-          <a:solidFill>
-            <a:schemeClr val="tx2"/>
-          </a:solidFill>
-        </a:defRPr>
-      </a:lvl3pPr>
-      <a:lvl4pPr eaLnBrk="1" hangingPunct="1">
-        <a:defRPr>
-          <a:solidFill>
-            <a:schemeClr val="tx2"/>
-          </a:solidFill>
-        </a:defRPr>
-      </a:lvl4pPr>
-      <a:lvl5pPr eaLnBrk="1" hangingPunct="1">
-        <a:defRPr>
-          <a:solidFill>
-            <a:schemeClr val="tx2"/>
-          </a:solidFill>
-        </a:defRPr>
-      </a:lvl5pPr>
-      <a:lvl6pPr eaLnBrk="1" hangingPunct="1">
-        <a:defRPr>
-          <a:solidFill>
-            <a:schemeClr val="tx2"/>
-          </a:solidFill>
-        </a:defRPr>
-      </a:lvl6pPr>
-      <a:lvl7pPr eaLnBrk="1" hangingPunct="1">
-        <a:defRPr>
-          <a:solidFill>
-            <a:schemeClr val="tx2"/>
-          </a:solidFill>
-        </a:defRPr>
-      </a:lvl7pPr>
-      <a:lvl8pPr eaLnBrk="1" hangingPunct="1">
-        <a:defRPr>
-          <a:solidFill>
-            <a:schemeClr val="tx2"/>
-          </a:solidFill>
-        </a:defRPr>
-      </a:lvl8pPr>
-      <a:lvl9pPr eaLnBrk="1" hangingPunct="1">
-        <a:defRPr>
-          <a:solidFill>
-            <a:schemeClr val="tx2"/>
-          </a:solidFill>
-        </a:defRPr>
-      </a:lvl9pPr>
     </p:titleStyle>
     <p:bodyStyle>
-      <a:lvl1pPr marL="342900" indent="-342900" algn="l" defTabSz="457200" rtl="0" eaLnBrk="1" latinLnBrk="0" hangingPunct="1">
+      <a:lvl1pPr marL="228600" indent="-228600" algn="l" defTabSz="914400" rtl="0" eaLnBrk="1" latinLnBrk="0" hangingPunct="1">
+        <a:lnSpc>
+          <a:spcPct val="120000"/>
+        </a:lnSpc>
         <a:spcBef>
-          <a:spcPct val="20000"/>
+          <a:spcPts val="1000"/>
         </a:spcBef>
-        <a:spcAft>
-          <a:spcPts val="600"/>
-        </a:spcAft>
         <a:buClr>
           <a:schemeClr val="accent1"/>
         </a:buClr>
-        <a:buFont typeface="Wingdings 2" charset="2"/>
-        <a:buChar char=""/>
-        <a:defRPr sz="1800" kern="1200">
+        <a:buSzPct val="160000"/>
+        <a:buFont typeface="Arial" panose="020B0604020202020204" pitchFamily="34" charset="0"/>
+        <a:buChar char="•"/>
+        <a:defRPr sz="2000" kern="1200" cap="all" baseline="0">
           <a:solidFill>
             <a:schemeClr val="tx1"/>
           </a:solidFill>
+          <a:effectLst/>
           <a:latin typeface="+mn-lt"/>
           <a:ea typeface="+mn-ea"/>
           <a:cs typeface="+mn-cs"/>
         </a:defRPr>
       </a:lvl1pPr>
-      <a:lvl2pPr marL="742950" indent="-285750" algn="l" defTabSz="457200" rtl="0" eaLnBrk="1" latinLnBrk="0" hangingPunct="1">
+      <a:lvl2pPr marL="685800" indent="-228600" algn="l" defTabSz="914400" rtl="0" eaLnBrk="1" latinLnBrk="0" hangingPunct="1">
+        <a:lnSpc>
+          <a:spcPct val="120000"/>
+        </a:lnSpc>
         <a:spcBef>
-          <a:spcPct val="20000"/>
+          <a:spcPts val="500"/>
         </a:spcBef>
-        <a:spcAft>
-          <a:spcPts val="600"/>
-        </a:spcAft>
         <a:buClr>
           <a:schemeClr val="accent1"/>
         </a:buClr>
-        <a:buFont typeface="Wingdings 2" charset="2"/>
-        <a:buChar char=""/>
-        <a:defRPr sz="1600" kern="1200">
+        <a:buSzPct val="160000"/>
+        <a:buFont typeface="Arial" panose="020B0604020202020204" pitchFamily="34" charset="0"/>
+        <a:buChar char="•"/>
+        <a:defRPr sz="1800" kern="1200" cap="all" baseline="0">
           <a:solidFill>
             <a:schemeClr val="tx1"/>
           </a:solidFill>
+          <a:effectLst/>
           <a:latin typeface="+mn-lt"/>
           <a:ea typeface="+mn-ea"/>
           <a:cs typeface="+mn-cs"/>
         </a:defRPr>
       </a:lvl2pPr>
-      <a:lvl3pPr marL="1143000" indent="-228600" algn="l" defTabSz="457200" rtl="0" eaLnBrk="1" latinLnBrk="0" hangingPunct="1">
+      <a:lvl3pPr marL="1143000" indent="-228600" algn="l" defTabSz="914400" rtl="0" eaLnBrk="1" latinLnBrk="0" hangingPunct="1">
+        <a:lnSpc>
+          <a:spcPct val="120000"/>
+        </a:lnSpc>
         <a:spcBef>
-          <a:spcPct val="20000"/>
+          <a:spcPts val="500"/>
         </a:spcBef>
-        <a:spcAft>
-          <a:spcPts val="600"/>
-        </a:spcAft>
         <a:buClr>
           <a:schemeClr val="accent1"/>
         </a:buClr>
-        <a:buFont typeface="Wingdings 2" charset="2"/>
-        <a:buChar char=""/>
-        <a:defRPr sz="1400" kern="1200">
+        <a:buSzPct val="160000"/>
+        <a:buFont typeface="Arial" panose="020B0604020202020204" pitchFamily="34" charset="0"/>
+        <a:buChar char="•"/>
+        <a:defRPr sz="1600" kern="1200" cap="all" baseline="0">
           <a:solidFill>
             <a:schemeClr val="tx1"/>
           </a:solidFill>
+          <a:effectLst/>
           <a:latin typeface="+mn-lt"/>
           <a:ea typeface="+mn-ea"/>
           <a:cs typeface="+mn-cs"/>
         </a:defRPr>
       </a:lvl3pPr>
-      <a:lvl4pPr marL="1600200" indent="-228600" algn="l" defTabSz="457200" rtl="0" eaLnBrk="1" latinLnBrk="0" hangingPunct="1">
+      <a:lvl4pPr marL="1600200" indent="-228600" algn="l" defTabSz="914400" rtl="0" eaLnBrk="1" latinLnBrk="0" hangingPunct="1">
+        <a:lnSpc>
+          <a:spcPct val="120000"/>
+        </a:lnSpc>
         <a:spcBef>
-          <a:spcPct val="20000"/>
+          <a:spcPts val="500"/>
         </a:spcBef>
-        <a:spcAft>
-          <a:spcPts val="600"/>
-        </a:spcAft>
         <a:buClr>
           <a:schemeClr val="accent1"/>
         </a:buClr>
-        <a:buFont typeface="Wingdings 2" charset="2"/>
-        <a:buChar char=""/>
-        <a:defRPr sz="1200" kern="1200">
+        <a:buSzPct val="160000"/>
+        <a:buFont typeface="Arial" panose="020B0604020202020204" pitchFamily="34" charset="0"/>
+        <a:buChar char="•"/>
+        <a:defRPr sz="1400" kern="1200" cap="all" baseline="0">
           <a:solidFill>
             <a:schemeClr val="tx1"/>
           </a:solidFill>
+          <a:effectLst/>
           <a:latin typeface="+mn-lt"/>
           <a:ea typeface="+mn-ea"/>
           <a:cs typeface="+mn-cs"/>
         </a:defRPr>
       </a:lvl4pPr>
-      <a:lvl5pPr marL="2057400" indent="-228600" algn="l" defTabSz="457200" rtl="0" eaLnBrk="1" latinLnBrk="0" hangingPunct="1">
+      <a:lvl5pPr marL="2057400" indent="-228600" algn="l" defTabSz="914400" rtl="0" eaLnBrk="1" latinLnBrk="0" hangingPunct="1">
+        <a:lnSpc>
+          <a:spcPct val="120000"/>
+        </a:lnSpc>
         <a:spcBef>
-          <a:spcPct val="20000"/>
+          <a:spcPts val="500"/>
         </a:spcBef>
-        <a:spcAft>
-          <a:spcPts val="600"/>
-        </a:spcAft>
         <a:buClr>
           <a:schemeClr val="accent1"/>
         </a:buClr>
-        <a:buFont typeface="Wingdings 2" charset="2"/>
-        <a:buChar char=""/>
-        <a:defRPr sz="1200" kern="1200">
+        <a:buSzPct val="160000"/>
+        <a:buFont typeface="Arial" panose="020B0604020202020204" pitchFamily="34" charset="0"/>
+        <a:buChar char="•"/>
+        <a:defRPr sz="1400" kern="1200" cap="all" baseline="0">
           <a:solidFill>
             <a:schemeClr val="tx1"/>
           </a:solidFill>
+          <a:effectLst/>
           <a:latin typeface="+mn-lt"/>
           <a:ea typeface="+mn-ea"/>
           <a:cs typeface="+mn-cs"/>
         </a:defRPr>
       </a:lvl5pPr>
-      <a:lvl6pPr marL="2400000" indent="-228600" algn="l" defTabSz="457200" rtl="0" eaLnBrk="1" latinLnBrk="0" hangingPunct="1">
+      <a:lvl6pPr marL="2514600" indent="-228600" algn="l" defTabSz="914400" rtl="0" eaLnBrk="1" latinLnBrk="0" hangingPunct="1">
+        <a:lnSpc>
+          <a:spcPct val="120000"/>
+        </a:lnSpc>
         <a:spcBef>
-          <a:spcPct val="20000"/>
+          <a:spcPts val="500"/>
         </a:spcBef>
-        <a:spcAft>
-          <a:spcPts val="600"/>
-        </a:spcAft>
         <a:buClr>
           <a:schemeClr val="accent1"/>
         </a:buClr>
-        <a:buFont typeface="Wingdings 2" charset="2"/>
-        <a:buChar char=""/>
-        <a:defRPr sz="1200" kern="1200">
+        <a:buSzPct val="160000"/>
+        <a:buFont typeface="Arial" panose="020B0604020202020204" pitchFamily="34" charset="0"/>
+        <a:buChar char="•"/>
+        <a:defRPr sz="1400" kern="1200" cap="all" baseline="0">
           <a:solidFill>
             <a:schemeClr val="tx1"/>
           </a:solidFill>
+          <a:effectLst/>
           <a:latin typeface="+mn-lt"/>
           <a:ea typeface="+mn-ea"/>
           <a:cs typeface="+mn-cs"/>
         </a:defRPr>
       </a:lvl6pPr>
-      <a:lvl7pPr marL="2800000" indent="-228600" algn="l" defTabSz="457200" rtl="0" eaLnBrk="1" latinLnBrk="0" hangingPunct="1">
+      <a:lvl7pPr marL="2971800" indent="-228600" algn="l" defTabSz="914400" rtl="0" eaLnBrk="1" latinLnBrk="0" hangingPunct="1">
+        <a:lnSpc>
+          <a:spcPct val="120000"/>
+        </a:lnSpc>
         <a:spcBef>
-          <a:spcPct val="20000"/>
+          <a:spcPts val="500"/>
         </a:spcBef>
-        <a:spcAft>
-          <a:spcPts val="600"/>
-        </a:spcAft>
         <a:buClr>
           <a:schemeClr val="accent1"/>
         </a:buClr>
-        <a:buFont typeface="Wingdings 2" charset="2"/>
-        <a:buChar char=""/>
-        <a:defRPr sz="1200" kern="1200">
+        <a:buSzPct val="160000"/>
+        <a:buFont typeface="Arial" panose="020B0604020202020204" pitchFamily="34" charset="0"/>
+        <a:buChar char="•"/>
+        <a:defRPr sz="1400" kern="1200" cap="all" baseline="0">
           <a:solidFill>
             <a:schemeClr val="tx1"/>
           </a:solidFill>
+          <a:effectLst/>
           <a:latin typeface="+mn-lt"/>
           <a:ea typeface="+mn-ea"/>
           <a:cs typeface="+mn-cs"/>
         </a:defRPr>
       </a:lvl7pPr>
-      <a:lvl8pPr marL="3200000" indent="-228600" algn="l" defTabSz="457200" rtl="0" eaLnBrk="1" latinLnBrk="0" hangingPunct="1">
+      <a:lvl8pPr marL="3429000" indent="-228600" algn="l" defTabSz="914400" rtl="0" eaLnBrk="1" latinLnBrk="0" hangingPunct="1">
+        <a:lnSpc>
+          <a:spcPct val="120000"/>
+        </a:lnSpc>
         <a:spcBef>
-          <a:spcPct val="20000"/>
+          <a:spcPts val="500"/>
         </a:spcBef>
-        <a:spcAft>
-          <a:spcPts val="600"/>
-        </a:spcAft>
         <a:buClr>
           <a:schemeClr val="accent1"/>
         </a:buClr>
-        <a:buFont typeface="Wingdings 2" charset="2"/>
-        <a:buChar char=""/>
-        <a:defRPr sz="1200" kern="1200">
+        <a:buSzPct val="160000"/>
+        <a:buFont typeface="Arial" panose="020B0604020202020204" pitchFamily="34" charset="0"/>
+        <a:buChar char="•"/>
+        <a:defRPr sz="1400" kern="1200" cap="all" baseline="0">
           <a:solidFill>
             <a:schemeClr val="tx1"/>
           </a:solidFill>
+          <a:effectLst/>
           <a:latin typeface="+mn-lt"/>
           <a:ea typeface="+mn-ea"/>
           <a:cs typeface="+mn-cs"/>
         </a:defRPr>
       </a:lvl8pPr>
-      <a:lvl9pPr marL="3600000" indent="-228600" algn="l" defTabSz="457200" rtl="0" eaLnBrk="1" latinLnBrk="0" hangingPunct="1">
+      <a:lvl9pPr marL="3886200" indent="-228600" algn="l" defTabSz="914400" rtl="0" eaLnBrk="1" latinLnBrk="0" hangingPunct="1">
+        <a:lnSpc>
+          <a:spcPct val="120000"/>
+        </a:lnSpc>
         <a:spcBef>
-          <a:spcPct val="20000"/>
+          <a:spcPts val="500"/>
         </a:spcBef>
-        <a:spcAft>
-          <a:spcPts val="600"/>
-        </a:spcAft>
         <a:buClr>
           <a:schemeClr val="accent1"/>
         </a:buClr>
-        <a:buFont typeface="Wingdings 2" charset="2"/>
-        <a:buChar char=""/>
-        <a:defRPr sz="1200" kern="1200">
+        <a:buSzPct val="160000"/>
+        <a:buFont typeface="Arial" panose="020B0604020202020204" pitchFamily="34" charset="0"/>
+        <a:buChar char="•"/>
+        <a:defRPr sz="1400" kern="1200" cap="all" baseline="0">
           <a:solidFill>
             <a:schemeClr val="tx1"/>
           </a:solidFill>
+          <a:effectLst/>
           <a:latin typeface="+mn-lt"/>
           <a:ea typeface="+mn-ea"/>
           <a:cs typeface="+mn-cs"/>
@@ -5278,7 +6025,7 @@
       <a:defPPr>
         <a:defRPr lang="en-US"/>
       </a:defPPr>
-      <a:lvl1pPr marL="0" algn="l" defTabSz="457200" rtl="0" eaLnBrk="1" latinLnBrk="0" hangingPunct="1">
+      <a:lvl1pPr marL="0" algn="l" defTabSz="914400" rtl="0" eaLnBrk="1" latinLnBrk="0" hangingPunct="1">
         <a:defRPr sz="1800" kern="1200">
           <a:solidFill>
             <a:schemeClr val="tx1"/>
@@ -5288,7 +6035,7 @@
           <a:cs typeface="+mn-cs"/>
         </a:defRPr>
       </a:lvl1pPr>
-      <a:lvl2pPr marL="457200" algn="l" defTabSz="457200" rtl="0" eaLnBrk="1" latinLnBrk="0" hangingPunct="1">
+      <a:lvl2pPr marL="457200" algn="l" defTabSz="914400" rtl="0" eaLnBrk="1" latinLnBrk="0" hangingPunct="1">
         <a:defRPr sz="1800" kern="1200">
           <a:solidFill>
             <a:schemeClr val="tx1"/>
@@ -5298,7 +6045,7 @@
           <a:cs typeface="+mn-cs"/>
         </a:defRPr>
       </a:lvl2pPr>
-      <a:lvl3pPr marL="914400" algn="l" defTabSz="457200" rtl="0" eaLnBrk="1" latinLnBrk="0" hangingPunct="1">
+      <a:lvl3pPr marL="914400" algn="l" defTabSz="914400" rtl="0" eaLnBrk="1" latinLnBrk="0" hangingPunct="1">
         <a:defRPr sz="1800" kern="1200">
           <a:solidFill>
             <a:schemeClr val="tx1"/>
@@ -5308,7 +6055,7 @@
           <a:cs typeface="+mn-cs"/>
         </a:defRPr>
       </a:lvl3pPr>
-      <a:lvl4pPr marL="1371600" algn="l" defTabSz="457200" rtl="0" eaLnBrk="1" latinLnBrk="0" hangingPunct="1">
+      <a:lvl4pPr marL="1371600" algn="l" defTabSz="914400" rtl="0" eaLnBrk="1" latinLnBrk="0" hangingPunct="1">
         <a:defRPr sz="1800" kern="1200">
           <a:solidFill>
             <a:schemeClr val="tx1"/>
@@ -5318,7 +6065,7 @@
           <a:cs typeface="+mn-cs"/>
         </a:defRPr>
       </a:lvl4pPr>
-      <a:lvl5pPr marL="1828800" algn="l" defTabSz="457200" rtl="0" eaLnBrk="1" latinLnBrk="0" hangingPunct="1">
+      <a:lvl5pPr marL="1828800" algn="l" defTabSz="914400" rtl="0" eaLnBrk="1" latinLnBrk="0" hangingPunct="1">
         <a:defRPr sz="1800" kern="1200">
           <a:solidFill>
             <a:schemeClr val="tx1"/>
@@ -5328,7 +6075,7 @@
           <a:cs typeface="+mn-cs"/>
         </a:defRPr>
       </a:lvl5pPr>
-      <a:lvl6pPr marL="2286000" algn="l" defTabSz="457200" rtl="0" eaLnBrk="1" latinLnBrk="0" hangingPunct="1">
+      <a:lvl6pPr marL="2286000" algn="l" defTabSz="914400" rtl="0" eaLnBrk="1" latinLnBrk="0" hangingPunct="1">
         <a:defRPr sz="1800" kern="1200">
           <a:solidFill>
             <a:schemeClr val="tx1"/>
@@ -5338,7 +6085,7 @@
           <a:cs typeface="+mn-cs"/>
         </a:defRPr>
       </a:lvl6pPr>
-      <a:lvl7pPr marL="2743200" algn="l" defTabSz="457200" rtl="0" eaLnBrk="1" latinLnBrk="0" hangingPunct="1">
+      <a:lvl7pPr marL="2743200" algn="l" defTabSz="914400" rtl="0" eaLnBrk="1" latinLnBrk="0" hangingPunct="1">
         <a:defRPr sz="1800" kern="1200">
           <a:solidFill>
             <a:schemeClr val="tx1"/>
@@ -5348,7 +6095,7 @@
           <a:cs typeface="+mn-cs"/>
         </a:defRPr>
       </a:lvl7pPr>
-      <a:lvl8pPr marL="3200400" algn="l" defTabSz="457200" rtl="0" eaLnBrk="1" latinLnBrk="0" hangingPunct="1">
+      <a:lvl8pPr marL="3200400" algn="l" defTabSz="914400" rtl="0" eaLnBrk="1" latinLnBrk="0" hangingPunct="1">
         <a:defRPr sz="1800" kern="1200">
           <a:solidFill>
             <a:schemeClr val="tx1"/>
@@ -5358,7 +6105,7 @@
           <a:cs typeface="+mn-cs"/>
         </a:defRPr>
       </a:lvl8pPr>
-      <a:lvl9pPr marL="3657600" algn="l" defTabSz="457200" rtl="0" eaLnBrk="1" latinLnBrk="0" hangingPunct="1">
+      <a:lvl9pPr marL="3657600" algn="l" defTabSz="914400" rtl="0" eaLnBrk="1" latinLnBrk="0" hangingPunct="1">
         <a:defRPr sz="1800" kern="1200">
           <a:solidFill>
             <a:schemeClr val="tx1"/>
@@ -5404,8 +6151,8 @@
         </p:nvSpPr>
         <p:spPr>
           <a:xfrm>
-            <a:off x="846457" y="213557"/>
-            <a:ext cx="1461106" cy="523220"/>
+            <a:off x="648586" y="463311"/>
+            <a:ext cx="1295547" cy="523220"/>
           </a:xfrm>
           <a:prstGeom prst="rect">
             <a:avLst/>
@@ -5419,11 +6166,7 @@
           <a:lstStyle/>
           <a:p>
             <a:r>
-              <a:rPr lang="en-US" sz="2800" b="1" dirty="0">
-                <a:solidFill>
-                  <a:schemeClr val="bg1"/>
-                </a:solidFill>
-              </a:rPr>
+              <a:rPr lang="en-US" sz="2800" b="1" dirty="0"/>
               <a:t>| EST SB</a:t>
             </a:r>
           </a:p>
@@ -5460,9 +6203,7 @@
             <a:r>
               <a:rPr lang="fr-FR" sz="4000" b="1" dirty="0">
                 <a:solidFill>
-                  <a:schemeClr val="bg1">
-                    <a:lumMod val="85000"/>
-                  </a:schemeClr>
+                  <a:srgbClr val="FF0000"/>
                 </a:solidFill>
                 <a:latin typeface="Daytona" panose="020B0604030500040204" pitchFamily="34" charset="0"/>
               </a:rPr>
@@ -5473,7 +6214,9 @@
             <a:r>
               <a:rPr lang="fr-FR" sz="4000" b="1" dirty="0">
                 <a:solidFill>
-                  <a:schemeClr val="bg1"/>
+                  <a:schemeClr val="accent1">
+                    <a:lumMod val="50000"/>
+                  </a:schemeClr>
                 </a:solidFill>
                 <a:latin typeface="Daytona" panose="020B0604030500040204" pitchFamily="34" charset="0"/>
               </a:rPr>
@@ -5510,7 +6253,7 @@
         </p:blipFill>
         <p:spPr>
           <a:xfrm>
-            <a:off x="450715" y="292113"/>
+            <a:off x="252844" y="541867"/>
             <a:ext cx="395742" cy="395742"/>
           </a:xfrm>
           <a:prstGeom prst="rect">
@@ -5543,7 +6286,7 @@
         <p:spPr>
           <a:xfrm>
             <a:off x="4133155" y="3195136"/>
-            <a:ext cx="1962845" cy="369332"/>
+            <a:ext cx="1797480" cy="369332"/>
           </a:xfrm>
           <a:prstGeom prst="rect">
             <a:avLst/>
@@ -5559,8 +6302,9 @@
             <a:r>
               <a:rPr lang="fr-FR" b="1" dirty="0">
                 <a:solidFill>
-                  <a:schemeClr val="bg1">
-                    <a:lumMod val="75000"/>
+                  <a:schemeClr val="accent1">
+                    <a:lumMod val="60000"/>
+                    <a:lumOff val="40000"/>
                   </a:schemeClr>
                 </a:solidFill>
               </a:rPr>
@@ -5583,7 +6327,7 @@
         </p:nvSpPr>
         <p:spPr>
           <a:xfrm>
-            <a:off x="504491" y="5365558"/>
+            <a:off x="450715" y="4950692"/>
             <a:ext cx="2300630" cy="1200329"/>
           </a:xfrm>
           <a:prstGeom prst="rect">
@@ -5599,6 +6343,9 @@
           <a:p>
             <a:r>
               <a:rPr lang="fr-FR" dirty="0">
+                <a:solidFill>
+                  <a:schemeClr val="bg1"/>
+                </a:solidFill>
                 <a:latin typeface="Daytona" panose="020B0604030500040204" pitchFamily="34" charset="0"/>
               </a:rPr>
               <a:t>Saad Ouafir</a:t>
@@ -5607,6 +6354,9 @@
           <a:p>
             <a:r>
               <a:rPr lang="fr-FR" dirty="0">
+                <a:solidFill>
+                  <a:schemeClr val="bg1"/>
+                </a:solidFill>
                 <a:latin typeface="Daytona" panose="020B0604030500040204" pitchFamily="34" charset="0"/>
               </a:rPr>
               <a:t>Oussama Mejdoubi</a:t>
@@ -5615,6 +6365,9 @@
           <a:p>
             <a:r>
               <a:rPr lang="fr-FR" dirty="0">
+                <a:solidFill>
+                  <a:schemeClr val="bg1"/>
+                </a:solidFill>
                 <a:latin typeface="Daytona" panose="020B0604030500040204" pitchFamily="34" charset="0"/>
               </a:rPr>
               <a:t>Alaa</a:t>
@@ -5623,6 +6376,9 @@
           <a:p>
             <a:r>
               <a:rPr lang="fr-FR" dirty="0">
+                <a:solidFill>
+                  <a:schemeClr val="bg1"/>
+                </a:solidFill>
                 <a:latin typeface="Daytona" panose="020B0604030500040204" pitchFamily="34" charset="0"/>
               </a:rPr>
               <a:t>Oussama Binik</a:t>
@@ -5632,10 +6388,10 @@
       </p:sp>
       <p:sp>
         <p:nvSpPr>
-          <p:cNvPr id="17" name="Rectangle 16">
+          <p:cNvPr id="19" name="Plus Sign 18">
             <a:extLst>
               <a:ext uri="{FF2B5EF4-FFF2-40B4-BE49-F238E27FC236}">
-                <a16:creationId xmlns:a16="http://schemas.microsoft.com/office/drawing/2014/main" id="{045A721E-B1A4-3B22-5810-E7DE00773C27}"/>
+                <a16:creationId xmlns:a16="http://schemas.microsoft.com/office/drawing/2014/main" id="{1DA30642-65A5-9543-C0C8-8100C99BFB2C}"/>
               </a:ext>
             </a:extLst>
           </p:cNvPr>
@@ -5644,18 +6400,15 @@
         </p:nvSpPr>
         <p:spPr>
           <a:xfrm>
-            <a:off x="10219267" y="409550"/>
-            <a:ext cx="1295400" cy="132317"/>
-          </a:xfrm>
-          <a:prstGeom prst="rect">
+            <a:off x="2185727" y="4540290"/>
+            <a:ext cx="567267" cy="567267"/>
+          </a:xfrm>
+          <a:prstGeom prst="mathPlus">
             <a:avLst/>
           </a:prstGeom>
           <a:solidFill>
             <a:schemeClr val="bg1"/>
           </a:solidFill>
-          <a:ln>
-            <a:noFill/>
-          </a:ln>
         </p:spPr>
         <p:style>
           <a:lnRef idx="2">
@@ -5684,55 +6437,6 @@
       </p:sp>
       <p:sp>
         <p:nvSpPr>
-          <p:cNvPr id="19" name="Plus Sign 18">
-            <a:extLst>
-              <a:ext uri="{FF2B5EF4-FFF2-40B4-BE49-F238E27FC236}">
-                <a16:creationId xmlns:a16="http://schemas.microsoft.com/office/drawing/2014/main" id="{1DA30642-65A5-9543-C0C8-8100C99BFB2C}"/>
-              </a:ext>
-            </a:extLst>
-          </p:cNvPr>
-          <p:cNvSpPr/>
-          <p:nvPr/>
-        </p:nvSpPr>
-        <p:spPr>
-          <a:xfrm>
-            <a:off x="2185727" y="4540290"/>
-            <a:ext cx="567267" cy="567267"/>
-          </a:xfrm>
-          <a:prstGeom prst="mathPlus">
-            <a:avLst/>
-          </a:prstGeom>
-          <a:solidFill>
-            <a:schemeClr val="bg1"/>
-          </a:solidFill>
-        </p:spPr>
-        <p:style>
-          <a:lnRef idx="2">
-            <a:schemeClr val="accent1">
-              <a:shade val="15000"/>
-            </a:schemeClr>
-          </a:lnRef>
-          <a:fillRef idx="1">
-            <a:schemeClr val="accent1"/>
-          </a:fillRef>
-          <a:effectRef idx="0">
-            <a:schemeClr val="accent1"/>
-          </a:effectRef>
-          <a:fontRef idx="minor">
-            <a:schemeClr val="lt1"/>
-          </a:fontRef>
-        </p:style>
-        <p:txBody>
-          <a:bodyPr rtlCol="0" anchor="ctr"/>
-          <a:lstStyle/>
-          <a:p>
-            <a:pPr algn="ctr"/>
-            <a:endParaRPr lang="fr-FR"/>
-          </a:p>
-        </p:txBody>
-      </p:sp>
-      <p:sp>
-        <p:nvSpPr>
           <p:cNvPr id="20" name="Rectangle 19">
             <a:extLst>
               <a:ext uri="{FF2B5EF4-FFF2-40B4-BE49-F238E27FC236}">
@@ -5745,7 +6449,7 @@
         </p:nvSpPr>
         <p:spPr>
           <a:xfrm>
-            <a:off x="311740" y="5365558"/>
+            <a:off x="257964" y="4950692"/>
             <a:ext cx="192751" cy="1200329"/>
           </a:xfrm>
           <a:prstGeom prst="rect">
@@ -5901,9 +6605,9 @@
 </file>
 
 <file path=ppt/theme/theme1.xml><?xml version="1.0" encoding="utf-8"?>
-<a:theme xmlns:a="http://schemas.openxmlformats.org/drawingml/2006/main" name="Quotable">
+<a:theme xmlns:a="http://schemas.openxmlformats.org/drawingml/2006/main" name="Main Event">
   <a:themeElements>
-    <a:clrScheme name="Quotable">
+    <a:clrScheme name="Main Event">
       <a:dk1>
         <a:sysClr val="windowText" lastClr="000000"/>
       </a:dk1>
@@ -5911,48 +6615,83 @@
         <a:sysClr val="window" lastClr="FFFFFF"/>
       </a:lt1>
       <a:dk2>
-        <a:srgbClr val="212121"/>
+        <a:srgbClr val="424242"/>
       </a:dk2>
       <a:lt2>
-        <a:srgbClr val="636363"/>
+        <a:srgbClr val="C8C8C8"/>
       </a:lt2>
       <a:accent1>
-        <a:srgbClr val="00C6BB"/>
+        <a:srgbClr val="B80E0F"/>
       </a:accent1>
       <a:accent2>
-        <a:srgbClr val="6FEBA0"/>
+        <a:srgbClr val="A6987D"/>
       </a:accent2>
       <a:accent3>
-        <a:srgbClr val="B6DF5E"/>
+        <a:srgbClr val="7F9A71"/>
       </a:accent3>
       <a:accent4>
-        <a:srgbClr val="EFB251"/>
+        <a:srgbClr val="64969F"/>
       </a:accent4>
       <a:accent5>
-        <a:srgbClr val="EF755F"/>
+        <a:srgbClr val="9B75B2"/>
       </a:accent5>
       <a:accent6>
-        <a:srgbClr val="ED515C"/>
+        <a:srgbClr val="80737A"/>
       </a:accent6>
       <a:hlink>
-        <a:srgbClr val="8F8F8F"/>
+        <a:srgbClr val="F21213"/>
       </a:hlink>
       <a:folHlink>
-        <a:srgbClr val="A5A5A5"/>
+        <a:srgbClr val="B6A394"/>
       </a:folHlink>
     </a:clrScheme>
-    <a:fontScheme name="Quotable">
+    <a:fontScheme name="Main Event">
       <a:majorFont>
-        <a:latin typeface="Century Gothic" panose="020B0502020202020204"/>
+        <a:latin typeface="Impact" panose="020B0806030902050204"/>
         <a:ea typeface=""/>
         <a:cs typeface=""/>
-        <a:font script="Jpan" typeface="ＭＳ ゴシック"/>
+        <a:font script="Jpan" typeface="ＭＳ Ｐゴシック"/>
         <a:font script="Hang" typeface="맑은 고딕"/>
         <a:font script="Hans" typeface="宋体"/>
         <a:font script="Hant" typeface="新細明體"/>
-        <a:font script="Arab" typeface="Tahoma"/>
-        <a:font script="Hebr" typeface="Gisha"/>
-        <a:font script="Thai" typeface="DilleniaUPC"/>
+        <a:font script="Arab" typeface="Times New Roman"/>
+        <a:font script="Hebr" typeface="Times New Roman"/>
+        <a:font script="Thai" typeface="Angsana New"/>
+        <a:font script="Ethi" typeface="Nyala"/>
+        <a:font script="Beng" typeface="Vrinda"/>
+        <a:font script="Gujr" typeface="Shruti"/>
+        <a:font script="Khmr" typeface="MoolBoran"/>
+        <a:font script="Knda" typeface="Tunga"/>
+        <a:font script="Guru" typeface="Raavi"/>
+        <a:font script="Cans" typeface="Euphemia"/>
+        <a:font script="Cher" typeface="Plantagenet Cherokee"/>
+        <a:font script="Yiii" typeface="Microsoft Yi Baiti"/>
+        <a:font script="Tibt" typeface="Microsoft Himalaya"/>
+        <a:font script="Thaa" typeface="MV Boli"/>
+        <a:font script="Deva" typeface="Mangal"/>
+        <a:font script="Telu" typeface="Gautami"/>
+        <a:font script="Taml" typeface="Latha"/>
+        <a:font script="Syrc" typeface="Estrangelo Edessa"/>
+        <a:font script="Orya" typeface="Kalinga"/>
+        <a:font script="Mlym" typeface="Kartika"/>
+        <a:font script="Laoo" typeface="DokChampa"/>
+        <a:font script="Sinh" typeface="Iskoola Pota"/>
+        <a:font script="Mong" typeface="Mongolian Baiti"/>
+        <a:font script="Viet" typeface="Times New Roman"/>
+        <a:font script="Uigh" typeface="Microsoft Uighur"/>
+        <a:font script="Geor" typeface="Sylfaen"/>
+      </a:majorFont>
+      <a:minorFont>
+        <a:latin typeface="Impact" panose="020B0806030902050204"/>
+        <a:ea typeface=""/>
+        <a:cs typeface=""/>
+        <a:font script="Jpan" typeface="ＭＳ Ｐゴシック"/>
+        <a:font script="Hang" typeface="맑은 고딕"/>
+        <a:font script="Hans" typeface="宋体"/>
+        <a:font script="Hant" typeface="新細明體"/>
+        <a:font script="Arab" typeface="Arial"/>
+        <a:font script="Hebr" typeface="Arial"/>
+        <a:font script="Thai" typeface="Cordia New"/>
         <a:font script="Ethi" typeface="Nyala"/>
         <a:font script="Beng" typeface="Vrinda"/>
         <a:font script="Gujr" typeface="Shruti"/>
@@ -5973,97 +6712,52 @@
         <a:font script="Laoo" typeface="DokChampa"/>
         <a:font script="Sinh" typeface="Iskoola Pota"/>
         <a:font script="Mong" typeface="Mongolian Baiti"/>
-        <a:font script="Viet" typeface="Tahoma"/>
-        <a:font script="Uigh" typeface="Microsoft Uighur"/>
-        <a:font script="Geor" typeface="Sylfaen"/>
-      </a:majorFont>
-      <a:minorFont>
-        <a:latin typeface="Century Gothic" panose="020B0502020202020204"/>
-        <a:ea typeface=""/>
-        <a:cs typeface=""/>
-        <a:font script="Jpan" typeface="ＭＳ ゴシック"/>
-        <a:font script="Hang" typeface="맑은 고딕"/>
-        <a:font script="Hans" typeface="宋体"/>
-        <a:font script="Hant" typeface="新細明體"/>
-        <a:font script="Arab" typeface="Tahoma"/>
-        <a:font script="Hebr" typeface="Gisha"/>
-        <a:font script="Thai" typeface="DilleniaUPC"/>
-        <a:font script="Ethi" typeface="Nyala"/>
-        <a:font script="Beng" typeface="Vrinda"/>
-        <a:font script="Gujr" typeface="Shruti"/>
-        <a:font script="Khmr" typeface="DaunPenh"/>
-        <a:font script="Knda" typeface="Tunga"/>
-        <a:font script="Guru" typeface="Raavi"/>
-        <a:font script="Cans" typeface="Euphemia"/>
-        <a:font script="Cher" typeface="Plantagenet Cherokee"/>
-        <a:font script="Yiii" typeface="Microsoft Yi Baiti"/>
-        <a:font script="Tibt" typeface="Microsoft Himalaya"/>
-        <a:font script="Thaa" typeface="MV Boli"/>
-        <a:font script="Deva" typeface="Mangal"/>
-        <a:font script="Telu" typeface="Gautami"/>
-        <a:font script="Taml" typeface="Latha"/>
-        <a:font script="Syrc" typeface="Estrangelo Edessa"/>
-        <a:font script="Orya" typeface="Kalinga"/>
-        <a:font script="Mlym" typeface="Kartika"/>
-        <a:font script="Laoo" typeface="DokChampa"/>
-        <a:font script="Sinh" typeface="Iskoola Pota"/>
-        <a:font script="Mong" typeface="Mongolian Baiti"/>
-        <a:font script="Viet" typeface="Verdana"/>
+        <a:font script="Viet" typeface="Arial"/>
         <a:font script="Uigh" typeface="Microsoft Uighur"/>
         <a:font script="Geor" typeface="Sylfaen"/>
       </a:minorFont>
     </a:fontScheme>
-    <a:fmtScheme name="Quotable">
+    <a:fmtScheme name="Main Event">
       <a:fillStyleLst>
         <a:solidFill>
           <a:schemeClr val="phClr"/>
         </a:solidFill>
-        <a:gradFill rotWithShape="1">
-          <a:gsLst>
-            <a:gs pos="0">
-              <a:schemeClr val="phClr">
-                <a:tint val="80000"/>
-                <a:lumMod val="105000"/>
-              </a:schemeClr>
-            </a:gs>
-            <a:gs pos="100000">
-              <a:schemeClr val="phClr">
-                <a:tint val="90000"/>
-              </a:schemeClr>
-            </a:gs>
-          </a:gsLst>
-          <a:lin ang="5400000" scaled="0"/>
-        </a:gradFill>
-        <a:blipFill rotWithShape="1">
+        <a:solidFill>
+          <a:schemeClr val="phClr">
+            <a:tint val="69000"/>
+            <a:satMod val="105000"/>
+            <a:lumMod val="110000"/>
+          </a:schemeClr>
+        </a:solidFill>
+        <a:blipFill>
           <a:blip xmlns:r="http://schemas.openxmlformats.org/officeDocument/2006/relationships" r:embed="rId1">
             <a:duotone>
               <a:schemeClr val="phClr">
-                <a:tint val="98000"/>
-                <a:lumMod val="102000"/>
+                <a:shade val="88000"/>
+                <a:lumMod val="88000"/>
               </a:schemeClr>
-              <a:schemeClr val="phClr">
-                <a:shade val="98000"/>
-                <a:lumMod val="98000"/>
-              </a:schemeClr>
+              <a:schemeClr val="phClr"/>
             </a:duotone>
           </a:blip>
           <a:tile tx="0" ty="0" sx="100000" sy="100000" flip="none" algn="tl"/>
         </a:blipFill>
       </a:fillStyleLst>
       <a:lnStyleLst>
-        <a:ln w="9525" cap="rnd" cmpd="sng" algn="ctr">
+        <a:ln w="9525" cap="flat" cmpd="sng" algn="ctr">
+          <a:solidFill>
+            <a:schemeClr val="phClr">
+              <a:shade val="60000"/>
+            </a:schemeClr>
+          </a:solidFill>
+          <a:prstDash val="solid"/>
+        </a:ln>
+        <a:ln w="19050" cap="flat" cmpd="sng" algn="ctr">
           <a:solidFill>
             <a:schemeClr val="phClr"/>
           </a:solidFill>
           <a:prstDash val="solid"/>
         </a:ln>
-        <a:ln w="15875" cap="rnd" cmpd="sng" algn="ctr">
-          <a:solidFill>
-            <a:schemeClr val="phClr"/>
-          </a:solidFill>
-          <a:prstDash val="solid"/>
-        </a:ln>
-        <a:ln w="25400" cap="rnd" cmpd="sng" algn="ctr">
+        <a:ln w="25400" cap="flat" cmpd="sng" algn="ctr">
           <a:solidFill>
             <a:schemeClr val="phClr"/>
           </a:solidFill>
@@ -6079,11 +6773,11 @@
         </a:effectStyle>
         <a:effectStyle>
           <a:effectLst>
-            <a:innerShdw blurRad="63500" dist="25400" dir="13500000">
+            <a:outerShdw blurRad="25400" dist="12700" dir="5400000" rotWithShape="0">
               <a:srgbClr val="000000">
-                <a:alpha val="75000"/>
+                <a:alpha val="60000"/>
               </a:srgbClr>
-            </a:innerShdw>
+            </a:outerShdw>
           </a:effectLst>
         </a:effectStyle>
       </a:effectStyleLst>
@@ -6095,35 +6789,35 @@
           <a:gsLst>
             <a:gs pos="0">
               <a:schemeClr val="phClr">
-                <a:tint val="100000"/>
+                <a:tint val="90000"/>
+                <a:lumMod val="110000"/>
               </a:schemeClr>
             </a:gs>
             <a:gs pos="100000">
               <a:schemeClr val="phClr">
-                <a:tint val="84000"/>
-                <a:shade val="84000"/>
-                <a:lumMod val="90000"/>
+                <a:shade val="88000"/>
+                <a:lumMod val="88000"/>
               </a:schemeClr>
             </a:gs>
           </a:gsLst>
           <a:lin ang="5400000" scaled="0"/>
         </a:gradFill>
-        <a:gradFill rotWithShape="1">
-          <a:gsLst>
-            <a:gs pos="0">
+        <a:blipFill>
+          <a:blip xmlns:r="http://schemas.openxmlformats.org/officeDocument/2006/relationships" r:embed="rId2">
+            <a:duotone>
               <a:schemeClr val="phClr">
-                <a:tint val="84000"/>
-                <a:shade val="90000"/>
-                <a:satMod val="120000"/>
-                <a:lumMod val="90000"/>
+                <a:shade val="48000"/>
+                <a:satMod val="110000"/>
+                <a:lumMod val="40000"/>
               </a:schemeClr>
-            </a:gs>
-            <a:gs pos="100000">
-              <a:schemeClr val="phClr"/>
-            </a:gs>
-          </a:gsLst>
-          <a:lin ang="5400000" scaled="0"/>
-        </a:gradFill>
+              <a:schemeClr val="phClr">
+                <a:tint val="90000"/>
+                <a:lumMod val="106000"/>
+              </a:schemeClr>
+            </a:duotone>
+          </a:blip>
+          <a:stretch/>
+        </a:blipFill>
       </a:bgFillStyleLst>
     </a:fmtScheme>
   </a:themeElements>
@@ -6131,7 +6825,7 @@
   <a:extraClrSchemeLst/>
   <a:extLst>
     <a:ext uri="{05A4C25C-085E-4340-85A3-A5531E510DB2}">
-      <thm15:themeFamily xmlns:thm15="http://schemas.microsoft.com/office/thememl/2012/main" name="Quotable" id="{39EC5628-30ED-4578-ACD8-9820EDB8E15A}" vid="{6F3559E9-1A4C-49D8-94D4-F41003531C49}"/>
+      <thm15:themeFamily xmlns:thm15="http://schemas.microsoft.com/office/thememl/2012/main" name="Main Event" id="{AC372BB4-D83D-411E-B849-B641926BA760}" vid="{F1EFBDE3-1A95-4E3D-81AD-1F53D65BEA01}"/>
     </a:ext>
   </a:extLst>
 </a:theme>
